--- a/in_class_slides/geog4300_W03-1 Classification and descriptive stats.pptx
+++ b/in_class_slides/geog4300_W03-1 Classification and descriptive stats.pptx
@@ -5,24 +5,23 @@
     <p:sldMasterId id="2147483660" r:id="rId1"/>
   </p:sldMasterIdLst>
   <p:notesMasterIdLst>
-    <p:notesMasterId r:id="rId17"/>
+    <p:notesMasterId r:id="rId16"/>
   </p:notesMasterIdLst>
   <p:sldIdLst>
     <p:sldId id="256" r:id="rId2"/>
     <p:sldId id="257" r:id="rId3"/>
-    <p:sldId id="283" r:id="rId4"/>
-    <p:sldId id="284" r:id="rId5"/>
-    <p:sldId id="285" r:id="rId6"/>
-    <p:sldId id="286" r:id="rId7"/>
-    <p:sldId id="282" r:id="rId8"/>
-    <p:sldId id="260" r:id="rId9"/>
-    <p:sldId id="275" r:id="rId10"/>
-    <p:sldId id="276" r:id="rId11"/>
-    <p:sldId id="277" r:id="rId12"/>
-    <p:sldId id="278" r:id="rId13"/>
-    <p:sldId id="279" r:id="rId14"/>
-    <p:sldId id="280" r:id="rId15"/>
-    <p:sldId id="281" r:id="rId16"/>
+    <p:sldId id="289" r:id="rId4"/>
+    <p:sldId id="290" r:id="rId5"/>
+    <p:sldId id="288" r:id="rId6"/>
+    <p:sldId id="283" r:id="rId7"/>
+    <p:sldId id="284" r:id="rId8"/>
+    <p:sldId id="285" r:id="rId9"/>
+    <p:sldId id="286" r:id="rId10"/>
+    <p:sldId id="278" r:id="rId11"/>
+    <p:sldId id="279" r:id="rId12"/>
+    <p:sldId id="280" r:id="rId13"/>
+    <p:sldId id="281" r:id="rId14"/>
+    <p:sldId id="291" r:id="rId15"/>
   </p:sldIdLst>
   <p:sldSz cx="12192000" cy="6858000"/>
   <p:notesSz cx="6858000" cy="9144000"/>
@@ -121,6 +120,11 @@
       </a:defRPr>
     </a:lvl9pPr>
   </p:defaultTextStyle>
+  <p:extLst>
+    <p:ext uri="{EFAFB233-063F-42B5-8137-9DF3F51BA10A}">
+      <p15:sldGuideLst xmlns:p15="http://schemas.microsoft.com/office/powerpoint/2012/main"/>
+    </p:ext>
+  </p:extLst>
 </p:presentation>
 </file>
 
@@ -206,7 +210,7 @@
           <a:p>
             <a:fld id="{F1C23026-85D4-48E8-9219-18000F688023}" type="datetimeFigureOut">
               <a:rPr lang="en-US" smtClean="0"/>
-              <a:t>9/2/2021</a:t>
+              <a:t>9/8/2022</a:t>
             </a:fld>
             <a:endParaRPr lang="en-US"/>
           </a:p>
@@ -677,7 +681,7 @@
                 <a:cs typeface="Calibri"/>
                 <a:sym typeface="Calibri"/>
               </a:rPr>
-              <a:t>8</a:t>
+              <a:t>10</a:t>
             </a:fld>
             <a:endParaRPr lang="en-US" sz="1200">
               <a:solidFill>
@@ -692,6 +696,11 @@
         </p:txBody>
       </p:sp>
     </p:spTree>
+    <p:extLst>
+      <p:ext uri="{BB962C8B-B14F-4D97-AF65-F5344CB8AC3E}">
+        <p14:creationId xmlns:p14="http://schemas.microsoft.com/office/powerpoint/2010/main" val="3684996179"/>
+      </p:ext>
+    </p:extLst>
   </p:cSld>
   <p:clrMapOvr>
     <a:masterClrMapping/>
@@ -903,7 +912,7 @@
                 <a:cs typeface="Calibri"/>
                 <a:sym typeface="Calibri"/>
               </a:rPr>
-              <a:t>9</a:t>
+              <a:t>11</a:t>
             </a:fld>
             <a:endParaRPr lang="en-US" sz="1200">
               <a:solidFill>
@@ -920,7 +929,7 @@
     </p:spTree>
     <p:extLst>
       <p:ext uri="{BB962C8B-B14F-4D97-AF65-F5344CB8AC3E}">
-        <p14:creationId xmlns:p14="http://schemas.microsoft.com/office/powerpoint/2010/main" val="4185327132"/>
+        <p14:creationId xmlns:p14="http://schemas.microsoft.com/office/powerpoint/2010/main" val="3672709778"/>
       </p:ext>
     </p:extLst>
   </p:cSld>
@@ -1134,7 +1143,7 @@
                 <a:cs typeface="Calibri"/>
                 <a:sym typeface="Calibri"/>
               </a:rPr>
-              <a:t>10</a:t>
+              <a:t>12</a:t>
             </a:fld>
             <a:endParaRPr lang="en-US" sz="1200">
               <a:solidFill>
@@ -1151,7 +1160,7 @@
     </p:spTree>
     <p:extLst>
       <p:ext uri="{BB962C8B-B14F-4D97-AF65-F5344CB8AC3E}">
-        <p14:creationId xmlns:p14="http://schemas.microsoft.com/office/powerpoint/2010/main" val="2779702366"/>
+        <p14:creationId xmlns:p14="http://schemas.microsoft.com/office/powerpoint/2010/main" val="4132010899"/>
       </p:ext>
     </p:extLst>
   </p:cSld>
@@ -1365,7 +1374,7 @@
                 <a:cs typeface="Calibri"/>
                 <a:sym typeface="Calibri"/>
               </a:rPr>
-              <a:t>11</a:t>
+              <a:t>13</a:t>
             </a:fld>
             <a:endParaRPr lang="en-US" sz="1200">
               <a:solidFill>
@@ -1382,7 +1391,7 @@
     </p:spTree>
     <p:extLst>
       <p:ext uri="{BB962C8B-B14F-4D97-AF65-F5344CB8AC3E}">
-        <p14:creationId xmlns:p14="http://schemas.microsoft.com/office/powerpoint/2010/main" val="3714064659"/>
+        <p14:creationId xmlns:p14="http://schemas.microsoft.com/office/powerpoint/2010/main" val="2375203754"/>
       </p:ext>
     </p:extLst>
   </p:cSld>
@@ -1596,468 +1605,6 @@
                 <a:cs typeface="Calibri"/>
                 <a:sym typeface="Calibri"/>
               </a:rPr>
-              <a:t>12</a:t>
-            </a:fld>
-            <a:endParaRPr lang="en-US" sz="1200">
-              <a:solidFill>
-                <a:schemeClr val="dk1"/>
-              </a:solidFill>
-              <a:latin typeface="Calibri"/>
-              <a:ea typeface="Calibri"/>
-              <a:cs typeface="Calibri"/>
-              <a:sym typeface="Calibri"/>
-            </a:endParaRPr>
-          </a:p>
-        </p:txBody>
-      </p:sp>
-    </p:spTree>
-    <p:extLst>
-      <p:ext uri="{BB962C8B-B14F-4D97-AF65-F5344CB8AC3E}">
-        <p14:creationId xmlns:p14="http://schemas.microsoft.com/office/powerpoint/2010/main" val="3684996179"/>
-      </p:ext>
-    </p:extLst>
-  </p:cSld>
-  <p:clrMapOvr>
-    <a:masterClrMapping/>
-  </p:clrMapOvr>
-</p:notes>
-</file>
-
-<file path=ppt/notesSlides/notesSlide6.xml><?xml version="1.0" encoding="utf-8"?>
-<p:notes xmlns:a="http://schemas.openxmlformats.org/drawingml/2006/main" xmlns:r="http://schemas.openxmlformats.org/officeDocument/2006/relationships" xmlns:p="http://schemas.openxmlformats.org/presentationml/2006/main" showMasterSp="0" showMasterPhAnim="0">
-  <p:cSld>
-    <p:spTree>
-      <p:nvGrpSpPr>
-        <p:cNvPr id="1" name="Shape 114"/>
-        <p:cNvGrpSpPr/>
-        <p:nvPr/>
-      </p:nvGrpSpPr>
-      <p:grpSpPr>
-        <a:xfrm>
-          <a:off x="0" y="0"/>
-          <a:ext cx="0" cy="0"/>
-          <a:chOff x="0" y="0"/>
-          <a:chExt cx="0" cy="0"/>
-        </a:xfrm>
-      </p:grpSpPr>
-      <p:sp>
-        <p:nvSpPr>
-          <p:cNvPr id="115" name="Shape 115"/>
-          <p:cNvSpPr>
-            <a:spLocks noGrp="1" noRot="1" noChangeAspect="1"/>
-          </p:cNvSpPr>
-          <p:nvPr>
-            <p:ph type="sldImg" idx="2"/>
-          </p:nvPr>
-        </p:nvSpPr>
-        <p:spPr>
-          <a:xfrm>
-            <a:off x="381000" y="685800"/>
-            <a:ext cx="6096000" cy="3429000"/>
-          </a:xfrm>
-          <a:custGeom>
-            <a:avLst/>
-            <a:gdLst/>
-            <a:ahLst/>
-            <a:cxnLst/>
-            <a:rect l="0" t="0" r="0" b="0"/>
-            <a:pathLst>
-              <a:path w="120000" h="120000" extrusionOk="0">
-                <a:moveTo>
-                  <a:pt x="0" y="0"/>
-                </a:moveTo>
-                <a:lnTo>
-                  <a:pt x="120000" y="0"/>
-                </a:lnTo>
-                <a:lnTo>
-                  <a:pt x="120000" y="120000"/>
-                </a:lnTo>
-                <a:lnTo>
-                  <a:pt x="0" y="120000"/>
-                </a:lnTo>
-                <a:close/>
-              </a:path>
-            </a:pathLst>
-          </a:custGeom>
-          <a:noFill/>
-          <a:ln w="12700" cap="flat" cmpd="sng">
-            <a:solidFill>
-              <a:srgbClr val="000000"/>
-            </a:solidFill>
-            <a:prstDash val="solid"/>
-            <a:round/>
-            <a:headEnd type="none" w="med" len="med"/>
-            <a:tailEnd type="none" w="med" len="med"/>
-          </a:ln>
-        </p:spPr>
-      </p:sp>
-      <p:sp>
-        <p:nvSpPr>
-          <p:cNvPr id="116" name="Shape 116"/>
-          <p:cNvSpPr txBox="1">
-            <a:spLocks noGrp="1"/>
-          </p:cNvSpPr>
-          <p:nvPr>
-            <p:ph type="body" idx="1"/>
-          </p:nvPr>
-        </p:nvSpPr>
-        <p:spPr>
-          <a:xfrm>
-            <a:off x="685800" y="4343400"/>
-            <a:ext cx="5486399" cy="4114800"/>
-          </a:xfrm>
-          <a:prstGeom prst="rect">
-            <a:avLst/>
-          </a:prstGeom>
-          <a:noFill/>
-          <a:ln>
-            <a:noFill/>
-          </a:ln>
-        </p:spPr>
-        <p:txBody>
-          <a:bodyPr lIns="91425" tIns="45700" rIns="91425" bIns="45700" anchor="t" anchorCtr="0">
-            <a:noAutofit/>
-          </a:bodyPr>
-          <a:lstStyle/>
-          <a:p>
-            <a:pPr marL="0" marR="0" lvl="0" indent="0" algn="l" rtl="0">
-              <a:spcBef>
-                <a:spcPts val="0"/>
-              </a:spcBef>
-              <a:buSzPct val="25000"/>
-              <a:buNone/>
-            </a:pPr>
-            <a:r>
-              <a:rPr lang="en-US" sz="1200" b="0" i="0" u="none" strike="noStrike" cap="none">
-                <a:solidFill>
-                  <a:schemeClr val="dk1"/>
-                </a:solidFill>
-                <a:latin typeface="Calibri"/>
-                <a:ea typeface="Calibri"/>
-                <a:cs typeface="Calibri"/>
-                <a:sym typeface="Calibri"/>
-              </a:rPr>
-              <a:t>Depending your approach, classification methods can paint very different pictures of the same data points.</a:t>
-            </a:r>
-          </a:p>
-          <a:p>
-            <a:pPr marL="0" marR="0" lvl="0" indent="0" algn="l" rtl="0">
-              <a:spcBef>
-                <a:spcPts val="0"/>
-              </a:spcBef>
-              <a:buSzPct val="25000"/>
-              <a:buNone/>
-            </a:pPr>
-            <a:endParaRPr sz="1200" b="0" i="0" u="none" strike="noStrike" cap="none">
-              <a:solidFill>
-                <a:schemeClr val="dk1"/>
-              </a:solidFill>
-              <a:latin typeface="Calibri"/>
-              <a:ea typeface="Calibri"/>
-              <a:cs typeface="Calibri"/>
-              <a:sym typeface="Calibri"/>
-            </a:endParaRPr>
-          </a:p>
-          <a:p>
-            <a:pPr marL="0" marR="0" lvl="0" indent="0" algn="l" rtl="0">
-              <a:spcBef>
-                <a:spcPts val="0"/>
-              </a:spcBef>
-              <a:buSzPct val="25000"/>
-              <a:buNone/>
-            </a:pPr>
-            <a:r>
-              <a:rPr lang="en-US" sz="1200" b="0" i="0" u="none" strike="noStrike" cap="none">
-                <a:solidFill>
-                  <a:schemeClr val="dk1"/>
-                </a:solidFill>
-                <a:latin typeface="Calibri"/>
-                <a:ea typeface="Calibri"/>
-                <a:cs typeface="Calibri"/>
-                <a:sym typeface="Calibri"/>
-              </a:rPr>
-              <a:t>How might we interpret the natural breaks map differently from the quantiles map here?</a:t>
-            </a:r>
-          </a:p>
-        </p:txBody>
-      </p:sp>
-      <p:sp>
-        <p:nvSpPr>
-          <p:cNvPr id="117" name="Shape 117"/>
-          <p:cNvSpPr txBox="1">
-            <a:spLocks noGrp="1"/>
-          </p:cNvSpPr>
-          <p:nvPr>
-            <p:ph type="sldNum" idx="12"/>
-          </p:nvPr>
-        </p:nvSpPr>
-        <p:spPr>
-          <a:xfrm>
-            <a:off x="3884612" y="8685213"/>
-            <a:ext cx="2971799" cy="457200"/>
-          </a:xfrm>
-          <a:prstGeom prst="rect">
-            <a:avLst/>
-          </a:prstGeom>
-          <a:noFill/>
-          <a:ln>
-            <a:noFill/>
-          </a:ln>
-        </p:spPr>
-        <p:txBody>
-          <a:bodyPr lIns="91425" tIns="45700" rIns="91425" bIns="45700" anchor="b" anchorCtr="0">
-            <a:noAutofit/>
-          </a:bodyPr>
-          <a:lstStyle/>
-          <a:p>
-            <a:pPr marL="0" marR="0" lvl="0" indent="0" algn="r" rtl="0">
-              <a:spcBef>
-                <a:spcPts val="0"/>
-              </a:spcBef>
-              <a:buSzPct val="25000"/>
-              <a:buNone/>
-            </a:pPr>
-            <a:fld id="{00000000-1234-1234-1234-123412341234}" type="slidenum">
-              <a:rPr lang="en-US" sz="1200">
-                <a:solidFill>
-                  <a:schemeClr val="dk1"/>
-                </a:solidFill>
-                <a:latin typeface="Calibri"/>
-                <a:ea typeface="Calibri"/>
-                <a:cs typeface="Calibri"/>
-                <a:sym typeface="Calibri"/>
-              </a:rPr>
-              <a:t>13</a:t>
-            </a:fld>
-            <a:endParaRPr lang="en-US" sz="1200">
-              <a:solidFill>
-                <a:schemeClr val="dk1"/>
-              </a:solidFill>
-              <a:latin typeface="Calibri"/>
-              <a:ea typeface="Calibri"/>
-              <a:cs typeface="Calibri"/>
-              <a:sym typeface="Calibri"/>
-            </a:endParaRPr>
-          </a:p>
-        </p:txBody>
-      </p:sp>
-    </p:spTree>
-    <p:extLst>
-      <p:ext uri="{BB962C8B-B14F-4D97-AF65-F5344CB8AC3E}">
-        <p14:creationId xmlns:p14="http://schemas.microsoft.com/office/powerpoint/2010/main" val="3672709778"/>
-      </p:ext>
-    </p:extLst>
-  </p:cSld>
-  <p:clrMapOvr>
-    <a:masterClrMapping/>
-  </p:clrMapOvr>
-</p:notes>
-</file>
-
-<file path=ppt/notesSlides/notesSlide7.xml><?xml version="1.0" encoding="utf-8"?>
-<p:notes xmlns:a="http://schemas.openxmlformats.org/drawingml/2006/main" xmlns:r="http://schemas.openxmlformats.org/officeDocument/2006/relationships" xmlns:p="http://schemas.openxmlformats.org/presentationml/2006/main" showMasterSp="0" showMasterPhAnim="0">
-  <p:cSld>
-    <p:spTree>
-      <p:nvGrpSpPr>
-        <p:cNvPr id="1" name="Shape 114"/>
-        <p:cNvGrpSpPr/>
-        <p:nvPr/>
-      </p:nvGrpSpPr>
-      <p:grpSpPr>
-        <a:xfrm>
-          <a:off x="0" y="0"/>
-          <a:ext cx="0" cy="0"/>
-          <a:chOff x="0" y="0"/>
-          <a:chExt cx="0" cy="0"/>
-        </a:xfrm>
-      </p:grpSpPr>
-      <p:sp>
-        <p:nvSpPr>
-          <p:cNvPr id="115" name="Shape 115"/>
-          <p:cNvSpPr>
-            <a:spLocks noGrp="1" noRot="1" noChangeAspect="1"/>
-          </p:cNvSpPr>
-          <p:nvPr>
-            <p:ph type="sldImg" idx="2"/>
-          </p:nvPr>
-        </p:nvSpPr>
-        <p:spPr>
-          <a:xfrm>
-            <a:off x="381000" y="685800"/>
-            <a:ext cx="6096000" cy="3429000"/>
-          </a:xfrm>
-          <a:custGeom>
-            <a:avLst/>
-            <a:gdLst/>
-            <a:ahLst/>
-            <a:cxnLst/>
-            <a:rect l="0" t="0" r="0" b="0"/>
-            <a:pathLst>
-              <a:path w="120000" h="120000" extrusionOk="0">
-                <a:moveTo>
-                  <a:pt x="0" y="0"/>
-                </a:moveTo>
-                <a:lnTo>
-                  <a:pt x="120000" y="0"/>
-                </a:lnTo>
-                <a:lnTo>
-                  <a:pt x="120000" y="120000"/>
-                </a:lnTo>
-                <a:lnTo>
-                  <a:pt x="0" y="120000"/>
-                </a:lnTo>
-                <a:close/>
-              </a:path>
-            </a:pathLst>
-          </a:custGeom>
-          <a:noFill/>
-          <a:ln w="12700" cap="flat" cmpd="sng">
-            <a:solidFill>
-              <a:srgbClr val="000000"/>
-            </a:solidFill>
-            <a:prstDash val="solid"/>
-            <a:round/>
-            <a:headEnd type="none" w="med" len="med"/>
-            <a:tailEnd type="none" w="med" len="med"/>
-          </a:ln>
-        </p:spPr>
-      </p:sp>
-      <p:sp>
-        <p:nvSpPr>
-          <p:cNvPr id="116" name="Shape 116"/>
-          <p:cNvSpPr txBox="1">
-            <a:spLocks noGrp="1"/>
-          </p:cNvSpPr>
-          <p:nvPr>
-            <p:ph type="body" idx="1"/>
-          </p:nvPr>
-        </p:nvSpPr>
-        <p:spPr>
-          <a:xfrm>
-            <a:off x="685800" y="4343400"/>
-            <a:ext cx="5486399" cy="4114800"/>
-          </a:xfrm>
-          <a:prstGeom prst="rect">
-            <a:avLst/>
-          </a:prstGeom>
-          <a:noFill/>
-          <a:ln>
-            <a:noFill/>
-          </a:ln>
-        </p:spPr>
-        <p:txBody>
-          <a:bodyPr lIns="91425" tIns="45700" rIns="91425" bIns="45700" anchor="t" anchorCtr="0">
-            <a:noAutofit/>
-          </a:bodyPr>
-          <a:lstStyle/>
-          <a:p>
-            <a:pPr marL="0" marR="0" lvl="0" indent="0" algn="l" rtl="0">
-              <a:spcBef>
-                <a:spcPts val="0"/>
-              </a:spcBef>
-              <a:buSzPct val="25000"/>
-              <a:buNone/>
-            </a:pPr>
-            <a:r>
-              <a:rPr lang="en-US" sz="1200" b="0" i="0" u="none" strike="noStrike" cap="none">
-                <a:solidFill>
-                  <a:schemeClr val="dk1"/>
-                </a:solidFill>
-                <a:latin typeface="Calibri"/>
-                <a:ea typeface="Calibri"/>
-                <a:cs typeface="Calibri"/>
-                <a:sym typeface="Calibri"/>
-              </a:rPr>
-              <a:t>Depending your approach, classification methods can paint very different pictures of the same data points.</a:t>
-            </a:r>
-          </a:p>
-          <a:p>
-            <a:pPr marL="0" marR="0" lvl="0" indent="0" algn="l" rtl="0">
-              <a:spcBef>
-                <a:spcPts val="0"/>
-              </a:spcBef>
-              <a:buSzPct val="25000"/>
-              <a:buNone/>
-            </a:pPr>
-            <a:endParaRPr sz="1200" b="0" i="0" u="none" strike="noStrike" cap="none">
-              <a:solidFill>
-                <a:schemeClr val="dk1"/>
-              </a:solidFill>
-              <a:latin typeface="Calibri"/>
-              <a:ea typeface="Calibri"/>
-              <a:cs typeface="Calibri"/>
-              <a:sym typeface="Calibri"/>
-            </a:endParaRPr>
-          </a:p>
-          <a:p>
-            <a:pPr marL="0" marR="0" lvl="0" indent="0" algn="l" rtl="0">
-              <a:spcBef>
-                <a:spcPts val="0"/>
-              </a:spcBef>
-              <a:buSzPct val="25000"/>
-              <a:buNone/>
-            </a:pPr>
-            <a:r>
-              <a:rPr lang="en-US" sz="1200" b="0" i="0" u="none" strike="noStrike" cap="none">
-                <a:solidFill>
-                  <a:schemeClr val="dk1"/>
-                </a:solidFill>
-                <a:latin typeface="Calibri"/>
-                <a:ea typeface="Calibri"/>
-                <a:cs typeface="Calibri"/>
-                <a:sym typeface="Calibri"/>
-              </a:rPr>
-              <a:t>How might we interpret the natural breaks map differently from the quantiles map here?</a:t>
-            </a:r>
-          </a:p>
-        </p:txBody>
-      </p:sp>
-      <p:sp>
-        <p:nvSpPr>
-          <p:cNvPr id="117" name="Shape 117"/>
-          <p:cNvSpPr txBox="1">
-            <a:spLocks noGrp="1"/>
-          </p:cNvSpPr>
-          <p:nvPr>
-            <p:ph type="sldNum" idx="12"/>
-          </p:nvPr>
-        </p:nvSpPr>
-        <p:spPr>
-          <a:xfrm>
-            <a:off x="3884612" y="8685213"/>
-            <a:ext cx="2971799" cy="457200"/>
-          </a:xfrm>
-          <a:prstGeom prst="rect">
-            <a:avLst/>
-          </a:prstGeom>
-          <a:noFill/>
-          <a:ln>
-            <a:noFill/>
-          </a:ln>
-        </p:spPr>
-        <p:txBody>
-          <a:bodyPr lIns="91425" tIns="45700" rIns="91425" bIns="45700" anchor="b" anchorCtr="0">
-            <a:noAutofit/>
-          </a:bodyPr>
-          <a:lstStyle/>
-          <a:p>
-            <a:pPr marL="0" marR="0" lvl="0" indent="0" algn="r" rtl="0">
-              <a:spcBef>
-                <a:spcPts val="0"/>
-              </a:spcBef>
-              <a:buSzPct val="25000"/>
-              <a:buNone/>
-            </a:pPr>
-            <a:fld id="{00000000-1234-1234-1234-123412341234}" type="slidenum">
-              <a:rPr lang="en-US" sz="1200">
-                <a:solidFill>
-                  <a:schemeClr val="dk1"/>
-                </a:solidFill>
-                <a:latin typeface="Calibri"/>
-                <a:ea typeface="Calibri"/>
-                <a:cs typeface="Calibri"/>
-                <a:sym typeface="Calibri"/>
-              </a:rPr>
               <a:t>14</a:t>
             </a:fld>
             <a:endParaRPr lang="en-US" sz="1200">
@@ -2075,238 +1622,7 @@
     </p:spTree>
     <p:extLst>
       <p:ext uri="{BB962C8B-B14F-4D97-AF65-F5344CB8AC3E}">
-        <p14:creationId xmlns:p14="http://schemas.microsoft.com/office/powerpoint/2010/main" val="4132010899"/>
-      </p:ext>
-    </p:extLst>
-  </p:cSld>
-  <p:clrMapOvr>
-    <a:masterClrMapping/>
-  </p:clrMapOvr>
-</p:notes>
-</file>
-
-<file path=ppt/notesSlides/notesSlide8.xml><?xml version="1.0" encoding="utf-8"?>
-<p:notes xmlns:a="http://schemas.openxmlformats.org/drawingml/2006/main" xmlns:r="http://schemas.openxmlformats.org/officeDocument/2006/relationships" xmlns:p="http://schemas.openxmlformats.org/presentationml/2006/main" showMasterSp="0" showMasterPhAnim="0">
-  <p:cSld>
-    <p:spTree>
-      <p:nvGrpSpPr>
-        <p:cNvPr id="1" name="Shape 114"/>
-        <p:cNvGrpSpPr/>
-        <p:nvPr/>
-      </p:nvGrpSpPr>
-      <p:grpSpPr>
-        <a:xfrm>
-          <a:off x="0" y="0"/>
-          <a:ext cx="0" cy="0"/>
-          <a:chOff x="0" y="0"/>
-          <a:chExt cx="0" cy="0"/>
-        </a:xfrm>
-      </p:grpSpPr>
-      <p:sp>
-        <p:nvSpPr>
-          <p:cNvPr id="115" name="Shape 115"/>
-          <p:cNvSpPr>
-            <a:spLocks noGrp="1" noRot="1" noChangeAspect="1"/>
-          </p:cNvSpPr>
-          <p:nvPr>
-            <p:ph type="sldImg" idx="2"/>
-          </p:nvPr>
-        </p:nvSpPr>
-        <p:spPr>
-          <a:xfrm>
-            <a:off x="381000" y="685800"/>
-            <a:ext cx="6096000" cy="3429000"/>
-          </a:xfrm>
-          <a:custGeom>
-            <a:avLst/>
-            <a:gdLst/>
-            <a:ahLst/>
-            <a:cxnLst/>
-            <a:rect l="0" t="0" r="0" b="0"/>
-            <a:pathLst>
-              <a:path w="120000" h="120000" extrusionOk="0">
-                <a:moveTo>
-                  <a:pt x="0" y="0"/>
-                </a:moveTo>
-                <a:lnTo>
-                  <a:pt x="120000" y="0"/>
-                </a:lnTo>
-                <a:lnTo>
-                  <a:pt x="120000" y="120000"/>
-                </a:lnTo>
-                <a:lnTo>
-                  <a:pt x="0" y="120000"/>
-                </a:lnTo>
-                <a:close/>
-              </a:path>
-            </a:pathLst>
-          </a:custGeom>
-          <a:noFill/>
-          <a:ln w="12700" cap="flat" cmpd="sng">
-            <a:solidFill>
-              <a:srgbClr val="000000"/>
-            </a:solidFill>
-            <a:prstDash val="solid"/>
-            <a:round/>
-            <a:headEnd type="none" w="med" len="med"/>
-            <a:tailEnd type="none" w="med" len="med"/>
-          </a:ln>
-        </p:spPr>
-      </p:sp>
-      <p:sp>
-        <p:nvSpPr>
-          <p:cNvPr id="116" name="Shape 116"/>
-          <p:cNvSpPr txBox="1">
-            <a:spLocks noGrp="1"/>
-          </p:cNvSpPr>
-          <p:nvPr>
-            <p:ph type="body" idx="1"/>
-          </p:nvPr>
-        </p:nvSpPr>
-        <p:spPr>
-          <a:xfrm>
-            <a:off x="685800" y="4343400"/>
-            <a:ext cx="5486399" cy="4114800"/>
-          </a:xfrm>
-          <a:prstGeom prst="rect">
-            <a:avLst/>
-          </a:prstGeom>
-          <a:noFill/>
-          <a:ln>
-            <a:noFill/>
-          </a:ln>
-        </p:spPr>
-        <p:txBody>
-          <a:bodyPr lIns="91425" tIns="45700" rIns="91425" bIns="45700" anchor="t" anchorCtr="0">
-            <a:noAutofit/>
-          </a:bodyPr>
-          <a:lstStyle/>
-          <a:p>
-            <a:pPr marL="0" marR="0" lvl="0" indent="0" algn="l" rtl="0">
-              <a:spcBef>
-                <a:spcPts val="0"/>
-              </a:spcBef>
-              <a:buSzPct val="25000"/>
-              <a:buNone/>
-            </a:pPr>
-            <a:r>
-              <a:rPr lang="en-US" sz="1200" b="0" i="0" u="none" strike="noStrike" cap="none">
-                <a:solidFill>
-                  <a:schemeClr val="dk1"/>
-                </a:solidFill>
-                <a:latin typeface="Calibri"/>
-                <a:ea typeface="Calibri"/>
-                <a:cs typeface="Calibri"/>
-                <a:sym typeface="Calibri"/>
-              </a:rPr>
-              <a:t>Depending your approach, classification methods can paint very different pictures of the same data points.</a:t>
-            </a:r>
-          </a:p>
-          <a:p>
-            <a:pPr marL="0" marR="0" lvl="0" indent="0" algn="l" rtl="0">
-              <a:spcBef>
-                <a:spcPts val="0"/>
-              </a:spcBef>
-              <a:buSzPct val="25000"/>
-              <a:buNone/>
-            </a:pPr>
-            <a:endParaRPr sz="1200" b="0" i="0" u="none" strike="noStrike" cap="none">
-              <a:solidFill>
-                <a:schemeClr val="dk1"/>
-              </a:solidFill>
-              <a:latin typeface="Calibri"/>
-              <a:ea typeface="Calibri"/>
-              <a:cs typeface="Calibri"/>
-              <a:sym typeface="Calibri"/>
-            </a:endParaRPr>
-          </a:p>
-          <a:p>
-            <a:pPr marL="0" marR="0" lvl="0" indent="0" algn="l" rtl="0">
-              <a:spcBef>
-                <a:spcPts val="0"/>
-              </a:spcBef>
-              <a:buSzPct val="25000"/>
-              <a:buNone/>
-            </a:pPr>
-            <a:r>
-              <a:rPr lang="en-US" sz="1200" b="0" i="0" u="none" strike="noStrike" cap="none">
-                <a:solidFill>
-                  <a:schemeClr val="dk1"/>
-                </a:solidFill>
-                <a:latin typeface="Calibri"/>
-                <a:ea typeface="Calibri"/>
-                <a:cs typeface="Calibri"/>
-                <a:sym typeface="Calibri"/>
-              </a:rPr>
-              <a:t>How might we interpret the natural breaks map differently from the quantiles map here?</a:t>
-            </a:r>
-          </a:p>
-        </p:txBody>
-      </p:sp>
-      <p:sp>
-        <p:nvSpPr>
-          <p:cNvPr id="117" name="Shape 117"/>
-          <p:cNvSpPr txBox="1">
-            <a:spLocks noGrp="1"/>
-          </p:cNvSpPr>
-          <p:nvPr>
-            <p:ph type="sldNum" idx="12"/>
-          </p:nvPr>
-        </p:nvSpPr>
-        <p:spPr>
-          <a:xfrm>
-            <a:off x="3884612" y="8685213"/>
-            <a:ext cx="2971799" cy="457200"/>
-          </a:xfrm>
-          <a:prstGeom prst="rect">
-            <a:avLst/>
-          </a:prstGeom>
-          <a:noFill/>
-          <a:ln>
-            <a:noFill/>
-          </a:ln>
-        </p:spPr>
-        <p:txBody>
-          <a:bodyPr lIns="91425" tIns="45700" rIns="91425" bIns="45700" anchor="b" anchorCtr="0">
-            <a:noAutofit/>
-          </a:bodyPr>
-          <a:lstStyle/>
-          <a:p>
-            <a:pPr marL="0" marR="0" lvl="0" indent="0" algn="r" rtl="0">
-              <a:spcBef>
-                <a:spcPts val="0"/>
-              </a:spcBef>
-              <a:buSzPct val="25000"/>
-              <a:buNone/>
-            </a:pPr>
-            <a:fld id="{00000000-1234-1234-1234-123412341234}" type="slidenum">
-              <a:rPr lang="en-US" sz="1200">
-                <a:solidFill>
-                  <a:schemeClr val="dk1"/>
-                </a:solidFill>
-                <a:latin typeface="Calibri"/>
-                <a:ea typeface="Calibri"/>
-                <a:cs typeface="Calibri"/>
-                <a:sym typeface="Calibri"/>
-              </a:rPr>
-              <a:t>15</a:t>
-            </a:fld>
-            <a:endParaRPr lang="en-US" sz="1200">
-              <a:solidFill>
-                <a:schemeClr val="dk1"/>
-              </a:solidFill>
-              <a:latin typeface="Calibri"/>
-              <a:ea typeface="Calibri"/>
-              <a:cs typeface="Calibri"/>
-              <a:sym typeface="Calibri"/>
-            </a:endParaRPr>
-          </a:p>
-        </p:txBody>
-      </p:sp>
-    </p:spTree>
-    <p:extLst>
-      <p:ext uri="{BB962C8B-B14F-4D97-AF65-F5344CB8AC3E}">
-        <p14:creationId xmlns:p14="http://schemas.microsoft.com/office/powerpoint/2010/main" val="2375203754"/>
+        <p14:creationId xmlns:p14="http://schemas.microsoft.com/office/powerpoint/2010/main" val="746891027"/>
       </p:ext>
     </p:extLst>
   </p:cSld>
@@ -2501,7 +1817,7 @@
           <a:p>
             <a:fld id="{93C8B963-0F36-48FC-991E-AA63861DA924}" type="datetimeFigureOut">
               <a:rPr lang="en-US" smtClean="0"/>
-              <a:t>9/2/2021</a:t>
+              <a:t>9/8/2022</a:t>
             </a:fld>
             <a:endParaRPr lang="en-US"/>
           </a:p>
@@ -2799,7 +2115,7 @@
           <a:p>
             <a:fld id="{93C8B963-0F36-48FC-991E-AA63861DA924}" type="datetimeFigureOut">
               <a:rPr lang="en-US" smtClean="0"/>
-              <a:t>9/2/2021</a:t>
+              <a:t>9/8/2022</a:t>
             </a:fld>
             <a:endParaRPr lang="en-US"/>
           </a:p>
@@ -2991,7 +2307,7 @@
           <a:p>
             <a:fld id="{93C8B963-0F36-48FC-991E-AA63861DA924}" type="datetimeFigureOut">
               <a:rPr lang="en-US" smtClean="0"/>
-              <a:t>9/2/2021</a:t>
+              <a:t>9/8/2022</a:t>
             </a:fld>
             <a:endParaRPr lang="en-US"/>
           </a:p>
@@ -3252,7 +2568,7 @@
           <a:p>
             <a:fld id="{93C8B963-0F36-48FC-991E-AA63861DA924}" type="datetimeFigureOut">
               <a:rPr lang="en-US" smtClean="0"/>
-              <a:t>9/2/2021</a:t>
+              <a:t>9/8/2022</a:t>
             </a:fld>
             <a:endParaRPr lang="en-US"/>
           </a:p>
@@ -3676,7 +2992,7 @@
           <a:p>
             <a:fld id="{93C8B963-0F36-48FC-991E-AA63861DA924}" type="datetimeFigureOut">
               <a:rPr lang="en-US" smtClean="0"/>
-              <a:t>9/2/2021</a:t>
+              <a:t>9/8/2022</a:t>
             </a:fld>
             <a:endParaRPr lang="en-US"/>
           </a:p>
@@ -4213,7 +3529,7 @@
           <a:p>
             <a:fld id="{93C8B963-0F36-48FC-991E-AA63861DA924}" type="datetimeFigureOut">
               <a:rPr lang="en-US" smtClean="0"/>
-              <a:t>9/2/2021</a:t>
+              <a:t>9/8/2022</a:t>
             </a:fld>
             <a:endParaRPr lang="en-US"/>
           </a:p>
@@ -5077,7 +4393,7 @@
           <a:p>
             <a:fld id="{93C8B963-0F36-48FC-991E-AA63861DA924}" type="datetimeFigureOut">
               <a:rPr lang="en-US" smtClean="0"/>
-              <a:t>9/2/2021</a:t>
+              <a:t>9/8/2022</a:t>
             </a:fld>
             <a:endParaRPr lang="en-US"/>
           </a:p>
@@ -5247,7 +4563,7 @@
           <a:p>
             <a:fld id="{93C8B963-0F36-48FC-991E-AA63861DA924}" type="datetimeFigureOut">
               <a:rPr lang="en-US" smtClean="0"/>
-              <a:t>9/2/2021</a:t>
+              <a:t>9/8/2022</a:t>
             </a:fld>
             <a:endParaRPr lang="en-US"/>
           </a:p>
@@ -5431,7 +4747,7 @@
           <a:p>
             <a:fld id="{93C8B963-0F36-48FC-991E-AA63861DA924}" type="datetimeFigureOut">
               <a:rPr lang="en-US" smtClean="0"/>
-              <a:t>9/2/2021</a:t>
+              <a:t>9/8/2022</a:t>
             </a:fld>
             <a:endParaRPr lang="en-US"/>
           </a:p>
@@ -5601,7 +4917,7 @@
           <a:p>
             <a:fld id="{93C8B963-0F36-48FC-991E-AA63861DA924}" type="datetimeFigureOut">
               <a:rPr lang="en-US" smtClean="0"/>
-              <a:t>9/2/2021</a:t>
+              <a:t>9/8/2022</a:t>
             </a:fld>
             <a:endParaRPr lang="en-US"/>
           </a:p>
@@ -5845,7 +5161,7 @@
           <a:p>
             <a:fld id="{93C8B963-0F36-48FC-991E-AA63861DA924}" type="datetimeFigureOut">
               <a:rPr lang="en-US" smtClean="0"/>
-              <a:t>9/2/2021</a:t>
+              <a:t>9/8/2022</a:t>
             </a:fld>
             <a:endParaRPr lang="en-US"/>
           </a:p>
@@ -6081,7 +5397,7 @@
           <a:p>
             <a:fld id="{93C8B963-0F36-48FC-991E-AA63861DA924}" type="datetimeFigureOut">
               <a:rPr lang="en-US" smtClean="0"/>
-              <a:t>9/2/2021</a:t>
+              <a:t>9/8/2022</a:t>
             </a:fld>
             <a:endParaRPr lang="en-US"/>
           </a:p>
@@ -6547,7 +5863,7 @@
           <a:p>
             <a:fld id="{93C8B963-0F36-48FC-991E-AA63861DA924}" type="datetimeFigureOut">
               <a:rPr lang="en-US" smtClean="0"/>
-              <a:t>9/2/2021</a:t>
+              <a:t>9/8/2022</a:t>
             </a:fld>
             <a:endParaRPr lang="en-US"/>
           </a:p>
@@ -6665,7 +5981,7 @@
           <a:p>
             <a:fld id="{93C8B963-0F36-48FC-991E-AA63861DA924}" type="datetimeFigureOut">
               <a:rPr lang="en-US" smtClean="0"/>
-              <a:t>9/2/2021</a:t>
+              <a:t>9/8/2022</a:t>
             </a:fld>
             <a:endParaRPr lang="en-US"/>
           </a:p>
@@ -6760,7 +6076,7 @@
           <a:p>
             <a:fld id="{93C8B963-0F36-48FC-991E-AA63861DA924}" type="datetimeFigureOut">
               <a:rPr lang="en-US" smtClean="0"/>
-              <a:t>9/2/2021</a:t>
+              <a:t>9/8/2022</a:t>
             </a:fld>
             <a:endParaRPr lang="en-US"/>
           </a:p>
@@ -7015,7 +6331,7 @@
           <a:p>
             <a:fld id="{93C8B963-0F36-48FC-991E-AA63861DA924}" type="datetimeFigureOut">
               <a:rPr lang="en-US" smtClean="0"/>
-              <a:t>9/2/2021</a:t>
+              <a:t>9/8/2022</a:t>
             </a:fld>
             <a:endParaRPr lang="en-US"/>
           </a:p>
@@ -7315,7 +6631,7 @@
           <a:p>
             <a:fld id="{93C8B963-0F36-48FC-991E-AA63861DA924}" type="datetimeFigureOut">
               <a:rPr lang="en-US" smtClean="0"/>
-              <a:t>9/2/2021</a:t>
+              <a:t>9/8/2022</a:t>
             </a:fld>
             <a:endParaRPr lang="en-US"/>
           </a:p>
@@ -7549,7 +6865,7 @@
           <a:p>
             <a:fld id="{93C8B963-0F36-48FC-991E-AA63861DA924}" type="datetimeFigureOut">
               <a:rPr lang="en-US" smtClean="0"/>
-              <a:t>9/2/2021</a:t>
+              <a:t>9/8/2022</a:t>
             </a:fld>
             <a:endParaRPr lang="en-US"/>
           </a:p>
@@ -8356,133 +7672,12 @@
           <a:chExt cx="0" cy="0"/>
         </a:xfrm>
       </p:grpSpPr>
-      <p:pic>
-        <p:nvPicPr>
-          <p:cNvPr id="3074" name="Picture 2" descr="https://lh4.googleusercontent.com/Mlr5Zo236Zk2lGHy5n5na_Z-qb_-n8dT-2unKTD6IB0D5BljK_uEZDHu6v8o-IMqDo-Q9HcwKWBYWJlkm1Rx3vejkkJK3DSvUl4DrQ1Y6lef0yDw-mC-gOdHBsCXyQW0YJ9OVLtqGK0"/>
-          <p:cNvPicPr>
-            <a:picLocks noChangeAspect="1" noChangeArrowheads="1"/>
-          </p:cNvPicPr>
-          <p:nvPr/>
-        </p:nvPicPr>
-        <p:blipFill>
-          <a:blip r:embed="rId3">
-            <a:extLst>
-              <a:ext uri="{28A0092B-C50C-407E-A947-70E740481C1C}">
-                <a14:useLocalDpi xmlns:a14="http://schemas.microsoft.com/office/drawing/2010/main" val="0"/>
-              </a:ext>
-            </a:extLst>
-          </a:blip>
-          <a:srcRect/>
-          <a:stretch>
-            <a:fillRect/>
-          </a:stretch>
-        </p:blipFill>
-        <p:spPr bwMode="auto">
-          <a:xfrm>
-            <a:off x="6405610" y="1101734"/>
-            <a:ext cx="5644282" cy="5662162"/>
-          </a:xfrm>
-          <a:prstGeom prst="rect">
-            <a:avLst/>
-          </a:prstGeom>
-          <a:noFill/>
-          <a:extLst>
-            <a:ext uri="{909E8E84-426E-40DD-AFC4-6F175D3DCCD1}">
-              <a14:hiddenFill xmlns:a14="http://schemas.microsoft.com/office/drawing/2010/main">
-                <a:solidFill>
-                  <a:srgbClr val="FFFFFF"/>
-                </a:solidFill>
-              </a14:hiddenFill>
-            </a:ext>
-          </a:extLst>
-        </p:spPr>
-      </p:pic>
-      <p:sp>
-        <p:nvSpPr>
-          <p:cNvPr id="5" name="Shape 119">
+      <p:sp>
+        <p:nvSpPr>
+          <p:cNvPr id="11" name="Shape 120">
             <a:extLst>
               <a:ext uri="{FF2B5EF4-FFF2-40B4-BE49-F238E27FC236}">
-                <a16:creationId xmlns:a16="http://schemas.microsoft.com/office/drawing/2014/main" id="{0574D0E7-3E20-402D-AC4D-62F72ED32CF6}"/>
-              </a:ext>
-            </a:extLst>
-          </p:cNvPr>
-          <p:cNvSpPr txBox="1"/>
-          <p:nvPr/>
-        </p:nvSpPr>
-        <p:spPr>
-          <a:xfrm>
-            <a:off x="307652" y="1025842"/>
-            <a:ext cx="4158830" cy="2554544"/>
-          </a:xfrm>
-          <a:prstGeom prst="rect">
-            <a:avLst/>
-          </a:prstGeom>
-          <a:noFill/>
-          <a:ln>
-            <a:noFill/>
-          </a:ln>
-        </p:spPr>
-        <p:txBody>
-          <a:bodyPr lIns="91425" tIns="45700" rIns="91425" bIns="45700" anchor="t" anchorCtr="0">
-            <a:noAutofit/>
-          </a:bodyPr>
-          <a:lstStyle/>
-          <a:p>
-            <a:pPr>
-              <a:buSzPct val="25000"/>
-            </a:pPr>
-            <a:r>
-              <a:rPr lang="en-US" sz="4000" dirty="0">
-                <a:ea typeface="Calibri"/>
-                <a:cs typeface="Calibri"/>
-                <a:sym typeface="Calibri"/>
-              </a:rPr>
-              <a:t>Equal interval</a:t>
-            </a:r>
-          </a:p>
-          <a:p>
-            <a:pPr>
-              <a:buSzPct val="25000"/>
-            </a:pPr>
-            <a:r>
-              <a:rPr lang="en-US" sz="4000" dirty="0">
-                <a:solidFill>
-                  <a:schemeClr val="tx1">
-                    <a:lumMod val="85000"/>
-                    <a:lumOff val="15000"/>
-                  </a:schemeClr>
-                </a:solidFill>
-                <a:ea typeface="Calibri"/>
-                <a:cs typeface="Calibri"/>
-                <a:sym typeface="Calibri"/>
-              </a:rPr>
-              <a:t>Quantile</a:t>
-            </a:r>
-          </a:p>
-          <a:p>
-            <a:pPr>
-              <a:buSzPct val="25000"/>
-            </a:pPr>
-            <a:r>
-              <a:rPr lang="en-US" sz="4000" b="1" i="1" dirty="0">
-                <a:solidFill>
-                  <a:schemeClr val="accent2"/>
-                </a:solidFill>
-                <a:ea typeface="Calibri"/>
-                <a:cs typeface="Calibri"/>
-                <a:sym typeface="Calibri"/>
-              </a:rPr>
-              <a:t>Natural Breaks</a:t>
-            </a:r>
-          </a:p>
-        </p:txBody>
-      </p:sp>
-      <p:sp>
-        <p:nvSpPr>
-          <p:cNvPr id="6" name="Shape 120">
-            <a:extLst>
-              <a:ext uri="{FF2B5EF4-FFF2-40B4-BE49-F238E27FC236}">
-                <a16:creationId xmlns:a16="http://schemas.microsoft.com/office/drawing/2014/main" id="{BA7BA60D-1D40-4AFB-898F-F89160E4AAD8}"/>
+                <a16:creationId xmlns:a16="http://schemas.microsoft.com/office/drawing/2014/main" id="{40EC573B-C7E2-4CA8-8C16-EB7E1E421CDE}"/>
               </a:ext>
             </a:extLst>
           </p:cNvPr>
@@ -8512,6 +7707,20 @@
               <a:buSzPct val="25000"/>
             </a:pPr>
             <a:r>
+              <a:rPr lang="en-US" sz="4000" b="1" dirty="0" err="1">
+                <a:solidFill>
+                  <a:schemeClr val="tx1">
+                    <a:lumMod val="85000"/>
+                    <a:lumOff val="15000"/>
+                  </a:schemeClr>
+                </a:solidFill>
+                <a:ea typeface="Calibri"/>
+                <a:cs typeface="Calibri"/>
+                <a:sym typeface="Calibri"/>
+              </a:rPr>
+              <a:t>Desriptive</a:t>
+            </a:r>
+            <a:r>
               <a:rPr lang="en-US" sz="4000" b="1" dirty="0">
                 <a:solidFill>
                   <a:schemeClr val="tx1">
@@ -8523,453 +7732,9 @@
                 <a:cs typeface="Calibri"/>
                 <a:sym typeface="Calibri"/>
               </a:rPr>
-              <a:t>Numeric Classification schemes</a:t>
-            </a:r>
-          </a:p>
-        </p:txBody>
-      </p:sp>
-    </p:spTree>
-    <p:extLst>
-      <p:ext uri="{BB962C8B-B14F-4D97-AF65-F5344CB8AC3E}">
-        <p14:creationId xmlns:p14="http://schemas.microsoft.com/office/powerpoint/2010/main" val="1792168074"/>
-      </p:ext>
-    </p:extLst>
-  </p:cSld>
-  <p:clrMapOvr>
-    <a:masterClrMapping/>
-  </p:clrMapOvr>
-</p:sld>
-</file>
-
-<file path=ppt/slides/slide11.xml><?xml version="1.0" encoding="utf-8"?>
-<p:sld xmlns:a="http://schemas.openxmlformats.org/drawingml/2006/main" xmlns:r="http://schemas.openxmlformats.org/officeDocument/2006/relationships" xmlns:p="http://schemas.openxmlformats.org/presentationml/2006/main">
-  <p:cSld>
-    <p:spTree>
-      <p:nvGrpSpPr>
-        <p:cNvPr id="1" name="Shape 118"/>
-        <p:cNvGrpSpPr/>
-        <p:nvPr/>
-      </p:nvGrpSpPr>
-      <p:grpSpPr>
-        <a:xfrm>
-          <a:off x="0" y="0"/>
-          <a:ext cx="0" cy="0"/>
-          <a:chOff x="0" y="0"/>
-          <a:chExt cx="0" cy="0"/>
-        </a:xfrm>
-      </p:grpSpPr>
-      <p:sp>
-        <p:nvSpPr>
-          <p:cNvPr id="2" name="Rectangle 1">
-            <a:extLst>
-              <a:ext uri="{FF2B5EF4-FFF2-40B4-BE49-F238E27FC236}">
-                <a16:creationId xmlns:a16="http://schemas.microsoft.com/office/drawing/2014/main" id="{9C353501-28CD-49FA-8142-02D84C6DC1EA}"/>
-              </a:ext>
-            </a:extLst>
-          </p:cNvPr>
-          <p:cNvSpPr/>
-          <p:nvPr/>
-        </p:nvSpPr>
-        <p:spPr>
-          <a:xfrm>
-            <a:off x="8016203" y="164838"/>
-            <a:ext cx="3652883" cy="6567595"/>
-          </a:xfrm>
-          <a:prstGeom prst="rect">
-            <a:avLst/>
-          </a:prstGeom>
-          <a:solidFill>
-            <a:schemeClr val="tx1"/>
-          </a:solidFill>
-        </p:spPr>
-        <p:style>
-          <a:lnRef idx="2">
-            <a:schemeClr val="accent1">
-              <a:shade val="50000"/>
-            </a:schemeClr>
-          </a:lnRef>
-          <a:fillRef idx="1">
-            <a:schemeClr val="accent1"/>
-          </a:fillRef>
-          <a:effectRef idx="0">
-            <a:schemeClr val="accent1"/>
-          </a:effectRef>
-          <a:fontRef idx="minor">
-            <a:schemeClr val="lt1"/>
-          </a:fontRef>
-        </p:style>
-        <p:txBody>
-          <a:bodyPr rtlCol="0" anchor="ctr"/>
-          <a:lstStyle/>
-          <a:p>
-            <a:pPr algn="ctr"/>
-            <a:endParaRPr lang="en-US"/>
-          </a:p>
-        </p:txBody>
-      </p:sp>
-      <p:pic>
-        <p:nvPicPr>
-          <p:cNvPr id="6" name="Picture 2" descr="https://lh6.googleusercontent.com/E8_dpNXpW6ZibI_Z-_vYgKjWsEW1sYlKGm-7Ebpq1w4YsRbDcWN-gJS6jeM4SWkbJ2_edzKAKtPUUv6Jn7WTtR64MtsrmK2GqRMk9cke5e9TSZsCJysOJe9HurpMUxtwrBeee2ulLB4"/>
-          <p:cNvPicPr>
-            <a:picLocks noChangeAspect="1" noChangeArrowheads="1"/>
-          </p:cNvPicPr>
-          <p:nvPr/>
-        </p:nvPicPr>
-        <p:blipFill rotWithShape="1">
-          <a:blip r:embed="rId3">
-            <a:extLst>
-              <a:ext uri="{28A0092B-C50C-407E-A947-70E740481C1C}">
-                <a14:useLocalDpi xmlns:a14="http://schemas.microsoft.com/office/drawing/2010/main" val="0"/>
-              </a:ext>
-            </a:extLst>
-          </a:blip>
-          <a:srcRect t="42259"/>
-          <a:stretch/>
-        </p:blipFill>
-        <p:spPr bwMode="auto">
-          <a:xfrm>
-            <a:off x="8092628" y="274314"/>
-            <a:ext cx="3458703" cy="2028800"/>
-          </a:xfrm>
-          <a:prstGeom prst="rect">
-            <a:avLst/>
-          </a:prstGeom>
-          <a:noFill/>
-          <a:extLst>
-            <a:ext uri="{909E8E84-426E-40DD-AFC4-6F175D3DCCD1}">
-              <a14:hiddenFill xmlns:a14="http://schemas.microsoft.com/office/drawing/2010/main">
-                <a:solidFill>
-                  <a:srgbClr val="FFFFFF"/>
-                </a:solidFill>
-              </a14:hiddenFill>
-            </a:ext>
-          </a:extLst>
-        </p:spPr>
-      </p:pic>
-      <p:pic>
-        <p:nvPicPr>
-          <p:cNvPr id="8" name="Picture 2" descr="https://lh4.googleusercontent.com/R96XyYPDJQaaAYcYbS-neNTeRfhgxZcR_6J4Vynn0Zlv3FLfn0yiMiv3ou7pYOBWu8xKGV4DoFNmL6tcXslftagfxS35gCvwIa4EdKPR0EL6mjPNYhCCaqBrvBbC8sV0_fcI8lm6Jvw"/>
-          <p:cNvPicPr>
-            <a:picLocks noChangeAspect="1" noChangeArrowheads="1"/>
-          </p:cNvPicPr>
-          <p:nvPr/>
-        </p:nvPicPr>
-        <p:blipFill rotWithShape="1">
-          <a:blip r:embed="rId4">
-            <a:clrChange>
-              <a:clrFrom>
-                <a:srgbClr val="FFFFFF"/>
-              </a:clrFrom>
-              <a:clrTo>
-                <a:srgbClr val="FFFFFF">
-                  <a:alpha val="0"/>
-                </a:srgbClr>
-              </a:clrTo>
-            </a:clrChange>
-            <a:extLst>
-              <a:ext uri="{28A0092B-C50C-407E-A947-70E740481C1C}">
-                <a14:useLocalDpi xmlns:a14="http://schemas.microsoft.com/office/drawing/2010/main" val="0"/>
-              </a:ext>
-            </a:extLst>
-          </a:blip>
-          <a:srcRect t="40712"/>
-          <a:stretch/>
-        </p:blipFill>
-        <p:spPr bwMode="auto">
-          <a:xfrm>
-            <a:off x="8123035" y="2541596"/>
-            <a:ext cx="3495408" cy="2010468"/>
-          </a:xfrm>
-          <a:prstGeom prst="rect">
-            <a:avLst/>
-          </a:prstGeom>
-          <a:noFill/>
-          <a:extLst>
-            <a:ext uri="{909E8E84-426E-40DD-AFC4-6F175D3DCCD1}">
-              <a14:hiddenFill xmlns:a14="http://schemas.microsoft.com/office/drawing/2010/main">
-                <a:solidFill>
-                  <a:srgbClr val="FFFFFF"/>
-                </a:solidFill>
-              </a14:hiddenFill>
-            </a:ext>
-          </a:extLst>
-        </p:spPr>
-      </p:pic>
-      <p:pic>
-        <p:nvPicPr>
-          <p:cNvPr id="9" name="Picture 2" descr="https://lh4.googleusercontent.com/Mlr5Zo236Zk2lGHy5n5na_Z-qb_-n8dT-2unKTD6IB0D5BljK_uEZDHu6v8o-IMqDo-Q9HcwKWBYWJlkm1Rx3vejkkJK3DSvUl4DrQ1Y6lef0yDw-mC-gOdHBsCXyQW0YJ9OVLtqGK0"/>
-          <p:cNvPicPr>
-            <a:picLocks noChangeAspect="1" noChangeArrowheads="1"/>
-          </p:cNvPicPr>
-          <p:nvPr/>
-        </p:nvPicPr>
-        <p:blipFill rotWithShape="1">
-          <a:blip r:embed="rId5">
-            <a:extLst>
-              <a:ext uri="{28A0092B-C50C-407E-A947-70E740481C1C}">
-                <a14:useLocalDpi xmlns:a14="http://schemas.microsoft.com/office/drawing/2010/main" val="0"/>
-              </a:ext>
-            </a:extLst>
-          </a:blip>
-          <a:srcRect t="40745"/>
-          <a:stretch/>
-        </p:blipFill>
-        <p:spPr bwMode="auto">
-          <a:xfrm>
-            <a:off x="8016203" y="4585620"/>
-            <a:ext cx="3611552" cy="2146814"/>
-          </a:xfrm>
-          <a:prstGeom prst="rect">
-            <a:avLst/>
-          </a:prstGeom>
-          <a:noFill/>
-          <a:extLst>
-            <a:ext uri="{909E8E84-426E-40DD-AFC4-6F175D3DCCD1}">
-              <a14:hiddenFill xmlns:a14="http://schemas.microsoft.com/office/drawing/2010/main">
-                <a:solidFill>
-                  <a:srgbClr val="FFFFFF"/>
-                </a:solidFill>
-              </a14:hiddenFill>
-            </a:ext>
-          </a:extLst>
-        </p:spPr>
-      </p:pic>
-      <p:sp>
-        <p:nvSpPr>
-          <p:cNvPr id="5" name="Shape 120"/>
-          <p:cNvSpPr txBox="1"/>
-          <p:nvPr/>
-        </p:nvSpPr>
-        <p:spPr>
-          <a:xfrm>
-            <a:off x="440302" y="3377208"/>
-            <a:ext cx="4743587" cy="707886"/>
-          </a:xfrm>
-          <a:prstGeom prst="rect">
-            <a:avLst/>
-          </a:prstGeom>
-          <a:noFill/>
-          <a:ln>
-            <a:noFill/>
-          </a:ln>
-        </p:spPr>
-        <p:txBody>
-          <a:bodyPr lIns="91425" tIns="45700" rIns="91425" bIns="45700" anchor="t" anchorCtr="0">
-            <a:noAutofit/>
-          </a:bodyPr>
-          <a:lstStyle/>
-          <a:p>
-            <a:pPr>
-              <a:buSzPct val="25000"/>
-            </a:pPr>
-            <a:r>
-              <a:rPr lang="en-US" sz="4000" b="1" i="1" dirty="0">
-                <a:solidFill>
-                  <a:schemeClr val="accent2"/>
-                </a:solidFill>
-                <a:ea typeface="Calibri"/>
-                <a:cs typeface="Calibri"/>
-                <a:sym typeface="Calibri"/>
-              </a:rPr>
-              <a:t>Choose based on your data and the analysis you’re doing</a:t>
-            </a:r>
-          </a:p>
-        </p:txBody>
-      </p:sp>
-      <p:sp>
-        <p:nvSpPr>
-          <p:cNvPr id="10" name="Shape 119">
-            <a:extLst>
-              <a:ext uri="{FF2B5EF4-FFF2-40B4-BE49-F238E27FC236}">
-                <a16:creationId xmlns:a16="http://schemas.microsoft.com/office/drawing/2014/main" id="{84A34639-FF1F-411D-B3F9-32481602D493}"/>
-              </a:ext>
-            </a:extLst>
-          </p:cNvPr>
-          <p:cNvSpPr txBox="1"/>
-          <p:nvPr/>
-        </p:nvSpPr>
-        <p:spPr>
-          <a:xfrm>
-            <a:off x="307652" y="1025842"/>
-            <a:ext cx="4158830" cy="2554544"/>
-          </a:xfrm>
-          <a:prstGeom prst="rect">
-            <a:avLst/>
-          </a:prstGeom>
-          <a:noFill/>
-          <a:ln>
-            <a:noFill/>
-          </a:ln>
-        </p:spPr>
-        <p:txBody>
-          <a:bodyPr lIns="91425" tIns="45700" rIns="91425" bIns="45700" anchor="t" anchorCtr="0">
-            <a:noAutofit/>
-          </a:bodyPr>
-          <a:lstStyle/>
-          <a:p>
-            <a:pPr>
-              <a:buSzPct val="25000"/>
-            </a:pPr>
-            <a:r>
-              <a:rPr lang="en-US" sz="4000" dirty="0">
-                <a:ea typeface="Calibri"/>
-                <a:cs typeface="Calibri"/>
-                <a:sym typeface="Calibri"/>
-              </a:rPr>
-              <a:t>Equal interval</a:t>
-            </a:r>
-          </a:p>
-          <a:p>
-            <a:pPr>
-              <a:buSzPct val="25000"/>
-            </a:pPr>
-            <a:r>
-              <a:rPr lang="en-US" sz="4000" dirty="0">
-                <a:solidFill>
-                  <a:schemeClr val="tx1">
-                    <a:lumMod val="85000"/>
-                    <a:lumOff val="15000"/>
-                  </a:schemeClr>
-                </a:solidFill>
-                <a:ea typeface="Calibri"/>
-                <a:cs typeface="Calibri"/>
-                <a:sym typeface="Calibri"/>
-              </a:rPr>
-              <a:t>Quantile</a:t>
-            </a:r>
-          </a:p>
-          <a:p>
-            <a:pPr>
-              <a:buSzPct val="25000"/>
-            </a:pPr>
-            <a:r>
-              <a:rPr lang="en-US" sz="4000" dirty="0">
-                <a:solidFill>
-                  <a:schemeClr val="tx1">
-                    <a:lumMod val="85000"/>
-                    <a:lumOff val="15000"/>
-                  </a:schemeClr>
-                </a:solidFill>
-                <a:ea typeface="Calibri"/>
-                <a:cs typeface="Calibri"/>
-                <a:sym typeface="Calibri"/>
-              </a:rPr>
-              <a:t>Natural Breaks</a:t>
-            </a:r>
-          </a:p>
-        </p:txBody>
-      </p:sp>
-      <p:sp>
-        <p:nvSpPr>
-          <p:cNvPr id="11" name="Shape 120">
-            <a:extLst>
-              <a:ext uri="{FF2B5EF4-FFF2-40B4-BE49-F238E27FC236}">
-                <a16:creationId xmlns:a16="http://schemas.microsoft.com/office/drawing/2014/main" id="{40EC573B-C7E2-4CA8-8C16-EB7E1E421CDE}"/>
-              </a:ext>
-            </a:extLst>
-          </p:cNvPr>
-          <p:cNvSpPr txBox="1"/>
-          <p:nvPr/>
-        </p:nvSpPr>
-        <p:spPr>
-          <a:xfrm>
-            <a:off x="307652" y="164839"/>
-            <a:ext cx="9255798" cy="707886"/>
-          </a:xfrm>
-          <a:prstGeom prst="rect">
-            <a:avLst/>
-          </a:prstGeom>
-          <a:noFill/>
-          <a:ln>
-            <a:noFill/>
-          </a:ln>
-        </p:spPr>
-        <p:txBody>
-          <a:bodyPr lIns="91425" tIns="45700" rIns="91425" bIns="45700" anchor="t" anchorCtr="0">
-            <a:noAutofit/>
-          </a:bodyPr>
-          <a:lstStyle/>
-          <a:p>
-            <a:pPr>
-              <a:buSzPct val="25000"/>
-            </a:pPr>
-            <a:r>
-              <a:rPr lang="en-US" sz="4000" b="1" dirty="0">
-                <a:solidFill>
-                  <a:schemeClr val="tx1">
-                    <a:lumMod val="85000"/>
-                    <a:lumOff val="15000"/>
-                  </a:schemeClr>
-                </a:solidFill>
-                <a:ea typeface="Calibri"/>
-                <a:cs typeface="Calibri"/>
-                <a:sym typeface="Calibri"/>
-              </a:rPr>
-              <a:t>Numeric Classification schemes</a:t>
-            </a:r>
-          </a:p>
-        </p:txBody>
-      </p:sp>
-    </p:spTree>
-    <p:extLst>
-      <p:ext uri="{BB962C8B-B14F-4D97-AF65-F5344CB8AC3E}">
-        <p14:creationId xmlns:p14="http://schemas.microsoft.com/office/powerpoint/2010/main" val="1455389496"/>
-      </p:ext>
-    </p:extLst>
-  </p:cSld>
-  <p:clrMapOvr>
-    <a:masterClrMapping/>
-  </p:clrMapOvr>
-</p:sld>
-</file>
-
-<file path=ppt/slides/slide12.xml><?xml version="1.0" encoding="utf-8"?>
-<p:sld xmlns:a="http://schemas.openxmlformats.org/drawingml/2006/main" xmlns:r="http://schemas.openxmlformats.org/officeDocument/2006/relationships" xmlns:p="http://schemas.openxmlformats.org/presentationml/2006/main">
-  <p:cSld>
-    <p:spTree>
-      <p:nvGrpSpPr>
-        <p:cNvPr id="1" name="Shape 118"/>
-        <p:cNvGrpSpPr/>
-        <p:nvPr/>
-      </p:nvGrpSpPr>
-      <p:grpSpPr>
-        <a:xfrm>
-          <a:off x="0" y="0"/>
-          <a:ext cx="0" cy="0"/>
-          <a:chOff x="0" y="0"/>
-          <a:chExt cx="0" cy="0"/>
-        </a:xfrm>
-      </p:grpSpPr>
-      <p:sp>
-        <p:nvSpPr>
-          <p:cNvPr id="11" name="Shape 120">
-            <a:extLst>
-              <a:ext uri="{FF2B5EF4-FFF2-40B4-BE49-F238E27FC236}">
-                <a16:creationId xmlns:a16="http://schemas.microsoft.com/office/drawing/2014/main" id="{40EC573B-C7E2-4CA8-8C16-EB7E1E421CDE}"/>
-              </a:ext>
-            </a:extLst>
-          </p:cNvPr>
-          <p:cNvSpPr txBox="1"/>
-          <p:nvPr/>
-        </p:nvSpPr>
-        <p:spPr>
-          <a:xfrm>
-            <a:off x="307652" y="164839"/>
-            <a:ext cx="9255798" cy="707886"/>
-          </a:xfrm>
-          <a:prstGeom prst="rect">
-            <a:avLst/>
-          </a:prstGeom>
-          <a:noFill/>
-          <a:ln>
-            <a:noFill/>
-          </a:ln>
-        </p:spPr>
-        <p:txBody>
-          <a:bodyPr lIns="91425" tIns="45700" rIns="91425" bIns="45700" anchor="t" anchorCtr="0">
-            <a:noAutofit/>
-          </a:bodyPr>
-          <a:lstStyle/>
+              <a:t> states in action: </a:t>
+            </a:r>
+          </a:p>
           <a:p>
             <a:pPr>
               <a:buSzPct val="25000"/>
@@ -9019,8 +7784,8 @@
         </p:blipFill>
         <p:spPr>
           <a:xfrm>
-            <a:off x="2171852" y="1219387"/>
-            <a:ext cx="8146350" cy="5206580"/>
+            <a:off x="2825790" y="1674535"/>
+            <a:ext cx="7852271" cy="5018625"/>
           </a:xfrm>
           <a:prstGeom prst="rect">
             <a:avLst/>
@@ -9031,6 +7796,508 @@
     <p:extLst>
       <p:ext uri="{BB962C8B-B14F-4D97-AF65-F5344CB8AC3E}">
         <p14:creationId xmlns:p14="http://schemas.microsoft.com/office/powerpoint/2010/main" val="771564063"/>
+      </p:ext>
+    </p:extLst>
+  </p:cSld>
+  <p:clrMapOvr>
+    <a:masterClrMapping/>
+  </p:clrMapOvr>
+</p:sld>
+</file>
+
+<file path=ppt/slides/slide11.xml><?xml version="1.0" encoding="utf-8"?>
+<p:sld xmlns:a="http://schemas.openxmlformats.org/drawingml/2006/main" xmlns:r="http://schemas.openxmlformats.org/officeDocument/2006/relationships" xmlns:p="http://schemas.openxmlformats.org/presentationml/2006/main">
+  <p:cSld>
+    <p:spTree>
+      <p:nvGrpSpPr>
+        <p:cNvPr id="1" name="Shape 118"/>
+        <p:cNvGrpSpPr/>
+        <p:nvPr/>
+      </p:nvGrpSpPr>
+      <p:grpSpPr>
+        <a:xfrm>
+          <a:off x="0" y="0"/>
+          <a:ext cx="0" cy="0"/>
+          <a:chOff x="0" y="0"/>
+          <a:chExt cx="0" cy="0"/>
+        </a:xfrm>
+      </p:grpSpPr>
+      <p:sp>
+        <p:nvSpPr>
+          <p:cNvPr id="11" name="Shape 120">
+            <a:extLst>
+              <a:ext uri="{FF2B5EF4-FFF2-40B4-BE49-F238E27FC236}">
+                <a16:creationId xmlns:a16="http://schemas.microsoft.com/office/drawing/2014/main" id="{40EC573B-C7E2-4CA8-8C16-EB7E1E421CDE}"/>
+              </a:ext>
+            </a:extLst>
+          </p:cNvPr>
+          <p:cNvSpPr txBox="1"/>
+          <p:nvPr/>
+        </p:nvSpPr>
+        <p:spPr>
+          <a:xfrm>
+            <a:off x="307652" y="164839"/>
+            <a:ext cx="9255798" cy="707886"/>
+          </a:xfrm>
+          <a:prstGeom prst="rect">
+            <a:avLst/>
+          </a:prstGeom>
+          <a:noFill/>
+          <a:ln>
+            <a:noFill/>
+          </a:ln>
+        </p:spPr>
+        <p:txBody>
+          <a:bodyPr lIns="91425" tIns="45700" rIns="91425" bIns="45700" anchor="t" anchorCtr="0">
+            <a:noAutofit/>
+          </a:bodyPr>
+          <a:lstStyle/>
+          <a:p>
+            <a:pPr>
+              <a:buSzPct val="25000"/>
+            </a:pPr>
+            <a:r>
+              <a:rPr lang="en-US" sz="4000" b="1" dirty="0">
+                <a:solidFill>
+                  <a:schemeClr val="tx1">
+                    <a:lumMod val="85000"/>
+                    <a:lumOff val="15000"/>
+                  </a:schemeClr>
+                </a:solidFill>
+                <a:ea typeface="Calibri"/>
+                <a:cs typeface="Calibri"/>
+                <a:sym typeface="Calibri"/>
+              </a:rPr>
+              <a:t>How could we decide?</a:t>
+            </a:r>
+          </a:p>
+        </p:txBody>
+      </p:sp>
+      <p:sp>
+        <p:nvSpPr>
+          <p:cNvPr id="3" name="Rectangle 2">
+            <a:extLst>
+              <a:ext uri="{FF2B5EF4-FFF2-40B4-BE49-F238E27FC236}">
+                <a16:creationId xmlns:a16="http://schemas.microsoft.com/office/drawing/2014/main" id="{C0B0F76B-2B24-44D4-9139-AE2D920659AB}"/>
+              </a:ext>
+            </a:extLst>
+          </p:cNvPr>
+          <p:cNvSpPr/>
+          <p:nvPr/>
+        </p:nvSpPr>
+        <p:spPr>
+          <a:xfrm>
+            <a:off x="827869" y="1054808"/>
+            <a:ext cx="9079858" cy="1569660"/>
+          </a:xfrm>
+          <a:prstGeom prst="rect">
+            <a:avLst/>
+          </a:prstGeom>
+        </p:spPr>
+        <p:txBody>
+          <a:bodyPr wrap="none">
+            <a:spAutoFit/>
+          </a:bodyPr>
+          <a:lstStyle/>
+          <a:p>
+            <a:pPr>
+              <a:buSzPct val="25000"/>
+            </a:pPr>
+            <a:r>
+              <a:rPr lang="en-US" sz="3200" dirty="0">
+                <a:ea typeface="Calibri"/>
+                <a:cs typeface="Calibri"/>
+                <a:sym typeface="Calibri"/>
+              </a:rPr>
+              <a:t>Based off the data/Relative measure</a:t>
+            </a:r>
+          </a:p>
+          <a:p>
+            <a:pPr marL="457200" indent="-457200">
+              <a:buSzPct val="100000"/>
+              <a:buFont typeface="Arial" panose="020B0604020202020204" pitchFamily="34" charset="0"/>
+              <a:buChar char="•"/>
+            </a:pPr>
+            <a:r>
+              <a:rPr lang="en-US" sz="3200" dirty="0">
+                <a:ea typeface="Calibri"/>
+                <a:cs typeface="Calibri"/>
+                <a:sym typeface="Calibri"/>
+              </a:rPr>
+              <a:t>How many standard deviations below the mean?</a:t>
+            </a:r>
+          </a:p>
+          <a:p>
+            <a:pPr marL="457200" indent="-457200">
+              <a:buSzPct val="100000"/>
+              <a:buFont typeface="Arial" panose="020B0604020202020204" pitchFamily="34" charset="0"/>
+              <a:buChar char="•"/>
+            </a:pPr>
+            <a:r>
+              <a:rPr lang="en-US" sz="3200" dirty="0">
+                <a:ea typeface="Calibri"/>
+                <a:cs typeface="Calibri"/>
+                <a:sym typeface="Calibri"/>
+              </a:rPr>
+              <a:t>What percentile of all counties?</a:t>
+            </a:r>
+          </a:p>
+        </p:txBody>
+      </p:sp>
+      <p:sp>
+        <p:nvSpPr>
+          <p:cNvPr id="6" name="Rectangle 5">
+            <a:extLst>
+              <a:ext uri="{FF2B5EF4-FFF2-40B4-BE49-F238E27FC236}">
+                <a16:creationId xmlns:a16="http://schemas.microsoft.com/office/drawing/2014/main" id="{9189733B-B71E-46A0-A649-8453899A5259}"/>
+              </a:ext>
+            </a:extLst>
+          </p:cNvPr>
+          <p:cNvSpPr/>
+          <p:nvPr/>
+        </p:nvSpPr>
+        <p:spPr>
+          <a:xfrm>
+            <a:off x="827869" y="2806551"/>
+            <a:ext cx="10614713" cy="2062103"/>
+          </a:xfrm>
+          <a:prstGeom prst="rect">
+            <a:avLst/>
+          </a:prstGeom>
+        </p:spPr>
+        <p:txBody>
+          <a:bodyPr wrap="square">
+            <a:spAutoFit/>
+          </a:bodyPr>
+          <a:lstStyle/>
+          <a:p>
+            <a:pPr>
+              <a:buSzPct val="25000"/>
+            </a:pPr>
+            <a:r>
+              <a:rPr lang="en-US" sz="3200" dirty="0">
+                <a:ea typeface="Calibri"/>
+                <a:cs typeface="Calibri"/>
+                <a:sym typeface="Calibri"/>
+              </a:rPr>
+              <a:t>Based off the research/Absolute measure</a:t>
+            </a:r>
+          </a:p>
+          <a:p>
+            <a:pPr marL="457200" indent="-457200">
+              <a:buSzPct val="100000"/>
+              <a:buFont typeface="Arial" panose="020B0604020202020204" pitchFamily="34" charset="0"/>
+              <a:buChar char="•"/>
+            </a:pPr>
+            <a:r>
+              <a:rPr lang="en-US" sz="3200" dirty="0">
+                <a:ea typeface="Calibri"/>
+                <a:cs typeface="Calibri"/>
+                <a:sym typeface="Calibri"/>
+              </a:rPr>
+              <a:t>What’s the average of a larger area (e.g., national/international)?</a:t>
+            </a:r>
+          </a:p>
+          <a:p>
+            <a:pPr marL="457200" indent="-457200">
+              <a:buSzPct val="100000"/>
+              <a:buFont typeface="Arial" panose="020B0604020202020204" pitchFamily="34" charset="0"/>
+              <a:buChar char="•"/>
+            </a:pPr>
+            <a:r>
+              <a:rPr lang="en-US" sz="3200" dirty="0">
+                <a:ea typeface="Calibri"/>
+                <a:cs typeface="Calibri"/>
+                <a:sym typeface="Calibri"/>
+              </a:rPr>
+              <a:t>What has been used by other researchers?</a:t>
+            </a:r>
+          </a:p>
+        </p:txBody>
+      </p:sp>
+    </p:spTree>
+    <p:extLst>
+      <p:ext uri="{BB962C8B-B14F-4D97-AF65-F5344CB8AC3E}">
+        <p14:creationId xmlns:p14="http://schemas.microsoft.com/office/powerpoint/2010/main" val="2724203357"/>
+      </p:ext>
+    </p:extLst>
+  </p:cSld>
+  <p:clrMapOvr>
+    <a:masterClrMapping/>
+  </p:clrMapOvr>
+</p:sld>
+</file>
+
+<file path=ppt/slides/slide12.xml><?xml version="1.0" encoding="utf-8"?>
+<p:sld xmlns:a="http://schemas.openxmlformats.org/drawingml/2006/main" xmlns:r="http://schemas.openxmlformats.org/officeDocument/2006/relationships" xmlns:p="http://schemas.openxmlformats.org/presentationml/2006/main">
+  <p:cSld>
+    <p:spTree>
+      <p:nvGrpSpPr>
+        <p:cNvPr id="1" name="Shape 118"/>
+        <p:cNvGrpSpPr/>
+        <p:nvPr/>
+      </p:nvGrpSpPr>
+      <p:grpSpPr>
+        <a:xfrm>
+          <a:off x="0" y="0"/>
+          <a:ext cx="0" cy="0"/>
+          <a:chOff x="0" y="0"/>
+          <a:chExt cx="0" cy="0"/>
+        </a:xfrm>
+      </p:grpSpPr>
+      <p:sp>
+        <p:nvSpPr>
+          <p:cNvPr id="11" name="Shape 120">
+            <a:extLst>
+              <a:ext uri="{FF2B5EF4-FFF2-40B4-BE49-F238E27FC236}">
+                <a16:creationId xmlns:a16="http://schemas.microsoft.com/office/drawing/2014/main" id="{40EC573B-C7E2-4CA8-8C16-EB7E1E421CDE}"/>
+              </a:ext>
+            </a:extLst>
+          </p:cNvPr>
+          <p:cNvSpPr txBox="1"/>
+          <p:nvPr/>
+        </p:nvSpPr>
+        <p:spPr>
+          <a:xfrm>
+            <a:off x="307652" y="164839"/>
+            <a:ext cx="9255798" cy="707886"/>
+          </a:xfrm>
+          <a:prstGeom prst="rect">
+            <a:avLst/>
+          </a:prstGeom>
+          <a:noFill/>
+          <a:ln>
+            <a:noFill/>
+          </a:ln>
+        </p:spPr>
+        <p:txBody>
+          <a:bodyPr lIns="91425" tIns="45700" rIns="91425" bIns="45700" anchor="t" anchorCtr="0">
+            <a:noAutofit/>
+          </a:bodyPr>
+          <a:lstStyle/>
+          <a:p>
+            <a:pPr>
+              <a:buSzPct val="25000"/>
+            </a:pPr>
+            <a:r>
+              <a:rPr lang="en-US" sz="4000" b="1" dirty="0">
+                <a:solidFill>
+                  <a:schemeClr val="tx1">
+                    <a:lumMod val="85000"/>
+                    <a:lumOff val="15000"/>
+                  </a:schemeClr>
+                </a:solidFill>
+                <a:ea typeface="Calibri"/>
+                <a:cs typeface="Calibri"/>
+                <a:sym typeface="Calibri"/>
+              </a:rPr>
+              <a:t>You try it!</a:t>
+            </a:r>
+          </a:p>
+        </p:txBody>
+      </p:sp>
+      <p:sp>
+        <p:nvSpPr>
+          <p:cNvPr id="3" name="Rectangle 2">
+            <a:extLst>
+              <a:ext uri="{FF2B5EF4-FFF2-40B4-BE49-F238E27FC236}">
+                <a16:creationId xmlns:a16="http://schemas.microsoft.com/office/drawing/2014/main" id="{C0B0F76B-2B24-44D4-9139-AE2D920659AB}"/>
+              </a:ext>
+            </a:extLst>
+          </p:cNvPr>
+          <p:cNvSpPr/>
+          <p:nvPr/>
+        </p:nvSpPr>
+        <p:spPr>
+          <a:xfrm>
+            <a:off x="580041" y="856357"/>
+            <a:ext cx="10802957" cy="4832092"/>
+          </a:xfrm>
+          <a:prstGeom prst="rect">
+            <a:avLst/>
+          </a:prstGeom>
+        </p:spPr>
+        <p:txBody>
+          <a:bodyPr wrap="square">
+            <a:spAutoFit/>
+          </a:bodyPr>
+          <a:lstStyle/>
+          <a:p>
+            <a:pPr>
+              <a:buSzPct val="25000"/>
+            </a:pPr>
+            <a:r>
+              <a:rPr lang="en-US" sz="2800" dirty="0">
+                <a:ea typeface="Calibri"/>
+                <a:cs typeface="Calibri"/>
+                <a:sym typeface="Calibri"/>
+              </a:rPr>
+              <a:t>Open the county census data CSV spreadsheet in Excel/Google Sheets</a:t>
+            </a:r>
+          </a:p>
+          <a:p>
+            <a:pPr>
+              <a:buSzPct val="25000"/>
+            </a:pPr>
+            <a:endParaRPr lang="en-US" sz="2800" dirty="0">
+              <a:ea typeface="Calibri"/>
+              <a:cs typeface="Calibri"/>
+              <a:sym typeface="Calibri"/>
+            </a:endParaRPr>
+          </a:p>
+          <a:p>
+            <a:pPr marL="457200" indent="-457200">
+              <a:buSzPct val="100000"/>
+              <a:buFont typeface="Arial" panose="020B0604020202020204" pitchFamily="34" charset="0"/>
+              <a:buChar char="•"/>
+            </a:pPr>
+            <a:r>
+              <a:rPr lang="en-US" sz="2800" dirty="0">
+                <a:ea typeface="Calibri"/>
+                <a:cs typeface="Calibri"/>
+                <a:sym typeface="Calibri"/>
+              </a:rPr>
+              <a:t>What are the mean, median and standard deviation for </a:t>
+            </a:r>
+            <a:r>
+              <a:rPr lang="en-US" sz="2800" dirty="0" err="1">
+                <a:ea typeface="Calibri"/>
+                <a:cs typeface="Calibri"/>
+                <a:sym typeface="Calibri"/>
+              </a:rPr>
+              <a:t>LessHS_pct</a:t>
+            </a:r>
+            <a:r>
+              <a:rPr lang="en-US" sz="2800" dirty="0">
+                <a:ea typeface="Calibri"/>
+                <a:cs typeface="Calibri"/>
+                <a:sym typeface="Calibri"/>
+              </a:rPr>
+              <a:t> and </a:t>
+            </a:r>
+            <a:r>
+              <a:rPr lang="en-US" sz="2800" dirty="0" err="1">
+                <a:ea typeface="Calibri"/>
+                <a:cs typeface="Calibri"/>
+                <a:sym typeface="Calibri"/>
+              </a:rPr>
+              <a:t>HS_Grad_pct</a:t>
+            </a:r>
+            <a:r>
+              <a:rPr lang="en-US" sz="2800" dirty="0">
+                <a:ea typeface="Calibri"/>
+                <a:cs typeface="Calibri"/>
+                <a:sym typeface="Calibri"/>
+              </a:rPr>
+              <a:t> nationally?</a:t>
+            </a:r>
+          </a:p>
+          <a:p>
+            <a:pPr marL="914400" lvl="1" indent="-457200">
+              <a:buSzPct val="100000"/>
+              <a:buFont typeface="Arial" panose="020B0604020202020204" pitchFamily="34" charset="0"/>
+              <a:buChar char="•"/>
+            </a:pPr>
+            <a:r>
+              <a:rPr lang="en-US" sz="2800" dirty="0">
+                <a:ea typeface="Calibri"/>
+                <a:cs typeface="Calibri"/>
+                <a:sym typeface="Calibri"/>
+              </a:rPr>
+              <a:t>=AVERAGE, =MEDIAN,=STDEV</a:t>
+            </a:r>
+          </a:p>
+          <a:p>
+            <a:pPr marL="457200" indent="-457200">
+              <a:buSzPct val="100000"/>
+              <a:buFont typeface="Arial" panose="020B0604020202020204" pitchFamily="34" charset="0"/>
+              <a:buChar char="•"/>
+            </a:pPr>
+            <a:r>
+              <a:rPr lang="en-US" sz="2800" dirty="0">
+                <a:ea typeface="Calibri"/>
+                <a:cs typeface="Calibri"/>
+                <a:sym typeface="Calibri"/>
+              </a:rPr>
+              <a:t>What values determines the 25</a:t>
+            </a:r>
+            <a:r>
+              <a:rPr lang="en-US" sz="2800" baseline="30000" dirty="0">
+                <a:ea typeface="Calibri"/>
+                <a:cs typeface="Calibri"/>
+                <a:sym typeface="Calibri"/>
+              </a:rPr>
+              <a:t>th</a:t>
+            </a:r>
+            <a:r>
+              <a:rPr lang="en-US" sz="2800" dirty="0">
+                <a:ea typeface="Calibri"/>
+                <a:cs typeface="Calibri"/>
+                <a:sym typeface="Calibri"/>
+              </a:rPr>
+              <a:t> and 75</a:t>
+            </a:r>
+            <a:r>
+              <a:rPr lang="en-US" sz="2800" baseline="30000" dirty="0">
+                <a:ea typeface="Calibri"/>
+                <a:cs typeface="Calibri"/>
+                <a:sym typeface="Calibri"/>
+              </a:rPr>
+              <a:t>th</a:t>
+            </a:r>
+            <a:r>
+              <a:rPr lang="en-US" sz="2800" dirty="0">
+                <a:ea typeface="Calibri"/>
+                <a:cs typeface="Calibri"/>
+                <a:sym typeface="Calibri"/>
+              </a:rPr>
+              <a:t> percentile for each of these values?</a:t>
+            </a:r>
+          </a:p>
+          <a:p>
+            <a:pPr marL="914400" lvl="1" indent="-457200">
+              <a:buSzPct val="100000"/>
+              <a:buFont typeface="Arial" panose="020B0604020202020204" pitchFamily="34" charset="0"/>
+              <a:buChar char="•"/>
+            </a:pPr>
+            <a:r>
+              <a:rPr lang="en-US" sz="2800" dirty="0">
+                <a:ea typeface="Calibri"/>
+                <a:cs typeface="Calibri"/>
+                <a:sym typeface="Calibri"/>
+              </a:rPr>
+              <a:t>=QUARTILE(range,1) and =QUARTILE(range,3)</a:t>
+            </a:r>
+          </a:p>
+          <a:p>
+            <a:pPr>
+              <a:buSzPct val="25000"/>
+            </a:pPr>
+            <a:endParaRPr lang="en-US" sz="2800" dirty="0">
+              <a:ea typeface="Calibri"/>
+              <a:cs typeface="Calibri"/>
+              <a:sym typeface="Calibri"/>
+            </a:endParaRPr>
+          </a:p>
+          <a:p>
+            <a:pPr>
+              <a:buSzPct val="25000"/>
+            </a:pPr>
+            <a:r>
+              <a:rPr lang="en-US" sz="2800" dirty="0">
+                <a:ea typeface="Calibri"/>
+                <a:cs typeface="Calibri"/>
+                <a:sym typeface="Calibri"/>
+              </a:rPr>
+              <a:t>Which are the better measures of central tendency/ distribution?</a:t>
+            </a:r>
+          </a:p>
+        </p:txBody>
+      </p:sp>
+    </p:spTree>
+    <p:extLst>
+      <p:ext uri="{BB962C8B-B14F-4D97-AF65-F5344CB8AC3E}">
+        <p14:creationId xmlns:p14="http://schemas.microsoft.com/office/powerpoint/2010/main" val="133495747"/>
       </p:ext>
     </p:extLst>
   </p:cSld>
@@ -9103,7 +8370,7 @@
                 <a:cs typeface="Calibri"/>
                 <a:sym typeface="Calibri"/>
               </a:rPr>
-              <a:t>How could we decide?</a:t>
+              <a:t>You try it!</a:t>
             </a:r>
           </a:p>
         </p:txBody>
@@ -9122,15 +8389,15 @@
         </p:nvSpPr>
         <p:spPr>
           <a:xfrm>
-            <a:off x="827869" y="1054808"/>
-            <a:ext cx="9079858" cy="1569660"/>
+            <a:off x="580041" y="856357"/>
+            <a:ext cx="10802957" cy="3108543"/>
           </a:xfrm>
           <a:prstGeom prst="rect">
             <a:avLst/>
           </a:prstGeom>
         </p:spPr>
         <p:txBody>
-          <a:bodyPr wrap="none">
+          <a:bodyPr wrap="square">
             <a:spAutoFit/>
           </a:bodyPr>
           <a:lstStyle/>
@@ -9139,113 +8406,74 @@
               <a:buSzPct val="25000"/>
             </a:pPr>
             <a:r>
-              <a:rPr lang="en-US" sz="3200" dirty="0">
+              <a:rPr lang="en-US" sz="2800" dirty="0">
                 <a:ea typeface="Calibri"/>
                 <a:cs typeface="Calibri"/>
                 <a:sym typeface="Calibri"/>
               </a:rPr>
-              <a:t>Based off the data/Relative measure</a:t>
-            </a:r>
-          </a:p>
-          <a:p>
-            <a:pPr marL="457200" indent="-457200">
-              <a:buSzPct val="100000"/>
-              <a:buFont typeface="Arial" panose="020B0604020202020204" pitchFamily="34" charset="0"/>
-              <a:buChar char="•"/>
-            </a:pPr>
-            <a:r>
-              <a:rPr lang="en-US" sz="3200" dirty="0">
+              <a:t>How many counties in Georgia fall below the 25</a:t>
+            </a:r>
+            <a:r>
+              <a:rPr lang="en-US" sz="2800" baseline="30000" dirty="0">
                 <a:ea typeface="Calibri"/>
                 <a:cs typeface="Calibri"/>
                 <a:sym typeface="Calibri"/>
               </a:rPr>
-              <a:t>How many standard deviations below the mean?</a:t>
-            </a:r>
-          </a:p>
-          <a:p>
-            <a:pPr marL="457200" indent="-457200">
-              <a:buSzPct val="100000"/>
-              <a:buFont typeface="Arial" panose="020B0604020202020204" pitchFamily="34" charset="0"/>
-              <a:buChar char="•"/>
-            </a:pPr>
-            <a:r>
-              <a:rPr lang="en-US" sz="3200" dirty="0">
+              <a:t>th</a:t>
+            </a:r>
+            <a:r>
+              <a:rPr lang="en-US" sz="2800" dirty="0">
                 <a:ea typeface="Calibri"/>
                 <a:cs typeface="Calibri"/>
                 <a:sym typeface="Calibri"/>
               </a:rPr>
-              <a:t>What percentile of all counties?</a:t>
-            </a:r>
-          </a:p>
-        </p:txBody>
-      </p:sp>
-      <p:sp>
-        <p:nvSpPr>
-          <p:cNvPr id="6" name="Rectangle 5">
-            <a:extLst>
-              <a:ext uri="{FF2B5EF4-FFF2-40B4-BE49-F238E27FC236}">
-                <a16:creationId xmlns:a16="http://schemas.microsoft.com/office/drawing/2014/main" id="{9189733B-B71E-46A0-A649-8453899A5259}"/>
-              </a:ext>
-            </a:extLst>
-          </p:cNvPr>
-          <p:cNvSpPr/>
-          <p:nvPr/>
-        </p:nvSpPr>
-        <p:spPr>
-          <a:xfrm>
-            <a:off x="827869" y="2806551"/>
-            <a:ext cx="10614713" cy="2062103"/>
-          </a:xfrm>
-          <a:prstGeom prst="rect">
-            <a:avLst/>
-          </a:prstGeom>
-        </p:spPr>
-        <p:txBody>
-          <a:bodyPr wrap="square">
-            <a:spAutoFit/>
-          </a:bodyPr>
-          <a:lstStyle/>
+              <a:t> percentile for each of these variables?</a:t>
+            </a:r>
+          </a:p>
           <a:p>
             <a:pPr>
               <a:buSzPct val="25000"/>
             </a:pPr>
-            <a:r>
-              <a:rPr lang="en-US" sz="3200" dirty="0">
+            <a:endParaRPr lang="en-US" sz="2800" dirty="0">
+              <a:ea typeface="Calibri"/>
+              <a:cs typeface="Calibri"/>
+              <a:sym typeface="Calibri"/>
+            </a:endParaRPr>
+          </a:p>
+          <a:p>
+            <a:pPr>
+              <a:buSzPct val="25000"/>
+            </a:pPr>
+            <a:r>
+              <a:rPr lang="en-US" sz="2800" dirty="0">
                 <a:ea typeface="Calibri"/>
                 <a:cs typeface="Calibri"/>
                 <a:sym typeface="Calibri"/>
               </a:rPr>
-              <a:t>Based off the research/Absolute measure</a:t>
-            </a:r>
-          </a:p>
-          <a:p>
-            <a:pPr marL="457200" indent="-457200">
-              <a:buSzPct val="100000"/>
-              <a:buFont typeface="Arial" panose="020B0604020202020204" pitchFamily="34" charset="0"/>
-              <a:buChar char="•"/>
+              <a:t>How many are two or more standard deviations below the mean?</a:t>
+            </a:r>
+          </a:p>
+          <a:p>
+            <a:pPr>
+              <a:buSzPct val="25000"/>
             </a:pPr>
-            <a:r>
-              <a:rPr lang="en-US" sz="3200" dirty="0">
+            <a:endParaRPr lang="en-US" sz="2800" dirty="0">
+              <a:ea typeface="Calibri"/>
+              <a:cs typeface="Calibri"/>
+              <a:sym typeface="Calibri"/>
+            </a:endParaRPr>
+          </a:p>
+          <a:p>
+            <a:pPr>
+              <a:buSzPct val="25000"/>
+            </a:pPr>
+            <a:r>
+              <a:rPr lang="en-US" sz="2800" dirty="0">
                 <a:ea typeface="Calibri"/>
                 <a:cs typeface="Calibri"/>
                 <a:sym typeface="Calibri"/>
               </a:rPr>
-              <a:t>What’s the average of a larger area (e.g., national/international)?</a:t>
-            </a:r>
-          </a:p>
-          <a:p>
-            <a:pPr marL="457200" indent="-457200">
-              <a:buSzPct val="100000"/>
-              <a:buFont typeface="Arial" panose="020B0604020202020204" pitchFamily="34" charset="0"/>
-              <a:buChar char="•"/>
-            </a:pPr>
-            <a:r>
-              <a:rPr lang="en-US" sz="3200" dirty="0">
-                <a:ea typeface="Calibri"/>
-                <a:cs typeface="Calibri"/>
-                <a:sym typeface="Calibri"/>
-              </a:rPr>
-              <a:t>What has been used by other researchers?</a:t>
+              <a:t>How would you classify a “low-education county” based on these data? What might that miss?</a:t>
             </a:r>
           </a:p>
         </p:txBody>
@@ -9253,7 +8481,7 @@
     </p:spTree>
     <p:extLst>
       <p:ext uri="{BB962C8B-B14F-4D97-AF65-F5344CB8AC3E}">
-        <p14:creationId xmlns:p14="http://schemas.microsoft.com/office/powerpoint/2010/main" val="2724203357"/>
+        <p14:creationId xmlns:p14="http://schemas.microsoft.com/office/powerpoint/2010/main" val="2425937233"/>
       </p:ext>
     </p:extLst>
   </p:cSld>
@@ -9295,7 +8523,7 @@
         <p:spPr>
           <a:xfrm>
             <a:off x="307652" y="164839"/>
-            <a:ext cx="9255798" cy="707886"/>
+            <a:ext cx="11414366" cy="707886"/>
           </a:xfrm>
           <a:prstGeom prst="rect">
             <a:avLst/>
@@ -9315,7 +8543,7 @@
               <a:buSzPct val="25000"/>
             </a:pPr>
             <a:r>
-              <a:rPr lang="en-US" sz="4000" b="1" dirty="0">
+              <a:rPr lang="en-US" sz="3200" b="1" dirty="0">
                 <a:solidFill>
                   <a:schemeClr val="tx1">
                     <a:lumMod val="85000"/>
@@ -9326,397 +8554,87 @@
                 <a:cs typeface="Calibri"/>
                 <a:sym typeface="Calibri"/>
               </a:rPr>
-              <a:t>You try it!</a:t>
-            </a:r>
-          </a:p>
-        </p:txBody>
-      </p:sp>
-      <p:sp>
-        <p:nvSpPr>
-          <p:cNvPr id="3" name="Rectangle 2">
+              <a:t>Tukey and Wickham on Exploratory Data Analysis</a:t>
+            </a:r>
+          </a:p>
+        </p:txBody>
+      </p:sp>
+      <p:pic>
+        <p:nvPicPr>
+          <p:cNvPr id="4" name="Picture 3">
             <a:extLst>
               <a:ext uri="{FF2B5EF4-FFF2-40B4-BE49-F238E27FC236}">
-                <a16:creationId xmlns:a16="http://schemas.microsoft.com/office/drawing/2014/main" id="{C0B0F76B-2B24-44D4-9139-AE2D920659AB}"/>
+                <a16:creationId xmlns:a16="http://schemas.microsoft.com/office/drawing/2014/main" id="{47274A80-E6F1-4EEC-866D-461B285D8767}"/>
               </a:ext>
             </a:extLst>
           </p:cNvPr>
-          <p:cNvSpPr/>
+          <p:cNvPicPr>
+            <a:picLocks noChangeAspect="1"/>
+          </p:cNvPicPr>
           <p:nvPr/>
-        </p:nvSpPr>
+        </p:nvPicPr>
+        <p:blipFill>
+          <a:blip r:embed="rId3">
+            <a:extLst>
+              <a:ext uri="{28A0092B-C50C-407E-A947-70E740481C1C}">
+                <a14:useLocalDpi xmlns:a14="http://schemas.microsoft.com/office/drawing/2010/main" val="0"/>
+              </a:ext>
+            </a:extLst>
+          </a:blip>
+          <a:stretch>
+            <a:fillRect/>
+          </a:stretch>
+        </p:blipFill>
         <p:spPr>
           <a:xfrm>
-            <a:off x="580041" y="856357"/>
-            <a:ext cx="10802957" cy="4832092"/>
+            <a:off x="137744" y="1822901"/>
+            <a:ext cx="5618385" cy="4235736"/>
           </a:xfrm>
           <a:prstGeom prst="rect">
             <a:avLst/>
           </a:prstGeom>
         </p:spPr>
-        <p:txBody>
-          <a:bodyPr wrap="square">
-            <a:spAutoFit/>
-          </a:bodyPr>
-          <a:lstStyle/>
-          <a:p>
-            <a:pPr>
-              <a:buSzPct val="25000"/>
-            </a:pPr>
-            <a:r>
-              <a:rPr lang="en-US" sz="2800" dirty="0">
-                <a:ea typeface="Calibri"/>
-                <a:cs typeface="Calibri"/>
-                <a:sym typeface="Calibri"/>
-              </a:rPr>
-              <a:t>Open the county census data CSV spreadsheet in Excel/Google Sheets</a:t>
-            </a:r>
-          </a:p>
-          <a:p>
-            <a:pPr>
-              <a:buSzPct val="25000"/>
-            </a:pPr>
-            <a:endParaRPr lang="en-US" sz="2800" dirty="0">
-              <a:ea typeface="Calibri"/>
-              <a:cs typeface="Calibri"/>
-              <a:sym typeface="Calibri"/>
-            </a:endParaRPr>
-          </a:p>
-          <a:p>
-            <a:pPr marL="457200" indent="-457200">
-              <a:buSzPct val="100000"/>
-              <a:buFont typeface="Arial" panose="020B0604020202020204" pitchFamily="34" charset="0"/>
-              <a:buChar char="•"/>
-            </a:pPr>
-            <a:r>
-              <a:rPr lang="en-US" sz="2800" dirty="0">
-                <a:ea typeface="Calibri"/>
-                <a:cs typeface="Calibri"/>
-                <a:sym typeface="Calibri"/>
-              </a:rPr>
-              <a:t>What are the mean, median and standard deviation for </a:t>
-            </a:r>
-            <a:r>
-              <a:rPr lang="en-US" sz="2800" dirty="0" err="1">
-                <a:ea typeface="Calibri"/>
-                <a:cs typeface="Calibri"/>
-                <a:sym typeface="Calibri"/>
-              </a:rPr>
-              <a:t>LessHS_pct</a:t>
-            </a:r>
-            <a:r>
-              <a:rPr lang="en-US" sz="2800" dirty="0">
-                <a:ea typeface="Calibri"/>
-                <a:cs typeface="Calibri"/>
-                <a:sym typeface="Calibri"/>
-              </a:rPr>
-              <a:t> and </a:t>
-            </a:r>
-            <a:r>
-              <a:rPr lang="en-US" sz="2800" dirty="0" err="1">
-                <a:ea typeface="Calibri"/>
-                <a:cs typeface="Calibri"/>
-                <a:sym typeface="Calibri"/>
-              </a:rPr>
-              <a:t>HS_Grad_pct</a:t>
-            </a:r>
-            <a:r>
-              <a:rPr lang="en-US" sz="2800" dirty="0">
-                <a:ea typeface="Calibri"/>
-                <a:cs typeface="Calibri"/>
-                <a:sym typeface="Calibri"/>
-              </a:rPr>
-              <a:t> nationally?</a:t>
-            </a:r>
-          </a:p>
-          <a:p>
-            <a:pPr marL="914400" lvl="1" indent="-457200">
-              <a:buSzPct val="100000"/>
-              <a:buFont typeface="Arial" panose="020B0604020202020204" pitchFamily="34" charset="0"/>
-              <a:buChar char="•"/>
-            </a:pPr>
-            <a:r>
-              <a:rPr lang="en-US" sz="2800" dirty="0">
-                <a:ea typeface="Calibri"/>
-                <a:cs typeface="Calibri"/>
-                <a:sym typeface="Calibri"/>
-              </a:rPr>
-              <a:t>=AVERAGE, =MEDIAN,=STDEV</a:t>
-            </a:r>
-          </a:p>
-          <a:p>
-            <a:pPr marL="457200" indent="-457200">
-              <a:buSzPct val="100000"/>
-              <a:buFont typeface="Arial" panose="020B0604020202020204" pitchFamily="34" charset="0"/>
-              <a:buChar char="•"/>
-            </a:pPr>
-            <a:r>
-              <a:rPr lang="en-US" sz="2800" dirty="0">
-                <a:ea typeface="Calibri"/>
-                <a:cs typeface="Calibri"/>
-                <a:sym typeface="Calibri"/>
-              </a:rPr>
-              <a:t>What values determines the 25</a:t>
-            </a:r>
-            <a:r>
-              <a:rPr lang="en-US" sz="2800" baseline="30000" dirty="0">
-                <a:ea typeface="Calibri"/>
-                <a:cs typeface="Calibri"/>
-                <a:sym typeface="Calibri"/>
-              </a:rPr>
-              <a:t>th</a:t>
-            </a:r>
-            <a:r>
-              <a:rPr lang="en-US" sz="2800" dirty="0">
-                <a:ea typeface="Calibri"/>
-                <a:cs typeface="Calibri"/>
-                <a:sym typeface="Calibri"/>
-              </a:rPr>
-              <a:t> and 75</a:t>
-            </a:r>
-            <a:r>
-              <a:rPr lang="en-US" sz="2800" baseline="30000" dirty="0">
-                <a:ea typeface="Calibri"/>
-                <a:cs typeface="Calibri"/>
-                <a:sym typeface="Calibri"/>
-              </a:rPr>
-              <a:t>th</a:t>
-            </a:r>
-            <a:r>
-              <a:rPr lang="en-US" sz="2800" dirty="0">
-                <a:ea typeface="Calibri"/>
-                <a:cs typeface="Calibri"/>
-                <a:sym typeface="Calibri"/>
-              </a:rPr>
-              <a:t> percentile for each of these values?</a:t>
-            </a:r>
-          </a:p>
-          <a:p>
-            <a:pPr marL="914400" lvl="1" indent="-457200">
-              <a:buSzPct val="100000"/>
-              <a:buFont typeface="Arial" panose="020B0604020202020204" pitchFamily="34" charset="0"/>
-              <a:buChar char="•"/>
-            </a:pPr>
-            <a:r>
-              <a:rPr lang="en-US" sz="2800" dirty="0">
-                <a:ea typeface="Calibri"/>
-                <a:cs typeface="Calibri"/>
-                <a:sym typeface="Calibri"/>
-              </a:rPr>
-              <a:t>=QUARTILE(range,1) and =QUARTILE(range,3)</a:t>
-            </a:r>
-          </a:p>
-          <a:p>
-            <a:pPr>
-              <a:buSzPct val="25000"/>
-            </a:pPr>
-            <a:endParaRPr lang="en-US" sz="2800" dirty="0">
-              <a:ea typeface="Calibri"/>
-              <a:cs typeface="Calibri"/>
-              <a:sym typeface="Calibri"/>
-            </a:endParaRPr>
-          </a:p>
-          <a:p>
-            <a:pPr>
-              <a:buSzPct val="25000"/>
-            </a:pPr>
-            <a:r>
-              <a:rPr lang="en-US" sz="2800" dirty="0">
-                <a:ea typeface="Calibri"/>
-                <a:cs typeface="Calibri"/>
-                <a:sym typeface="Calibri"/>
-              </a:rPr>
-              <a:t>Which are the better measures of central tendency/ distribution?</a:t>
-            </a:r>
-          </a:p>
-        </p:txBody>
-      </p:sp>
-    </p:spTree>
-    <p:extLst>
-      <p:ext uri="{BB962C8B-B14F-4D97-AF65-F5344CB8AC3E}">
-        <p14:creationId xmlns:p14="http://schemas.microsoft.com/office/powerpoint/2010/main" val="133495747"/>
-      </p:ext>
-    </p:extLst>
-  </p:cSld>
-  <p:clrMapOvr>
-    <a:masterClrMapping/>
-  </p:clrMapOvr>
-</p:sld>
-</file>
-
-<file path=ppt/slides/slide15.xml><?xml version="1.0" encoding="utf-8"?>
-<p:sld xmlns:a="http://schemas.openxmlformats.org/drawingml/2006/main" xmlns:r="http://schemas.openxmlformats.org/officeDocument/2006/relationships" xmlns:p="http://schemas.openxmlformats.org/presentationml/2006/main">
-  <p:cSld>
-    <p:spTree>
-      <p:nvGrpSpPr>
-        <p:cNvPr id="1" name="Shape 118"/>
-        <p:cNvGrpSpPr/>
-        <p:nvPr/>
-      </p:nvGrpSpPr>
-      <p:grpSpPr>
-        <a:xfrm>
-          <a:off x="0" y="0"/>
-          <a:ext cx="0" cy="0"/>
-          <a:chOff x="0" y="0"/>
-          <a:chExt cx="0" cy="0"/>
-        </a:xfrm>
-      </p:grpSpPr>
-      <p:sp>
-        <p:nvSpPr>
-          <p:cNvPr id="11" name="Shape 120">
+      </p:pic>
+      <p:pic>
+        <p:nvPicPr>
+          <p:cNvPr id="6" name="Picture 5">
             <a:extLst>
               <a:ext uri="{FF2B5EF4-FFF2-40B4-BE49-F238E27FC236}">
-                <a16:creationId xmlns:a16="http://schemas.microsoft.com/office/drawing/2014/main" id="{40EC573B-C7E2-4CA8-8C16-EB7E1E421CDE}"/>
+                <a16:creationId xmlns:a16="http://schemas.microsoft.com/office/drawing/2014/main" id="{1822356D-1B40-4158-84E5-5214A2C89557}"/>
               </a:ext>
             </a:extLst>
           </p:cNvPr>
-          <p:cNvSpPr txBox="1"/>
+          <p:cNvPicPr>
+            <a:picLocks noChangeAspect="1"/>
+          </p:cNvPicPr>
           <p:nvPr/>
-        </p:nvSpPr>
+        </p:nvPicPr>
+        <p:blipFill>
+          <a:blip r:embed="rId4">
+            <a:extLst>
+              <a:ext uri="{28A0092B-C50C-407E-A947-70E740481C1C}">
+                <a14:useLocalDpi xmlns:a14="http://schemas.microsoft.com/office/drawing/2010/main" val="0"/>
+              </a:ext>
+            </a:extLst>
+          </a:blip>
+          <a:stretch>
+            <a:fillRect/>
+          </a:stretch>
+        </p:blipFill>
         <p:spPr>
           <a:xfrm>
-            <a:off x="307652" y="164839"/>
-            <a:ext cx="9255798" cy="707886"/>
-          </a:xfrm>
-          <a:prstGeom prst="rect">
-            <a:avLst/>
-          </a:prstGeom>
-          <a:noFill/>
-          <a:ln>
-            <a:noFill/>
-          </a:ln>
-        </p:spPr>
-        <p:txBody>
-          <a:bodyPr lIns="91425" tIns="45700" rIns="91425" bIns="45700" anchor="t" anchorCtr="0">
-            <a:noAutofit/>
-          </a:bodyPr>
-          <a:lstStyle/>
-          <a:p>
-            <a:pPr>
-              <a:buSzPct val="25000"/>
-            </a:pPr>
-            <a:r>
-              <a:rPr lang="en-US" sz="4000" b="1" dirty="0">
-                <a:solidFill>
-                  <a:schemeClr val="tx1">
-                    <a:lumMod val="85000"/>
-                    <a:lumOff val="15000"/>
-                  </a:schemeClr>
-                </a:solidFill>
-                <a:ea typeface="Calibri"/>
-                <a:cs typeface="Calibri"/>
-                <a:sym typeface="Calibri"/>
-              </a:rPr>
-              <a:t>You try it!</a:t>
-            </a:r>
-          </a:p>
-        </p:txBody>
-      </p:sp>
-      <p:sp>
-        <p:nvSpPr>
-          <p:cNvPr id="3" name="Rectangle 2">
-            <a:extLst>
-              <a:ext uri="{FF2B5EF4-FFF2-40B4-BE49-F238E27FC236}">
-                <a16:creationId xmlns:a16="http://schemas.microsoft.com/office/drawing/2014/main" id="{C0B0F76B-2B24-44D4-9139-AE2D920659AB}"/>
-              </a:ext>
-            </a:extLst>
-          </p:cNvPr>
-          <p:cNvSpPr/>
-          <p:nvPr/>
-        </p:nvSpPr>
-        <p:spPr>
-          <a:xfrm>
-            <a:off x="580041" y="856357"/>
-            <a:ext cx="10802957" cy="3108543"/>
+            <a:off x="6229719" y="2937721"/>
+            <a:ext cx="5962281" cy="3661050"/>
           </a:xfrm>
           <a:prstGeom prst="rect">
             <a:avLst/>
           </a:prstGeom>
         </p:spPr>
-        <p:txBody>
-          <a:bodyPr wrap="square">
-            <a:spAutoFit/>
-          </a:bodyPr>
-          <a:lstStyle/>
-          <a:p>
-            <a:pPr>
-              <a:buSzPct val="25000"/>
-            </a:pPr>
-            <a:r>
-              <a:rPr lang="en-US" sz="2800" dirty="0">
-                <a:ea typeface="Calibri"/>
-                <a:cs typeface="Calibri"/>
-                <a:sym typeface="Calibri"/>
-              </a:rPr>
-              <a:t>How many counties in Georgia fall below the 25</a:t>
-            </a:r>
-            <a:r>
-              <a:rPr lang="en-US" sz="2800" baseline="30000" dirty="0">
-                <a:ea typeface="Calibri"/>
-                <a:cs typeface="Calibri"/>
-                <a:sym typeface="Calibri"/>
-              </a:rPr>
-              <a:t>th</a:t>
-            </a:r>
-            <a:r>
-              <a:rPr lang="en-US" sz="2800" dirty="0">
-                <a:ea typeface="Calibri"/>
-                <a:cs typeface="Calibri"/>
-                <a:sym typeface="Calibri"/>
-              </a:rPr>
-              <a:t> percentile for each of these variables?</a:t>
-            </a:r>
-          </a:p>
-          <a:p>
-            <a:pPr>
-              <a:buSzPct val="25000"/>
-            </a:pPr>
-            <a:endParaRPr lang="en-US" sz="2800" dirty="0">
-              <a:ea typeface="Calibri"/>
-              <a:cs typeface="Calibri"/>
-              <a:sym typeface="Calibri"/>
-            </a:endParaRPr>
-          </a:p>
-          <a:p>
-            <a:pPr>
-              <a:buSzPct val="25000"/>
-            </a:pPr>
-            <a:r>
-              <a:rPr lang="en-US" sz="2800" dirty="0">
-                <a:ea typeface="Calibri"/>
-                <a:cs typeface="Calibri"/>
-                <a:sym typeface="Calibri"/>
-              </a:rPr>
-              <a:t>How many are two or more standard deviations below the mean?</a:t>
-            </a:r>
-          </a:p>
-          <a:p>
-            <a:pPr>
-              <a:buSzPct val="25000"/>
-            </a:pPr>
-            <a:endParaRPr lang="en-US" sz="2800" dirty="0">
-              <a:ea typeface="Calibri"/>
-              <a:cs typeface="Calibri"/>
-              <a:sym typeface="Calibri"/>
-            </a:endParaRPr>
-          </a:p>
-          <a:p>
-            <a:pPr>
-              <a:buSzPct val="25000"/>
-            </a:pPr>
-            <a:r>
-              <a:rPr lang="en-US" sz="2800" dirty="0">
-                <a:ea typeface="Calibri"/>
-                <a:cs typeface="Calibri"/>
-                <a:sym typeface="Calibri"/>
-              </a:rPr>
-              <a:t>How would you classify a “low-education county” based on these data? What might that miss?</a:t>
-            </a:r>
-          </a:p>
-        </p:txBody>
-      </p:sp>
+      </p:pic>
     </p:spTree>
     <p:extLst>
       <p:ext uri="{BB962C8B-B14F-4D97-AF65-F5344CB8AC3E}">
-        <p14:creationId xmlns:p14="http://schemas.microsoft.com/office/powerpoint/2010/main" val="2425937233"/>
+        <p14:creationId xmlns:p14="http://schemas.microsoft.com/office/powerpoint/2010/main" val="3750475185"/>
       </p:ext>
     </p:extLst>
   </p:cSld>
@@ -10052,6 +8970,1754 @@
         <p:spPr>
           <a:xfrm>
             <a:off x="226503" y="167780"/>
+            <a:ext cx="11487379" cy="1200329"/>
+          </a:xfrm>
+          <a:prstGeom prst="rect">
+            <a:avLst/>
+          </a:prstGeom>
+          <a:noFill/>
+        </p:spPr>
+        <p:txBody>
+          <a:bodyPr wrap="square" rtlCol="0">
+            <a:spAutoFit/>
+          </a:bodyPr>
+          <a:lstStyle/>
+          <a:p>
+            <a:r>
+              <a:rPr lang="en-US" sz="3600" b="1" dirty="0"/>
+              <a:t>Which measure of central tendency should we use for the number of UGA football games we have attended?</a:t>
+            </a:r>
+          </a:p>
+        </p:txBody>
+      </p:sp>
+      <p:graphicFrame>
+        <p:nvGraphicFramePr>
+          <p:cNvPr id="2" name="Table 1">
+            <a:extLst>
+              <a:ext uri="{FF2B5EF4-FFF2-40B4-BE49-F238E27FC236}">
+                <a16:creationId xmlns:a16="http://schemas.microsoft.com/office/drawing/2014/main" id="{6785093D-1213-4909-A42B-481245116AA0}"/>
+              </a:ext>
+            </a:extLst>
+          </p:cNvPr>
+          <p:cNvGraphicFramePr>
+            <a:graphicFrameLocks noGrp="1"/>
+          </p:cNvGraphicFramePr>
+          <p:nvPr>
+            <p:extLst>
+              <p:ext uri="{D42A27DB-BD31-4B8C-83A1-F6EECF244321}">
+                <p14:modId xmlns:p14="http://schemas.microsoft.com/office/powerpoint/2010/main" val="443331153"/>
+              </p:ext>
+            </p:extLst>
+          </p:nvPr>
+        </p:nvGraphicFramePr>
+        <p:xfrm>
+          <a:off x="4395019" y="1696570"/>
+          <a:ext cx="2739056" cy="4627138"/>
+        </p:xfrm>
+        <a:graphic>
+          <a:graphicData uri="http://schemas.openxmlformats.org/drawingml/2006/table">
+            <a:tbl>
+              <a:tblPr/>
+              <a:tblGrid>
+                <a:gridCol w="1693115">
+                  <a:extLst>
+                    <a:ext uri="{9D8B030D-6E8A-4147-A177-3AD203B41FA5}">
+                      <a16:colId xmlns:a16="http://schemas.microsoft.com/office/drawing/2014/main" val="2221963998"/>
+                    </a:ext>
+                  </a:extLst>
+                </a:gridCol>
+                <a:gridCol w="1045941">
+                  <a:extLst>
+                    <a:ext uri="{9D8B030D-6E8A-4147-A177-3AD203B41FA5}">
+                      <a16:colId xmlns:a16="http://schemas.microsoft.com/office/drawing/2014/main" val="837344462"/>
+                    </a:ext>
+                  </a:extLst>
+                </a:gridCol>
+              </a:tblGrid>
+              <a:tr h="177429">
+                <a:tc>
+                  <a:txBody>
+                    <a:bodyPr/>
+                    <a:lstStyle/>
+                    <a:p>
+                      <a:pPr rtl="0" fontAlgn="b"/>
+                      <a:r>
+                        <a:rPr lang="en-US" sz="2400" dirty="0">
+                          <a:effectLst/>
+                        </a:rPr>
+                        <a:t>exactly 1 </a:t>
+                      </a:r>
+                    </a:p>
+                  </a:txBody>
+                  <a:tcPr marL="16228" marR="16228" marT="10819" marB="10819" anchor="b">
+                    <a:lnL w="9525" cap="flat" cmpd="sng" algn="ctr">
+                      <a:solidFill>
+                        <a:srgbClr val="CCCCCC"/>
+                      </a:solidFill>
+                      <a:prstDash val="solid"/>
+                      <a:round/>
+                      <a:headEnd type="none" w="med" len="med"/>
+                      <a:tailEnd type="none" w="med" len="med"/>
+                    </a:lnL>
+                    <a:lnR w="9525" cap="flat" cmpd="sng" algn="ctr">
+                      <a:solidFill>
+                        <a:srgbClr val="CCCCCC"/>
+                      </a:solidFill>
+                      <a:prstDash val="solid"/>
+                      <a:round/>
+                      <a:headEnd type="none" w="med" len="med"/>
+                      <a:tailEnd type="none" w="med" len="med"/>
+                    </a:lnR>
+                    <a:lnT w="9525" cap="flat" cmpd="sng" algn="ctr">
+                      <a:solidFill>
+                        <a:srgbClr val="CCCCCC"/>
+                      </a:solidFill>
+                      <a:prstDash val="solid"/>
+                      <a:round/>
+                      <a:headEnd type="none" w="med" len="med"/>
+                      <a:tailEnd type="none" w="med" len="med"/>
+                    </a:lnT>
+                    <a:lnB w="9525" cap="flat" cmpd="sng" algn="ctr">
+                      <a:solidFill>
+                        <a:srgbClr val="CCCCCC"/>
+                      </a:solidFill>
+                      <a:prstDash val="solid"/>
+                      <a:round/>
+                      <a:headEnd type="none" w="med" len="med"/>
+                      <a:tailEnd type="none" w="med" len="med"/>
+                    </a:lnB>
+                  </a:tcPr>
+                </a:tc>
+                <a:tc>
+                  <a:txBody>
+                    <a:bodyPr/>
+                    <a:lstStyle/>
+                    <a:p>
+                      <a:pPr algn="r" rtl="0" fontAlgn="b"/>
+                      <a:r>
+                        <a:rPr lang="en-US" sz="2400" dirty="0">
+                          <a:effectLst/>
+                        </a:rPr>
+                        <a:t>23</a:t>
+                      </a:r>
+                    </a:p>
+                  </a:txBody>
+                  <a:tcPr marL="16228" marR="16228" marT="10819" marB="10819" anchor="b">
+                    <a:lnL w="9525" cap="flat" cmpd="sng" algn="ctr">
+                      <a:solidFill>
+                        <a:srgbClr val="CCCCCC"/>
+                      </a:solidFill>
+                      <a:prstDash val="solid"/>
+                      <a:round/>
+                      <a:headEnd type="none" w="med" len="med"/>
+                      <a:tailEnd type="none" w="med" len="med"/>
+                    </a:lnL>
+                    <a:lnR w="9525" cap="flat" cmpd="sng" algn="ctr">
+                      <a:solidFill>
+                        <a:srgbClr val="CCCCCC"/>
+                      </a:solidFill>
+                      <a:prstDash val="solid"/>
+                      <a:round/>
+                      <a:headEnd type="none" w="med" len="med"/>
+                      <a:tailEnd type="none" w="med" len="med"/>
+                    </a:lnR>
+                    <a:lnT w="9525" cap="flat" cmpd="sng" algn="ctr">
+                      <a:solidFill>
+                        <a:srgbClr val="CCCCCC"/>
+                      </a:solidFill>
+                      <a:prstDash val="solid"/>
+                      <a:round/>
+                      <a:headEnd type="none" w="med" len="med"/>
+                      <a:tailEnd type="none" w="med" len="med"/>
+                    </a:lnT>
+                    <a:lnB w="9525" cap="flat" cmpd="sng" algn="ctr">
+                      <a:solidFill>
+                        <a:srgbClr val="CCCCCC"/>
+                      </a:solidFill>
+                      <a:prstDash val="solid"/>
+                      <a:round/>
+                      <a:headEnd type="none" w="med" len="med"/>
+                      <a:tailEnd type="none" w="med" len="med"/>
+                    </a:lnB>
+                  </a:tcPr>
+                </a:tc>
+                <a:extLst>
+                  <a:ext uri="{0D108BD9-81ED-4DB2-BD59-A6C34878D82A}">
+                    <a16:rowId xmlns:a16="http://schemas.microsoft.com/office/drawing/2014/main" val="2437720896"/>
+                  </a:ext>
+                </a:extLst>
+              </a:tr>
+              <a:tr h="177429">
+                <a:tc>
+                  <a:txBody>
+                    <a:bodyPr/>
+                    <a:lstStyle/>
+                    <a:p>
+                      <a:pPr rtl="0" fontAlgn="b"/>
+                      <a:r>
+                        <a:rPr lang="en-US" sz="2400" dirty="0">
+                          <a:effectLst/>
+                        </a:rPr>
+                        <a:t>NA</a:t>
+                      </a:r>
+                    </a:p>
+                  </a:txBody>
+                  <a:tcPr marL="16228" marR="16228" marT="10819" marB="10819" anchor="b">
+                    <a:lnL w="9525" cap="flat" cmpd="sng" algn="ctr">
+                      <a:solidFill>
+                        <a:srgbClr val="CCCCCC"/>
+                      </a:solidFill>
+                      <a:prstDash val="solid"/>
+                      <a:round/>
+                      <a:headEnd type="none" w="med" len="med"/>
+                      <a:tailEnd type="none" w="med" len="med"/>
+                    </a:lnL>
+                    <a:lnR w="9525" cap="flat" cmpd="sng" algn="ctr">
+                      <a:solidFill>
+                        <a:srgbClr val="CCCCCC"/>
+                      </a:solidFill>
+                      <a:prstDash val="solid"/>
+                      <a:round/>
+                      <a:headEnd type="none" w="med" len="med"/>
+                      <a:tailEnd type="none" w="med" len="med"/>
+                    </a:lnR>
+                    <a:lnT w="9525" cap="flat" cmpd="sng" algn="ctr">
+                      <a:solidFill>
+                        <a:srgbClr val="CCCCCC"/>
+                      </a:solidFill>
+                      <a:prstDash val="solid"/>
+                      <a:round/>
+                      <a:headEnd type="none" w="med" len="med"/>
+                      <a:tailEnd type="none" w="med" len="med"/>
+                    </a:lnT>
+                    <a:lnB w="9525" cap="flat" cmpd="sng" algn="ctr">
+                      <a:solidFill>
+                        <a:srgbClr val="CCCCCC"/>
+                      </a:solidFill>
+                      <a:prstDash val="solid"/>
+                      <a:round/>
+                      <a:headEnd type="none" w="med" len="med"/>
+                      <a:tailEnd type="none" w="med" len="med"/>
+                    </a:lnB>
+                  </a:tcPr>
+                </a:tc>
+                <a:tc>
+                  <a:txBody>
+                    <a:bodyPr/>
+                    <a:lstStyle/>
+                    <a:p>
+                      <a:pPr algn="r" rtl="0" fontAlgn="b"/>
+                      <a:r>
+                        <a:rPr lang="en-US" sz="2400" dirty="0">
+                          <a:effectLst/>
+                        </a:rPr>
+                        <a:t>8</a:t>
+                      </a:r>
+                    </a:p>
+                  </a:txBody>
+                  <a:tcPr marL="16228" marR="16228" marT="10819" marB="10819" anchor="b">
+                    <a:lnL w="9525" cap="flat" cmpd="sng" algn="ctr">
+                      <a:solidFill>
+                        <a:srgbClr val="CCCCCC"/>
+                      </a:solidFill>
+                      <a:prstDash val="solid"/>
+                      <a:round/>
+                      <a:headEnd type="none" w="med" len="med"/>
+                      <a:tailEnd type="none" w="med" len="med"/>
+                    </a:lnL>
+                    <a:lnR w="9525" cap="flat" cmpd="sng" algn="ctr">
+                      <a:solidFill>
+                        <a:srgbClr val="CCCCCC"/>
+                      </a:solidFill>
+                      <a:prstDash val="solid"/>
+                      <a:round/>
+                      <a:headEnd type="none" w="med" len="med"/>
+                      <a:tailEnd type="none" w="med" len="med"/>
+                    </a:lnR>
+                    <a:lnT w="9525" cap="flat" cmpd="sng" algn="ctr">
+                      <a:solidFill>
+                        <a:srgbClr val="CCCCCC"/>
+                      </a:solidFill>
+                      <a:prstDash val="solid"/>
+                      <a:round/>
+                      <a:headEnd type="none" w="med" len="med"/>
+                      <a:tailEnd type="none" w="med" len="med"/>
+                    </a:lnT>
+                    <a:lnB w="9525" cap="flat" cmpd="sng" algn="ctr">
+                      <a:solidFill>
+                        <a:srgbClr val="CCCCCC"/>
+                      </a:solidFill>
+                      <a:prstDash val="solid"/>
+                      <a:round/>
+                      <a:headEnd type="none" w="med" len="med"/>
+                      <a:tailEnd type="none" w="med" len="med"/>
+                    </a:lnB>
+                  </a:tcPr>
+                </a:tc>
+                <a:extLst>
+                  <a:ext uri="{0D108BD9-81ED-4DB2-BD59-A6C34878D82A}">
+                    <a16:rowId xmlns:a16="http://schemas.microsoft.com/office/drawing/2014/main" val="1930336603"/>
+                  </a:ext>
+                </a:extLst>
+              </a:tr>
+              <a:tr h="333221">
+                <a:tc>
+                  <a:txBody>
+                    <a:bodyPr/>
+                    <a:lstStyle/>
+                    <a:p>
+                      <a:pPr rtl="0" fontAlgn="b"/>
+                      <a:r>
+                        <a:rPr lang="en-US" sz="2400">
+                          <a:effectLst/>
+                        </a:rPr>
+                        <a:t>none as of now</a:t>
+                      </a:r>
+                    </a:p>
+                  </a:txBody>
+                  <a:tcPr marL="16228" marR="16228" marT="10819" marB="10819" anchor="b">
+                    <a:lnL w="9525" cap="flat" cmpd="sng" algn="ctr">
+                      <a:solidFill>
+                        <a:srgbClr val="CCCCCC"/>
+                      </a:solidFill>
+                      <a:prstDash val="solid"/>
+                      <a:round/>
+                      <a:headEnd type="none" w="med" len="med"/>
+                      <a:tailEnd type="none" w="med" len="med"/>
+                    </a:lnL>
+                    <a:lnR w="9525" cap="flat" cmpd="sng" algn="ctr">
+                      <a:solidFill>
+                        <a:srgbClr val="CCCCCC"/>
+                      </a:solidFill>
+                      <a:prstDash val="solid"/>
+                      <a:round/>
+                      <a:headEnd type="none" w="med" len="med"/>
+                      <a:tailEnd type="none" w="med" len="med"/>
+                    </a:lnR>
+                    <a:lnT w="9525" cap="flat" cmpd="sng" algn="ctr">
+                      <a:solidFill>
+                        <a:srgbClr val="CCCCCC"/>
+                      </a:solidFill>
+                      <a:prstDash val="solid"/>
+                      <a:round/>
+                      <a:headEnd type="none" w="med" len="med"/>
+                      <a:tailEnd type="none" w="med" len="med"/>
+                    </a:lnT>
+                    <a:lnB w="9525" cap="flat" cmpd="sng" algn="ctr">
+                      <a:solidFill>
+                        <a:srgbClr val="CCCCCC"/>
+                      </a:solidFill>
+                      <a:prstDash val="solid"/>
+                      <a:round/>
+                      <a:headEnd type="none" w="med" len="med"/>
+                      <a:tailEnd type="none" w="med" len="med"/>
+                    </a:lnB>
+                  </a:tcPr>
+                </a:tc>
+                <a:tc>
+                  <a:txBody>
+                    <a:bodyPr/>
+                    <a:lstStyle/>
+                    <a:p>
+                      <a:pPr algn="r" rtl="0" fontAlgn="b"/>
+                      <a:r>
+                        <a:rPr lang="en-US" sz="2400" dirty="0">
+                          <a:effectLst/>
+                        </a:rPr>
+                        <a:t>5</a:t>
+                      </a:r>
+                    </a:p>
+                  </a:txBody>
+                  <a:tcPr marL="16228" marR="16228" marT="10819" marB="10819" anchor="b">
+                    <a:lnL w="9525" cap="flat" cmpd="sng" algn="ctr">
+                      <a:solidFill>
+                        <a:srgbClr val="CCCCCC"/>
+                      </a:solidFill>
+                      <a:prstDash val="solid"/>
+                      <a:round/>
+                      <a:headEnd type="none" w="med" len="med"/>
+                      <a:tailEnd type="none" w="med" len="med"/>
+                    </a:lnL>
+                    <a:lnR w="9525" cap="flat" cmpd="sng" algn="ctr">
+                      <a:solidFill>
+                        <a:srgbClr val="CCCCCC"/>
+                      </a:solidFill>
+                      <a:prstDash val="solid"/>
+                      <a:round/>
+                      <a:headEnd type="none" w="med" len="med"/>
+                      <a:tailEnd type="none" w="med" len="med"/>
+                    </a:lnR>
+                    <a:lnT w="9525" cap="flat" cmpd="sng" algn="ctr">
+                      <a:solidFill>
+                        <a:srgbClr val="CCCCCC"/>
+                      </a:solidFill>
+                      <a:prstDash val="solid"/>
+                      <a:round/>
+                      <a:headEnd type="none" w="med" len="med"/>
+                      <a:tailEnd type="none" w="med" len="med"/>
+                    </a:lnT>
+                    <a:lnB w="9525" cap="flat" cmpd="sng" algn="ctr">
+                      <a:solidFill>
+                        <a:srgbClr val="CCCCCC"/>
+                      </a:solidFill>
+                      <a:prstDash val="solid"/>
+                      <a:round/>
+                      <a:headEnd type="none" w="med" len="med"/>
+                      <a:tailEnd type="none" w="med" len="med"/>
+                    </a:lnB>
+                  </a:tcPr>
+                </a:tc>
+                <a:extLst>
+                  <a:ext uri="{0D108BD9-81ED-4DB2-BD59-A6C34878D82A}">
+                    <a16:rowId xmlns:a16="http://schemas.microsoft.com/office/drawing/2014/main" val="1240605941"/>
+                  </a:ext>
+                </a:extLst>
+              </a:tr>
+              <a:tr h="177429">
+                <a:tc>
+                  <a:txBody>
+                    <a:bodyPr/>
+                    <a:lstStyle/>
+                    <a:p>
+                      <a:pPr algn="r" rtl="0" fontAlgn="b"/>
+                      <a:r>
+                        <a:rPr lang="en-US" sz="2400">
+                          <a:effectLst/>
+                        </a:rPr>
+                        <a:t>0</a:t>
+                      </a:r>
+                    </a:p>
+                  </a:txBody>
+                  <a:tcPr marL="16228" marR="16228" marT="10819" marB="10819" anchor="b">
+                    <a:lnL w="9525" cap="flat" cmpd="sng" algn="ctr">
+                      <a:solidFill>
+                        <a:srgbClr val="CCCCCC"/>
+                      </a:solidFill>
+                      <a:prstDash val="solid"/>
+                      <a:round/>
+                      <a:headEnd type="none" w="med" len="med"/>
+                      <a:tailEnd type="none" w="med" len="med"/>
+                    </a:lnL>
+                    <a:lnR w="9525" cap="flat" cmpd="sng" algn="ctr">
+                      <a:solidFill>
+                        <a:srgbClr val="CCCCCC"/>
+                      </a:solidFill>
+                      <a:prstDash val="solid"/>
+                      <a:round/>
+                      <a:headEnd type="none" w="med" len="med"/>
+                      <a:tailEnd type="none" w="med" len="med"/>
+                    </a:lnR>
+                    <a:lnT w="9525" cap="flat" cmpd="sng" algn="ctr">
+                      <a:solidFill>
+                        <a:srgbClr val="CCCCCC"/>
+                      </a:solidFill>
+                      <a:prstDash val="solid"/>
+                      <a:round/>
+                      <a:headEnd type="none" w="med" len="med"/>
+                      <a:tailEnd type="none" w="med" len="med"/>
+                    </a:lnT>
+                    <a:lnB w="9525" cap="flat" cmpd="sng" algn="ctr">
+                      <a:solidFill>
+                        <a:srgbClr val="CCCCCC"/>
+                      </a:solidFill>
+                      <a:prstDash val="solid"/>
+                      <a:round/>
+                      <a:headEnd type="none" w="med" len="med"/>
+                      <a:tailEnd type="none" w="med" len="med"/>
+                    </a:lnB>
+                  </a:tcPr>
+                </a:tc>
+                <a:tc>
+                  <a:txBody>
+                    <a:bodyPr/>
+                    <a:lstStyle/>
+                    <a:p>
+                      <a:pPr algn="r" rtl="0" fontAlgn="b"/>
+                      <a:r>
+                        <a:rPr lang="en-US" sz="2400" dirty="0">
+                          <a:effectLst/>
+                        </a:rPr>
+                        <a:t>0</a:t>
+                      </a:r>
+                    </a:p>
+                  </a:txBody>
+                  <a:tcPr marL="16228" marR="16228" marT="10819" marB="10819" anchor="b">
+                    <a:lnL w="9525" cap="flat" cmpd="sng" algn="ctr">
+                      <a:solidFill>
+                        <a:srgbClr val="CCCCCC"/>
+                      </a:solidFill>
+                      <a:prstDash val="solid"/>
+                      <a:round/>
+                      <a:headEnd type="none" w="med" len="med"/>
+                      <a:tailEnd type="none" w="med" len="med"/>
+                    </a:lnL>
+                    <a:lnR w="9525" cap="flat" cmpd="sng" algn="ctr">
+                      <a:solidFill>
+                        <a:srgbClr val="CCCCCC"/>
+                      </a:solidFill>
+                      <a:prstDash val="solid"/>
+                      <a:round/>
+                      <a:headEnd type="none" w="med" len="med"/>
+                      <a:tailEnd type="none" w="med" len="med"/>
+                    </a:lnR>
+                    <a:lnT w="9525" cap="flat" cmpd="sng" algn="ctr">
+                      <a:solidFill>
+                        <a:srgbClr val="CCCCCC"/>
+                      </a:solidFill>
+                      <a:prstDash val="solid"/>
+                      <a:round/>
+                      <a:headEnd type="none" w="med" len="med"/>
+                      <a:tailEnd type="none" w="med" len="med"/>
+                    </a:lnT>
+                    <a:lnB w="9525" cap="flat" cmpd="sng" algn="ctr">
+                      <a:solidFill>
+                        <a:srgbClr val="CCCCCC"/>
+                      </a:solidFill>
+                      <a:prstDash val="solid"/>
+                      <a:round/>
+                      <a:headEnd type="none" w="med" len="med"/>
+                      <a:tailEnd type="none" w="med" len="med"/>
+                    </a:lnB>
+                  </a:tcPr>
+                </a:tc>
+                <a:extLst>
+                  <a:ext uri="{0D108BD9-81ED-4DB2-BD59-A6C34878D82A}">
+                    <a16:rowId xmlns:a16="http://schemas.microsoft.com/office/drawing/2014/main" val="3605336813"/>
+                  </a:ext>
+                </a:extLst>
+              </a:tr>
+              <a:tr h="177429">
+                <a:tc>
+                  <a:txBody>
+                    <a:bodyPr/>
+                    <a:lstStyle/>
+                    <a:p>
+                      <a:pPr algn="r" rtl="0" fontAlgn="b"/>
+                      <a:r>
+                        <a:rPr lang="en-US" sz="2400">
+                          <a:effectLst/>
+                        </a:rPr>
+                        <a:t>2</a:t>
+                      </a:r>
+                    </a:p>
+                  </a:txBody>
+                  <a:tcPr marL="16228" marR="16228" marT="10819" marB="10819" anchor="b">
+                    <a:lnL w="9525" cap="flat" cmpd="sng" algn="ctr">
+                      <a:solidFill>
+                        <a:srgbClr val="CCCCCC"/>
+                      </a:solidFill>
+                      <a:prstDash val="solid"/>
+                      <a:round/>
+                      <a:headEnd type="none" w="med" len="med"/>
+                      <a:tailEnd type="none" w="med" len="med"/>
+                    </a:lnL>
+                    <a:lnR w="9525" cap="flat" cmpd="sng" algn="ctr">
+                      <a:solidFill>
+                        <a:srgbClr val="CCCCCC"/>
+                      </a:solidFill>
+                      <a:prstDash val="solid"/>
+                      <a:round/>
+                      <a:headEnd type="none" w="med" len="med"/>
+                      <a:tailEnd type="none" w="med" len="med"/>
+                    </a:lnR>
+                    <a:lnT w="9525" cap="flat" cmpd="sng" algn="ctr">
+                      <a:solidFill>
+                        <a:srgbClr val="CCCCCC"/>
+                      </a:solidFill>
+                      <a:prstDash val="solid"/>
+                      <a:round/>
+                      <a:headEnd type="none" w="med" len="med"/>
+                      <a:tailEnd type="none" w="med" len="med"/>
+                    </a:lnT>
+                    <a:lnB w="9525" cap="flat" cmpd="sng" algn="ctr">
+                      <a:solidFill>
+                        <a:srgbClr val="CCCCCC"/>
+                      </a:solidFill>
+                      <a:prstDash val="solid"/>
+                      <a:round/>
+                      <a:headEnd type="none" w="med" len="med"/>
+                      <a:tailEnd type="none" w="med" len="med"/>
+                    </a:lnB>
+                  </a:tcPr>
+                </a:tc>
+                <a:tc>
+                  <a:txBody>
+                    <a:bodyPr/>
+                    <a:lstStyle/>
+                    <a:p>
+                      <a:pPr algn="r" rtl="0" fontAlgn="b"/>
+                      <a:r>
+                        <a:rPr lang="en-US" sz="2400">
+                          <a:effectLst/>
+                        </a:rPr>
+                        <a:t>10</a:t>
+                      </a:r>
+                    </a:p>
+                  </a:txBody>
+                  <a:tcPr marL="16228" marR="16228" marT="10819" marB="10819" anchor="b">
+                    <a:lnL w="9525" cap="flat" cmpd="sng" algn="ctr">
+                      <a:solidFill>
+                        <a:srgbClr val="CCCCCC"/>
+                      </a:solidFill>
+                      <a:prstDash val="solid"/>
+                      <a:round/>
+                      <a:headEnd type="none" w="med" len="med"/>
+                      <a:tailEnd type="none" w="med" len="med"/>
+                    </a:lnL>
+                    <a:lnR w="9525" cap="flat" cmpd="sng" algn="ctr">
+                      <a:solidFill>
+                        <a:srgbClr val="CCCCCC"/>
+                      </a:solidFill>
+                      <a:prstDash val="solid"/>
+                      <a:round/>
+                      <a:headEnd type="none" w="med" len="med"/>
+                      <a:tailEnd type="none" w="med" len="med"/>
+                    </a:lnR>
+                    <a:lnT w="9525" cap="flat" cmpd="sng" algn="ctr">
+                      <a:solidFill>
+                        <a:srgbClr val="CCCCCC"/>
+                      </a:solidFill>
+                      <a:prstDash val="solid"/>
+                      <a:round/>
+                      <a:headEnd type="none" w="med" len="med"/>
+                      <a:tailEnd type="none" w="med" len="med"/>
+                    </a:lnT>
+                    <a:lnB w="9525" cap="flat" cmpd="sng" algn="ctr">
+                      <a:solidFill>
+                        <a:srgbClr val="CCCCCC"/>
+                      </a:solidFill>
+                      <a:prstDash val="solid"/>
+                      <a:round/>
+                      <a:headEnd type="none" w="med" len="med"/>
+                      <a:tailEnd type="none" w="med" len="med"/>
+                    </a:lnB>
+                  </a:tcPr>
+                </a:tc>
+                <a:extLst>
+                  <a:ext uri="{0D108BD9-81ED-4DB2-BD59-A6C34878D82A}">
+                    <a16:rowId xmlns:a16="http://schemas.microsoft.com/office/drawing/2014/main" val="1866230879"/>
+                  </a:ext>
+                </a:extLst>
+              </a:tr>
+              <a:tr h="177429">
+                <a:tc>
+                  <a:txBody>
+                    <a:bodyPr/>
+                    <a:lstStyle/>
+                    <a:p>
+                      <a:pPr rtl="0" fontAlgn="b"/>
+                      <a:r>
+                        <a:rPr lang="en-US" sz="2400">
+                          <a:effectLst/>
+                        </a:rPr>
+                        <a:t>none</a:t>
+                      </a:r>
+                    </a:p>
+                  </a:txBody>
+                  <a:tcPr marL="16228" marR="16228" marT="10819" marB="10819" anchor="b">
+                    <a:lnL w="9525" cap="flat" cmpd="sng" algn="ctr">
+                      <a:solidFill>
+                        <a:srgbClr val="CCCCCC"/>
+                      </a:solidFill>
+                      <a:prstDash val="solid"/>
+                      <a:round/>
+                      <a:headEnd type="none" w="med" len="med"/>
+                      <a:tailEnd type="none" w="med" len="med"/>
+                    </a:lnL>
+                    <a:lnR w="9525" cap="flat" cmpd="sng" algn="ctr">
+                      <a:solidFill>
+                        <a:srgbClr val="CCCCCC"/>
+                      </a:solidFill>
+                      <a:prstDash val="solid"/>
+                      <a:round/>
+                      <a:headEnd type="none" w="med" len="med"/>
+                      <a:tailEnd type="none" w="med" len="med"/>
+                    </a:lnR>
+                    <a:lnT w="9525" cap="flat" cmpd="sng" algn="ctr">
+                      <a:solidFill>
+                        <a:srgbClr val="CCCCCC"/>
+                      </a:solidFill>
+                      <a:prstDash val="solid"/>
+                      <a:round/>
+                      <a:headEnd type="none" w="med" len="med"/>
+                      <a:tailEnd type="none" w="med" len="med"/>
+                    </a:lnT>
+                    <a:lnB w="9525" cap="flat" cmpd="sng" algn="ctr">
+                      <a:solidFill>
+                        <a:srgbClr val="CCCCCC"/>
+                      </a:solidFill>
+                      <a:prstDash val="solid"/>
+                      <a:round/>
+                      <a:headEnd type="none" w="med" len="med"/>
+                      <a:tailEnd type="none" w="med" len="med"/>
+                    </a:lnB>
+                  </a:tcPr>
+                </a:tc>
+                <a:tc>
+                  <a:txBody>
+                    <a:bodyPr/>
+                    <a:lstStyle/>
+                    <a:p>
+                      <a:pPr algn="r" rtl="0" fontAlgn="b"/>
+                      <a:r>
+                        <a:rPr lang="en-US" sz="2400" dirty="0">
+                          <a:effectLst/>
+                        </a:rPr>
+                        <a:t>0</a:t>
+                      </a:r>
+                    </a:p>
+                  </a:txBody>
+                  <a:tcPr marL="16228" marR="16228" marT="10819" marB="10819" anchor="b">
+                    <a:lnL w="9525" cap="flat" cmpd="sng" algn="ctr">
+                      <a:solidFill>
+                        <a:srgbClr val="CCCCCC"/>
+                      </a:solidFill>
+                      <a:prstDash val="solid"/>
+                      <a:round/>
+                      <a:headEnd type="none" w="med" len="med"/>
+                      <a:tailEnd type="none" w="med" len="med"/>
+                    </a:lnL>
+                    <a:lnR w="9525" cap="flat" cmpd="sng" algn="ctr">
+                      <a:solidFill>
+                        <a:srgbClr val="CCCCCC"/>
+                      </a:solidFill>
+                      <a:prstDash val="solid"/>
+                      <a:round/>
+                      <a:headEnd type="none" w="med" len="med"/>
+                      <a:tailEnd type="none" w="med" len="med"/>
+                    </a:lnR>
+                    <a:lnT w="9525" cap="flat" cmpd="sng" algn="ctr">
+                      <a:solidFill>
+                        <a:srgbClr val="CCCCCC"/>
+                      </a:solidFill>
+                      <a:prstDash val="solid"/>
+                      <a:round/>
+                      <a:headEnd type="none" w="med" len="med"/>
+                      <a:tailEnd type="none" w="med" len="med"/>
+                    </a:lnT>
+                    <a:lnB w="9525" cap="flat" cmpd="sng" algn="ctr">
+                      <a:solidFill>
+                        <a:srgbClr val="CCCCCC"/>
+                      </a:solidFill>
+                      <a:prstDash val="solid"/>
+                      <a:round/>
+                      <a:headEnd type="none" w="med" len="med"/>
+                      <a:tailEnd type="none" w="med" len="med"/>
+                    </a:lnB>
+                  </a:tcPr>
+                </a:tc>
+                <a:extLst>
+                  <a:ext uri="{0D108BD9-81ED-4DB2-BD59-A6C34878D82A}">
+                    <a16:rowId xmlns:a16="http://schemas.microsoft.com/office/drawing/2014/main" val="4202324096"/>
+                  </a:ext>
+                </a:extLst>
+              </a:tr>
+              <a:tr h="177429">
+                <a:tc>
+                  <a:txBody>
+                    <a:bodyPr/>
+                    <a:lstStyle/>
+                    <a:p>
+                      <a:pPr algn="r" rtl="0" fontAlgn="b"/>
+                      <a:r>
+                        <a:rPr lang="en-US" sz="2400">
+                          <a:effectLst/>
+                        </a:rPr>
+                        <a:t>12</a:t>
+                      </a:r>
+                    </a:p>
+                  </a:txBody>
+                  <a:tcPr marL="16228" marR="16228" marT="10819" marB="10819" anchor="b">
+                    <a:lnL w="9525" cap="flat" cmpd="sng" algn="ctr">
+                      <a:solidFill>
+                        <a:srgbClr val="CCCCCC"/>
+                      </a:solidFill>
+                      <a:prstDash val="solid"/>
+                      <a:round/>
+                      <a:headEnd type="none" w="med" len="med"/>
+                      <a:tailEnd type="none" w="med" len="med"/>
+                    </a:lnL>
+                    <a:lnR w="9525" cap="flat" cmpd="sng" algn="ctr">
+                      <a:solidFill>
+                        <a:srgbClr val="CCCCCC"/>
+                      </a:solidFill>
+                      <a:prstDash val="solid"/>
+                      <a:round/>
+                      <a:headEnd type="none" w="med" len="med"/>
+                      <a:tailEnd type="none" w="med" len="med"/>
+                    </a:lnR>
+                    <a:lnT w="9525" cap="flat" cmpd="sng" algn="ctr">
+                      <a:solidFill>
+                        <a:srgbClr val="CCCCCC"/>
+                      </a:solidFill>
+                      <a:prstDash val="solid"/>
+                      <a:round/>
+                      <a:headEnd type="none" w="med" len="med"/>
+                      <a:tailEnd type="none" w="med" len="med"/>
+                    </a:lnT>
+                    <a:lnB w="9525" cap="flat" cmpd="sng" algn="ctr">
+                      <a:solidFill>
+                        <a:srgbClr val="CCCCCC"/>
+                      </a:solidFill>
+                      <a:prstDash val="solid"/>
+                      <a:round/>
+                      <a:headEnd type="none" w="med" len="med"/>
+                      <a:tailEnd type="none" w="med" len="med"/>
+                    </a:lnB>
+                  </a:tcPr>
+                </a:tc>
+                <a:tc>
+                  <a:txBody>
+                    <a:bodyPr/>
+                    <a:lstStyle/>
+                    <a:p>
+                      <a:pPr algn="r" rtl="0" fontAlgn="b"/>
+                      <a:r>
+                        <a:rPr lang="en-US" sz="2400" dirty="0">
+                          <a:effectLst/>
+                        </a:rPr>
+                        <a:t>0</a:t>
+                      </a:r>
+                    </a:p>
+                  </a:txBody>
+                  <a:tcPr marL="16228" marR="16228" marT="10819" marB="10819" anchor="b">
+                    <a:lnL w="9525" cap="flat" cmpd="sng" algn="ctr">
+                      <a:solidFill>
+                        <a:srgbClr val="CCCCCC"/>
+                      </a:solidFill>
+                      <a:prstDash val="solid"/>
+                      <a:round/>
+                      <a:headEnd type="none" w="med" len="med"/>
+                      <a:tailEnd type="none" w="med" len="med"/>
+                    </a:lnL>
+                    <a:lnR w="9525" cap="flat" cmpd="sng" algn="ctr">
+                      <a:solidFill>
+                        <a:srgbClr val="CCCCCC"/>
+                      </a:solidFill>
+                      <a:prstDash val="solid"/>
+                      <a:round/>
+                      <a:headEnd type="none" w="med" len="med"/>
+                      <a:tailEnd type="none" w="med" len="med"/>
+                    </a:lnR>
+                    <a:lnT w="9525" cap="flat" cmpd="sng" algn="ctr">
+                      <a:solidFill>
+                        <a:srgbClr val="CCCCCC"/>
+                      </a:solidFill>
+                      <a:prstDash val="solid"/>
+                      <a:round/>
+                      <a:headEnd type="none" w="med" len="med"/>
+                      <a:tailEnd type="none" w="med" len="med"/>
+                    </a:lnT>
+                    <a:lnB w="9525" cap="flat" cmpd="sng" algn="ctr">
+                      <a:solidFill>
+                        <a:srgbClr val="CCCCCC"/>
+                      </a:solidFill>
+                      <a:prstDash val="solid"/>
+                      <a:round/>
+                      <a:headEnd type="none" w="med" len="med"/>
+                      <a:tailEnd type="none" w="med" len="med"/>
+                    </a:lnB>
+                  </a:tcPr>
+                </a:tc>
+                <a:extLst>
+                  <a:ext uri="{0D108BD9-81ED-4DB2-BD59-A6C34878D82A}">
+                    <a16:rowId xmlns:a16="http://schemas.microsoft.com/office/drawing/2014/main" val="838374689"/>
+                  </a:ext>
+                </a:extLst>
+              </a:tr>
+              <a:tr h="177429">
+                <a:tc>
+                  <a:txBody>
+                    <a:bodyPr/>
+                    <a:lstStyle/>
+                    <a:p>
+                      <a:pPr algn="r" rtl="0" fontAlgn="b"/>
+                      <a:r>
+                        <a:rPr lang="en-US" sz="2400">
+                          <a:effectLst/>
+                        </a:rPr>
+                        <a:t>0</a:t>
+                      </a:r>
+                    </a:p>
+                  </a:txBody>
+                  <a:tcPr marL="16228" marR="16228" marT="10819" marB="10819" anchor="b">
+                    <a:lnL w="9525" cap="flat" cmpd="sng" algn="ctr">
+                      <a:solidFill>
+                        <a:srgbClr val="CCCCCC"/>
+                      </a:solidFill>
+                      <a:prstDash val="solid"/>
+                      <a:round/>
+                      <a:headEnd type="none" w="med" len="med"/>
+                      <a:tailEnd type="none" w="med" len="med"/>
+                    </a:lnL>
+                    <a:lnR w="9525" cap="flat" cmpd="sng" algn="ctr">
+                      <a:solidFill>
+                        <a:srgbClr val="CCCCCC"/>
+                      </a:solidFill>
+                      <a:prstDash val="solid"/>
+                      <a:round/>
+                      <a:headEnd type="none" w="med" len="med"/>
+                      <a:tailEnd type="none" w="med" len="med"/>
+                    </a:lnR>
+                    <a:lnT w="9525" cap="flat" cmpd="sng" algn="ctr">
+                      <a:solidFill>
+                        <a:srgbClr val="CCCCCC"/>
+                      </a:solidFill>
+                      <a:prstDash val="solid"/>
+                      <a:round/>
+                      <a:headEnd type="none" w="med" len="med"/>
+                      <a:tailEnd type="none" w="med" len="med"/>
+                    </a:lnT>
+                    <a:lnB w="9525" cap="flat" cmpd="sng" algn="ctr">
+                      <a:solidFill>
+                        <a:srgbClr val="CCCCCC"/>
+                      </a:solidFill>
+                      <a:prstDash val="solid"/>
+                      <a:round/>
+                      <a:headEnd type="none" w="med" len="med"/>
+                      <a:tailEnd type="none" w="med" len="med"/>
+                    </a:lnB>
+                  </a:tcPr>
+                </a:tc>
+                <a:tc>
+                  <a:txBody>
+                    <a:bodyPr/>
+                    <a:lstStyle/>
+                    <a:p>
+                      <a:pPr algn="r" rtl="0" fontAlgn="b"/>
+                      <a:r>
+                        <a:rPr lang="en-US" sz="2400" dirty="0">
+                          <a:effectLst/>
+                        </a:rPr>
+                        <a:t>1</a:t>
+                      </a:r>
+                    </a:p>
+                  </a:txBody>
+                  <a:tcPr marL="16228" marR="16228" marT="10819" marB="10819" anchor="b">
+                    <a:lnL w="9525" cap="flat" cmpd="sng" algn="ctr">
+                      <a:solidFill>
+                        <a:srgbClr val="CCCCCC"/>
+                      </a:solidFill>
+                      <a:prstDash val="solid"/>
+                      <a:round/>
+                      <a:headEnd type="none" w="med" len="med"/>
+                      <a:tailEnd type="none" w="med" len="med"/>
+                    </a:lnL>
+                    <a:lnR w="9525" cap="flat" cmpd="sng" algn="ctr">
+                      <a:solidFill>
+                        <a:srgbClr val="CCCCCC"/>
+                      </a:solidFill>
+                      <a:prstDash val="solid"/>
+                      <a:round/>
+                      <a:headEnd type="none" w="med" len="med"/>
+                      <a:tailEnd type="none" w="med" len="med"/>
+                    </a:lnR>
+                    <a:lnT w="9525" cap="flat" cmpd="sng" algn="ctr">
+                      <a:solidFill>
+                        <a:srgbClr val="CCCCCC"/>
+                      </a:solidFill>
+                      <a:prstDash val="solid"/>
+                      <a:round/>
+                      <a:headEnd type="none" w="med" len="med"/>
+                      <a:tailEnd type="none" w="med" len="med"/>
+                    </a:lnT>
+                    <a:lnB w="9525" cap="flat" cmpd="sng" algn="ctr">
+                      <a:solidFill>
+                        <a:srgbClr val="CCCCCC"/>
+                      </a:solidFill>
+                      <a:prstDash val="solid"/>
+                      <a:round/>
+                      <a:headEnd type="none" w="med" len="med"/>
+                      <a:tailEnd type="none" w="med" len="med"/>
+                    </a:lnB>
+                  </a:tcPr>
+                </a:tc>
+                <a:extLst>
+                  <a:ext uri="{0D108BD9-81ED-4DB2-BD59-A6C34878D82A}">
+                    <a16:rowId xmlns:a16="http://schemas.microsoft.com/office/drawing/2014/main" val="3826324535"/>
+                  </a:ext>
+                </a:extLst>
+              </a:tr>
+              <a:tr h="177429">
+                <a:tc>
+                  <a:txBody>
+                    <a:bodyPr/>
+                    <a:lstStyle/>
+                    <a:p>
+                      <a:pPr algn="r" rtl="0" fontAlgn="b"/>
+                      <a:r>
+                        <a:rPr lang="en-US" sz="2400">
+                          <a:effectLst/>
+                        </a:rPr>
+                        <a:t>7</a:t>
+                      </a:r>
+                    </a:p>
+                  </a:txBody>
+                  <a:tcPr marL="16228" marR="16228" marT="10819" marB="10819" anchor="b">
+                    <a:lnL w="9525" cap="flat" cmpd="sng" algn="ctr">
+                      <a:solidFill>
+                        <a:srgbClr val="CCCCCC"/>
+                      </a:solidFill>
+                      <a:prstDash val="solid"/>
+                      <a:round/>
+                      <a:headEnd type="none" w="med" len="med"/>
+                      <a:tailEnd type="none" w="med" len="med"/>
+                    </a:lnL>
+                    <a:lnR w="9525" cap="flat" cmpd="sng" algn="ctr">
+                      <a:solidFill>
+                        <a:srgbClr val="CCCCCC"/>
+                      </a:solidFill>
+                      <a:prstDash val="solid"/>
+                      <a:round/>
+                      <a:headEnd type="none" w="med" len="med"/>
+                      <a:tailEnd type="none" w="med" len="med"/>
+                    </a:lnR>
+                    <a:lnT w="9525" cap="flat" cmpd="sng" algn="ctr">
+                      <a:solidFill>
+                        <a:srgbClr val="CCCCCC"/>
+                      </a:solidFill>
+                      <a:prstDash val="solid"/>
+                      <a:round/>
+                      <a:headEnd type="none" w="med" len="med"/>
+                      <a:tailEnd type="none" w="med" len="med"/>
+                    </a:lnT>
+                    <a:lnB w="9525" cap="flat" cmpd="sng" algn="ctr">
+                      <a:solidFill>
+                        <a:srgbClr val="CCCCCC"/>
+                      </a:solidFill>
+                      <a:prstDash val="solid"/>
+                      <a:round/>
+                      <a:headEnd type="none" w="med" len="med"/>
+                      <a:tailEnd type="none" w="med" len="med"/>
+                    </a:lnB>
+                  </a:tcPr>
+                </a:tc>
+                <a:tc>
+                  <a:txBody>
+                    <a:bodyPr/>
+                    <a:lstStyle/>
+                    <a:p>
+                      <a:pPr algn="r" rtl="0" fontAlgn="b"/>
+                      <a:r>
+                        <a:rPr lang="en-US" sz="2400" dirty="0">
+                          <a:effectLst/>
+                        </a:rPr>
+                        <a:t>5</a:t>
+                      </a:r>
+                    </a:p>
+                  </a:txBody>
+                  <a:tcPr marL="16228" marR="16228" marT="10819" marB="10819" anchor="b">
+                    <a:lnL w="9525" cap="flat" cmpd="sng" algn="ctr">
+                      <a:solidFill>
+                        <a:srgbClr val="CCCCCC"/>
+                      </a:solidFill>
+                      <a:prstDash val="solid"/>
+                      <a:round/>
+                      <a:headEnd type="none" w="med" len="med"/>
+                      <a:tailEnd type="none" w="med" len="med"/>
+                    </a:lnL>
+                    <a:lnR w="9525" cap="flat" cmpd="sng" algn="ctr">
+                      <a:solidFill>
+                        <a:srgbClr val="CCCCCC"/>
+                      </a:solidFill>
+                      <a:prstDash val="solid"/>
+                      <a:round/>
+                      <a:headEnd type="none" w="med" len="med"/>
+                      <a:tailEnd type="none" w="med" len="med"/>
+                    </a:lnR>
+                    <a:lnT w="9525" cap="flat" cmpd="sng" algn="ctr">
+                      <a:solidFill>
+                        <a:srgbClr val="CCCCCC"/>
+                      </a:solidFill>
+                      <a:prstDash val="solid"/>
+                      <a:round/>
+                      <a:headEnd type="none" w="med" len="med"/>
+                      <a:tailEnd type="none" w="med" len="med"/>
+                    </a:lnT>
+                    <a:lnB w="9525" cap="flat" cmpd="sng" algn="ctr">
+                      <a:solidFill>
+                        <a:srgbClr val="CCCCCC"/>
+                      </a:solidFill>
+                      <a:prstDash val="solid"/>
+                      <a:round/>
+                      <a:headEnd type="none" w="med" len="med"/>
+                      <a:tailEnd type="none" w="med" len="med"/>
+                    </a:lnB>
+                  </a:tcPr>
+                </a:tc>
+                <a:extLst>
+                  <a:ext uri="{0D108BD9-81ED-4DB2-BD59-A6C34878D82A}">
+                    <a16:rowId xmlns:a16="http://schemas.microsoft.com/office/drawing/2014/main" val="3137266062"/>
+                  </a:ext>
+                </a:extLst>
+              </a:tr>
+              <a:tr h="177429">
+                <a:tc>
+                  <a:txBody>
+                    <a:bodyPr/>
+                    <a:lstStyle/>
+                    <a:p>
+                      <a:pPr algn="r" rtl="0" fontAlgn="b"/>
+                      <a:r>
+                        <a:rPr lang="en-US" sz="2400">
+                          <a:effectLst/>
+                        </a:rPr>
+                        <a:t>3</a:t>
+                      </a:r>
+                    </a:p>
+                  </a:txBody>
+                  <a:tcPr marL="16228" marR="16228" marT="10819" marB="10819" anchor="b">
+                    <a:lnL w="9525" cap="flat" cmpd="sng" algn="ctr">
+                      <a:solidFill>
+                        <a:srgbClr val="CCCCCC"/>
+                      </a:solidFill>
+                      <a:prstDash val="solid"/>
+                      <a:round/>
+                      <a:headEnd type="none" w="med" len="med"/>
+                      <a:tailEnd type="none" w="med" len="med"/>
+                    </a:lnL>
+                    <a:lnR w="9525" cap="flat" cmpd="sng" algn="ctr">
+                      <a:solidFill>
+                        <a:srgbClr val="CCCCCC"/>
+                      </a:solidFill>
+                      <a:prstDash val="solid"/>
+                      <a:round/>
+                      <a:headEnd type="none" w="med" len="med"/>
+                      <a:tailEnd type="none" w="med" len="med"/>
+                    </a:lnR>
+                    <a:lnT w="9525" cap="flat" cmpd="sng" algn="ctr">
+                      <a:solidFill>
+                        <a:srgbClr val="CCCCCC"/>
+                      </a:solidFill>
+                      <a:prstDash val="solid"/>
+                      <a:round/>
+                      <a:headEnd type="none" w="med" len="med"/>
+                      <a:tailEnd type="none" w="med" len="med"/>
+                    </a:lnT>
+                    <a:lnB w="9525" cap="flat" cmpd="sng" algn="ctr">
+                      <a:solidFill>
+                        <a:srgbClr val="CCCCCC"/>
+                      </a:solidFill>
+                      <a:prstDash val="solid"/>
+                      <a:round/>
+                      <a:headEnd type="none" w="med" len="med"/>
+                      <a:tailEnd type="none" w="med" len="med"/>
+                    </a:lnB>
+                  </a:tcPr>
+                </a:tc>
+                <a:tc>
+                  <a:txBody>
+                    <a:bodyPr/>
+                    <a:lstStyle/>
+                    <a:p>
+                      <a:pPr algn="r" rtl="0" fontAlgn="b"/>
+                      <a:r>
+                        <a:rPr lang="en-US" sz="2400" dirty="0">
+                          <a:effectLst/>
+                        </a:rPr>
+                        <a:t>0</a:t>
+                      </a:r>
+                    </a:p>
+                  </a:txBody>
+                  <a:tcPr marL="16228" marR="16228" marT="10819" marB="10819" anchor="b">
+                    <a:lnL w="9525" cap="flat" cmpd="sng" algn="ctr">
+                      <a:solidFill>
+                        <a:srgbClr val="CCCCCC"/>
+                      </a:solidFill>
+                      <a:prstDash val="solid"/>
+                      <a:round/>
+                      <a:headEnd type="none" w="med" len="med"/>
+                      <a:tailEnd type="none" w="med" len="med"/>
+                    </a:lnL>
+                    <a:lnR w="9525" cap="flat" cmpd="sng" algn="ctr">
+                      <a:solidFill>
+                        <a:srgbClr val="CCCCCC"/>
+                      </a:solidFill>
+                      <a:prstDash val="solid"/>
+                      <a:round/>
+                      <a:headEnd type="none" w="med" len="med"/>
+                      <a:tailEnd type="none" w="med" len="med"/>
+                    </a:lnR>
+                    <a:lnT w="9525" cap="flat" cmpd="sng" algn="ctr">
+                      <a:solidFill>
+                        <a:srgbClr val="CCCCCC"/>
+                      </a:solidFill>
+                      <a:prstDash val="solid"/>
+                      <a:round/>
+                      <a:headEnd type="none" w="med" len="med"/>
+                      <a:tailEnd type="none" w="med" len="med"/>
+                    </a:lnT>
+                    <a:lnB w="9525" cap="flat" cmpd="sng" algn="ctr">
+                      <a:solidFill>
+                        <a:srgbClr val="CCCCCC"/>
+                      </a:solidFill>
+                      <a:prstDash val="solid"/>
+                      <a:round/>
+                      <a:headEnd type="none" w="med" len="med"/>
+                      <a:tailEnd type="none" w="med" len="med"/>
+                    </a:lnB>
+                  </a:tcPr>
+                </a:tc>
+                <a:extLst>
+                  <a:ext uri="{0D108BD9-81ED-4DB2-BD59-A6C34878D82A}">
+                    <a16:rowId xmlns:a16="http://schemas.microsoft.com/office/drawing/2014/main" val="2529792589"/>
+                  </a:ext>
+                </a:extLst>
+              </a:tr>
+              <a:tr h="177429">
+                <a:tc>
+                  <a:txBody>
+                    <a:bodyPr/>
+                    <a:lstStyle/>
+                    <a:p>
+                      <a:pPr algn="r" rtl="0" fontAlgn="b"/>
+                      <a:r>
+                        <a:rPr lang="en-US" sz="2400" dirty="0">
+                          <a:effectLst/>
+                        </a:rPr>
+                        <a:t>2</a:t>
+                      </a:r>
+                    </a:p>
+                  </a:txBody>
+                  <a:tcPr marL="16228" marR="16228" marT="10819" marB="10819" anchor="b">
+                    <a:lnL w="9525" cap="flat" cmpd="sng" algn="ctr">
+                      <a:solidFill>
+                        <a:srgbClr val="CCCCCC"/>
+                      </a:solidFill>
+                      <a:prstDash val="solid"/>
+                      <a:round/>
+                      <a:headEnd type="none" w="med" len="med"/>
+                      <a:tailEnd type="none" w="med" len="med"/>
+                    </a:lnL>
+                    <a:lnR w="9525" cap="flat" cmpd="sng" algn="ctr">
+                      <a:solidFill>
+                        <a:srgbClr val="CCCCCC"/>
+                      </a:solidFill>
+                      <a:prstDash val="solid"/>
+                      <a:round/>
+                      <a:headEnd type="none" w="med" len="med"/>
+                      <a:tailEnd type="none" w="med" len="med"/>
+                    </a:lnR>
+                    <a:lnT w="9525" cap="flat" cmpd="sng" algn="ctr">
+                      <a:solidFill>
+                        <a:srgbClr val="CCCCCC"/>
+                      </a:solidFill>
+                      <a:prstDash val="solid"/>
+                      <a:round/>
+                      <a:headEnd type="none" w="med" len="med"/>
+                      <a:tailEnd type="none" w="med" len="med"/>
+                    </a:lnT>
+                    <a:lnB w="9525" cap="flat" cmpd="sng" algn="ctr">
+                      <a:solidFill>
+                        <a:srgbClr val="CCCCCC"/>
+                      </a:solidFill>
+                      <a:prstDash val="solid"/>
+                      <a:round/>
+                      <a:headEnd type="none" w="med" len="med"/>
+                      <a:tailEnd type="none" w="med" len="med"/>
+                    </a:lnB>
+                  </a:tcPr>
+                </a:tc>
+                <a:tc>
+                  <a:txBody>
+                    <a:bodyPr/>
+                    <a:lstStyle/>
+                    <a:p>
+                      <a:pPr marL="0" marR="0" lvl="0" indent="0" algn="r" defTabSz="457200" rtl="0" eaLnBrk="1" fontAlgn="b" latinLnBrk="0" hangingPunct="1">
+                        <a:lnSpc>
+                          <a:spcPct val="100000"/>
+                        </a:lnSpc>
+                        <a:spcBef>
+                          <a:spcPts val="0"/>
+                        </a:spcBef>
+                        <a:spcAft>
+                          <a:spcPts val="0"/>
+                        </a:spcAft>
+                        <a:buClrTx/>
+                        <a:buSzTx/>
+                        <a:buFontTx/>
+                        <a:buNone/>
+                        <a:tabLst/>
+                        <a:defRPr/>
+                      </a:pPr>
+                      <a:r>
+                        <a:rPr lang="en-US" sz="2400" dirty="0">
+                          <a:effectLst/>
+                        </a:rPr>
+                        <a:t>~15</a:t>
+                      </a:r>
+                    </a:p>
+                  </a:txBody>
+                  <a:tcPr marL="16228" marR="16228" marT="10819" marB="10819" anchor="b">
+                    <a:lnL w="9525" cap="flat" cmpd="sng" algn="ctr">
+                      <a:solidFill>
+                        <a:srgbClr val="CCCCCC"/>
+                      </a:solidFill>
+                      <a:prstDash val="solid"/>
+                      <a:round/>
+                      <a:headEnd type="none" w="med" len="med"/>
+                      <a:tailEnd type="none" w="med" len="med"/>
+                    </a:lnL>
+                    <a:lnR w="9525" cap="flat" cmpd="sng" algn="ctr">
+                      <a:solidFill>
+                        <a:srgbClr val="CCCCCC"/>
+                      </a:solidFill>
+                      <a:prstDash val="solid"/>
+                      <a:round/>
+                      <a:headEnd type="none" w="med" len="med"/>
+                      <a:tailEnd type="none" w="med" len="med"/>
+                    </a:lnR>
+                    <a:lnT w="9525" cap="flat" cmpd="sng" algn="ctr">
+                      <a:solidFill>
+                        <a:srgbClr val="CCCCCC"/>
+                      </a:solidFill>
+                      <a:prstDash val="solid"/>
+                      <a:round/>
+                      <a:headEnd type="none" w="med" len="med"/>
+                      <a:tailEnd type="none" w="med" len="med"/>
+                    </a:lnT>
+                    <a:lnB w="9525" cap="flat" cmpd="sng" algn="ctr">
+                      <a:solidFill>
+                        <a:srgbClr val="CCCCCC"/>
+                      </a:solidFill>
+                      <a:prstDash val="solid"/>
+                      <a:round/>
+                      <a:headEnd type="none" w="med" len="med"/>
+                      <a:tailEnd type="none" w="med" len="med"/>
+                    </a:lnB>
+                  </a:tcPr>
+                </a:tc>
+                <a:extLst>
+                  <a:ext uri="{0D108BD9-81ED-4DB2-BD59-A6C34878D82A}">
+                    <a16:rowId xmlns:a16="http://schemas.microsoft.com/office/drawing/2014/main" val="3494815383"/>
+                  </a:ext>
+                </a:extLst>
+              </a:tr>
+            </a:tbl>
+          </a:graphicData>
+        </a:graphic>
+      </p:graphicFrame>
+    </p:spTree>
+    <p:extLst>
+      <p:ext uri="{BB962C8B-B14F-4D97-AF65-F5344CB8AC3E}">
+        <p14:creationId xmlns:p14="http://schemas.microsoft.com/office/powerpoint/2010/main" val="3525490934"/>
+      </p:ext>
+    </p:extLst>
+  </p:cSld>
+  <p:clrMapOvr>
+    <a:masterClrMapping/>
+  </p:clrMapOvr>
+</p:sld>
+</file>
+
+<file path=ppt/slides/slide4.xml><?xml version="1.0" encoding="utf-8"?>
+<p:sld xmlns:a="http://schemas.openxmlformats.org/drawingml/2006/main" xmlns:r="http://schemas.openxmlformats.org/officeDocument/2006/relationships" xmlns:p="http://schemas.openxmlformats.org/presentationml/2006/main">
+  <p:cSld>
+    <p:spTree>
+      <p:nvGrpSpPr>
+        <p:cNvPr id="1" name=""/>
+        <p:cNvGrpSpPr/>
+        <p:nvPr/>
+      </p:nvGrpSpPr>
+      <p:grpSpPr>
+        <a:xfrm>
+          <a:off x="0" y="0"/>
+          <a:ext cx="0" cy="0"/>
+          <a:chOff x="0" y="0"/>
+          <a:chExt cx="0" cy="0"/>
+        </a:xfrm>
+      </p:grpSpPr>
+      <p:sp>
+        <p:nvSpPr>
+          <p:cNvPr id="6" name="TextBox 5">
+            <a:extLst>
+              <a:ext uri="{FF2B5EF4-FFF2-40B4-BE49-F238E27FC236}">
+                <a16:creationId xmlns:a16="http://schemas.microsoft.com/office/drawing/2014/main" id="{712AC8CF-13A3-4593-9053-122027377F90}"/>
+              </a:ext>
+            </a:extLst>
+          </p:cNvPr>
+          <p:cNvSpPr txBox="1"/>
+          <p:nvPr/>
+        </p:nvSpPr>
+        <p:spPr>
+          <a:xfrm>
+            <a:off x="226503" y="167780"/>
+            <a:ext cx="11487379" cy="1200329"/>
+          </a:xfrm>
+          <a:prstGeom prst="rect">
+            <a:avLst/>
+          </a:prstGeom>
+          <a:noFill/>
+        </p:spPr>
+        <p:txBody>
+          <a:bodyPr wrap="square" rtlCol="0">
+            <a:spAutoFit/>
+          </a:bodyPr>
+          <a:lstStyle/>
+          <a:p>
+            <a:r>
+              <a:rPr lang="en-US" sz="3600" b="1" dirty="0"/>
+              <a:t>What’s a related question we could ask for which </a:t>
+            </a:r>
+            <a:r>
+              <a:rPr lang="en-US" sz="3600" b="1" i="1" u="sng" dirty="0"/>
+              <a:t>mode </a:t>
+            </a:r>
+            <a:r>
+              <a:rPr lang="en-US" sz="3600" b="1" dirty="0"/>
+              <a:t>would be the appropriate measure of central </a:t>
+            </a:r>
+            <a:r>
+              <a:rPr lang="en-US" sz="3600" b="1" dirty="0" err="1"/>
+              <a:t>tendancy</a:t>
+            </a:r>
+            <a:r>
+              <a:rPr lang="en-US" sz="3600" b="1" dirty="0"/>
+              <a:t>?</a:t>
+            </a:r>
+            <a:endParaRPr lang="en-US" sz="3600" b="1" i="1" dirty="0"/>
+          </a:p>
+        </p:txBody>
+      </p:sp>
+      <p:pic>
+        <p:nvPicPr>
+          <p:cNvPr id="4" name="Picture 3">
+            <a:extLst>
+              <a:ext uri="{FF2B5EF4-FFF2-40B4-BE49-F238E27FC236}">
+                <a16:creationId xmlns:a16="http://schemas.microsoft.com/office/drawing/2014/main" id="{EA48A852-C55F-42BC-BD21-63B3D06C1F60}"/>
+              </a:ext>
+            </a:extLst>
+          </p:cNvPr>
+          <p:cNvPicPr>
+            <a:picLocks noChangeAspect="1"/>
+          </p:cNvPicPr>
+          <p:nvPr/>
+        </p:nvPicPr>
+        <p:blipFill>
+          <a:blip r:embed="rId2">
+            <a:extLst>
+              <a:ext uri="{28A0092B-C50C-407E-A947-70E740481C1C}">
+                <a14:useLocalDpi xmlns:a14="http://schemas.microsoft.com/office/drawing/2010/main" val="0"/>
+              </a:ext>
+            </a:extLst>
+          </a:blip>
+          <a:stretch>
+            <a:fillRect/>
+          </a:stretch>
+        </p:blipFill>
+        <p:spPr>
+          <a:xfrm>
+            <a:off x="2497770" y="1858296"/>
+            <a:ext cx="6944844" cy="4625401"/>
+          </a:xfrm>
+          <a:prstGeom prst="rect">
+            <a:avLst/>
+          </a:prstGeom>
+        </p:spPr>
+      </p:pic>
+    </p:spTree>
+    <p:extLst>
+      <p:ext uri="{BB962C8B-B14F-4D97-AF65-F5344CB8AC3E}">
+        <p14:creationId xmlns:p14="http://schemas.microsoft.com/office/powerpoint/2010/main" val="1262478259"/>
+      </p:ext>
+    </p:extLst>
+  </p:cSld>
+  <p:clrMapOvr>
+    <a:masterClrMapping/>
+  </p:clrMapOvr>
+</p:sld>
+</file>
+
+<file path=ppt/slides/slide5.xml><?xml version="1.0" encoding="utf-8"?>
+<p:sld xmlns:a="http://schemas.openxmlformats.org/drawingml/2006/main" xmlns:r="http://schemas.openxmlformats.org/officeDocument/2006/relationships" xmlns:p="http://schemas.openxmlformats.org/presentationml/2006/main">
+  <p:cSld>
+    <p:spTree>
+      <p:nvGrpSpPr>
+        <p:cNvPr id="1" name=""/>
+        <p:cNvGrpSpPr/>
+        <p:nvPr/>
+      </p:nvGrpSpPr>
+      <p:grpSpPr>
+        <a:xfrm>
+          <a:off x="0" y="0"/>
+          <a:ext cx="0" cy="0"/>
+          <a:chOff x="0" y="0"/>
+          <a:chExt cx="0" cy="0"/>
+        </a:xfrm>
+      </p:grpSpPr>
+      <p:sp>
+        <p:nvSpPr>
+          <p:cNvPr id="6" name="TextBox 5">
+            <a:extLst>
+              <a:ext uri="{FF2B5EF4-FFF2-40B4-BE49-F238E27FC236}">
+                <a16:creationId xmlns:a16="http://schemas.microsoft.com/office/drawing/2014/main" id="{712AC8CF-13A3-4593-9053-122027377F90}"/>
+              </a:ext>
+            </a:extLst>
+          </p:cNvPr>
+          <p:cNvSpPr txBox="1"/>
+          <p:nvPr/>
+        </p:nvSpPr>
+        <p:spPr>
+          <a:xfrm>
+            <a:off x="226503" y="167780"/>
+            <a:ext cx="4012637" cy="646331"/>
+          </a:xfrm>
+          <a:prstGeom prst="rect">
+            <a:avLst/>
+          </a:prstGeom>
+          <a:noFill/>
+        </p:spPr>
+        <p:txBody>
+          <a:bodyPr wrap="none" rtlCol="0">
+            <a:spAutoFit/>
+          </a:bodyPr>
+          <a:lstStyle/>
+          <a:p>
+            <a:r>
+              <a:rPr lang="en-US" sz="3600" b="1" dirty="0"/>
+              <a:t>Skewness/kurtosis</a:t>
+            </a:r>
+          </a:p>
+        </p:txBody>
+      </p:sp>
+      <p:sp>
+        <p:nvSpPr>
+          <p:cNvPr id="7" name="Rectangle 6">
+            <a:extLst>
+              <a:ext uri="{FF2B5EF4-FFF2-40B4-BE49-F238E27FC236}">
+                <a16:creationId xmlns:a16="http://schemas.microsoft.com/office/drawing/2014/main" id="{A4B19BFF-48DA-42BF-9128-606189495B83}"/>
+              </a:ext>
+            </a:extLst>
+          </p:cNvPr>
+          <p:cNvSpPr/>
+          <p:nvPr/>
+        </p:nvSpPr>
+        <p:spPr>
+          <a:xfrm>
+            <a:off x="494951" y="1096753"/>
+            <a:ext cx="4764381" cy="3970318"/>
+          </a:xfrm>
+          <a:prstGeom prst="rect">
+            <a:avLst/>
+          </a:prstGeom>
+        </p:spPr>
+        <p:txBody>
+          <a:bodyPr wrap="none">
+            <a:spAutoFit/>
+          </a:bodyPr>
+          <a:lstStyle/>
+          <a:p>
+            <a:r>
+              <a:rPr lang="en-US" sz="2800" dirty="0"/>
+              <a:t>Measures of central tendency:</a:t>
+            </a:r>
+          </a:p>
+          <a:p>
+            <a:pPr marL="457200" indent="-457200">
+              <a:buFont typeface="Arial" panose="020B0604020202020204" pitchFamily="34" charset="0"/>
+              <a:buChar char="•"/>
+            </a:pPr>
+            <a:r>
+              <a:rPr lang="en-US" sz="2800" dirty="0"/>
+              <a:t>Mean</a:t>
+            </a:r>
+          </a:p>
+          <a:p>
+            <a:pPr marL="457200" indent="-457200">
+              <a:buFont typeface="Arial" panose="020B0604020202020204" pitchFamily="34" charset="0"/>
+              <a:buChar char="•"/>
+            </a:pPr>
+            <a:r>
+              <a:rPr lang="en-US" sz="2800" dirty="0"/>
+              <a:t>Median</a:t>
+            </a:r>
+          </a:p>
+          <a:p>
+            <a:pPr marL="457200" indent="-457200">
+              <a:buFont typeface="Arial" panose="020B0604020202020204" pitchFamily="34" charset="0"/>
+              <a:buChar char="•"/>
+            </a:pPr>
+            <a:r>
+              <a:rPr lang="en-US" sz="2800" dirty="0"/>
+              <a:t>Mode</a:t>
+            </a:r>
+          </a:p>
+          <a:p>
+            <a:pPr marL="457200" indent="-457200">
+              <a:buFont typeface="Arial" panose="020B0604020202020204" pitchFamily="34" charset="0"/>
+              <a:buChar char="•"/>
+            </a:pPr>
+            <a:endParaRPr lang="en-US" sz="2800" dirty="0"/>
+          </a:p>
+          <a:p>
+            <a:r>
+              <a:rPr lang="en-US" sz="2800" dirty="0"/>
+              <a:t>Measures of distribution:</a:t>
+            </a:r>
+          </a:p>
+          <a:p>
+            <a:pPr marL="457200" indent="-457200">
+              <a:buFont typeface="Arial" panose="020B0604020202020204" pitchFamily="34" charset="0"/>
+              <a:buChar char="•"/>
+            </a:pPr>
+            <a:r>
+              <a:rPr lang="en-US" sz="2800" dirty="0"/>
+              <a:t>Standard deviation</a:t>
+            </a:r>
+          </a:p>
+          <a:p>
+            <a:pPr marL="457200" indent="-457200">
+              <a:buFont typeface="Arial" panose="020B0604020202020204" pitchFamily="34" charset="0"/>
+              <a:buChar char="•"/>
+            </a:pPr>
+            <a:r>
+              <a:rPr lang="en-US" sz="2800" dirty="0"/>
+              <a:t>Interquartile range (IQR)</a:t>
+            </a:r>
+          </a:p>
+          <a:p>
+            <a:pPr marL="457200" indent="-457200">
+              <a:buFont typeface="Arial" panose="020B0604020202020204" pitchFamily="34" charset="0"/>
+              <a:buChar char="•"/>
+            </a:pPr>
+            <a:r>
+              <a:rPr lang="en-US" sz="2800" dirty="0"/>
+              <a:t>Coefficient of variation</a:t>
+            </a:r>
+          </a:p>
+        </p:txBody>
+      </p:sp>
+    </p:spTree>
+    <p:extLst>
+      <p:ext uri="{BB962C8B-B14F-4D97-AF65-F5344CB8AC3E}">
+        <p14:creationId xmlns:p14="http://schemas.microsoft.com/office/powerpoint/2010/main" val="3033020582"/>
+      </p:ext>
+    </p:extLst>
+  </p:cSld>
+  <p:clrMapOvr>
+    <a:masterClrMapping/>
+  </p:clrMapOvr>
+  <p:timing>
+    <p:tnLst>
+      <p:par>
+        <p:cTn id="1" dur="indefinite" restart="never" nodeType="tmRoot">
+          <p:childTnLst>
+            <p:seq concurrent="1" nextAc="seek">
+              <p:cTn id="2" dur="indefinite" nodeType="mainSeq">
+                <p:childTnLst>
+                  <p:par>
+                    <p:cTn id="3" fill="hold">
+                      <p:stCondLst>
+                        <p:cond delay="indefinite"/>
+                      </p:stCondLst>
+                      <p:childTnLst>
+                        <p:par>
+                          <p:cTn id="4" fill="hold">
+                            <p:stCondLst>
+                              <p:cond delay="0"/>
+                            </p:stCondLst>
+                            <p:childTnLst>
+                              <p:par>
+                                <p:cTn id="5" presetID="10" presetClass="entr" presetSubtype="0" fill="hold" grpId="0" nodeType="clickEffect">
+                                  <p:stCondLst>
+                                    <p:cond delay="0"/>
+                                  </p:stCondLst>
+                                  <p:childTnLst>
+                                    <p:set>
+                                      <p:cBhvr>
+                                        <p:cTn id="6" dur="1" fill="hold">
+                                          <p:stCondLst>
+                                            <p:cond delay="0"/>
+                                          </p:stCondLst>
+                                        </p:cTn>
+                                        <p:tgtEl>
+                                          <p:spTgt spid="7"/>
+                                        </p:tgtEl>
+                                        <p:attrNameLst>
+                                          <p:attrName>style.visibility</p:attrName>
+                                        </p:attrNameLst>
+                                      </p:cBhvr>
+                                      <p:to>
+                                        <p:strVal val="visible"/>
+                                      </p:to>
+                                    </p:set>
+                                    <p:animEffect transition="in" filter="fade">
+                                      <p:cBhvr>
+                                        <p:cTn id="7" dur="500"/>
+                                        <p:tgtEl>
+                                          <p:spTgt spid="7"/>
+                                        </p:tgtEl>
+                                      </p:cBhvr>
+                                    </p:animEffect>
+                                  </p:childTnLst>
+                                </p:cTn>
+                              </p:par>
+                            </p:childTnLst>
+                          </p:cTn>
+                        </p:par>
+                      </p:childTnLst>
+                    </p:cTn>
+                  </p:par>
+                </p:childTnLst>
+              </p:cTn>
+              <p:prevCondLst>
+                <p:cond evt="onPrev" delay="0">
+                  <p:tgtEl>
+                    <p:sldTgt/>
+                  </p:tgtEl>
+                </p:cond>
+              </p:prevCondLst>
+              <p:nextCondLst>
+                <p:cond evt="onNext" delay="0">
+                  <p:tgtEl>
+                    <p:sldTgt/>
+                  </p:tgtEl>
+                </p:cond>
+              </p:nextCondLst>
+            </p:seq>
+          </p:childTnLst>
+        </p:cTn>
+      </p:par>
+    </p:tnLst>
+    <p:bldLst>
+      <p:bldP spid="7" grpId="0"/>
+    </p:bldLst>
+  </p:timing>
+</p:sld>
+</file>
+
+<file path=ppt/slides/slide6.xml><?xml version="1.0" encoding="utf-8"?>
+<p:sld xmlns:a="http://schemas.openxmlformats.org/drawingml/2006/main" xmlns:r="http://schemas.openxmlformats.org/officeDocument/2006/relationships" xmlns:p="http://schemas.openxmlformats.org/presentationml/2006/main">
+  <p:cSld>
+    <p:spTree>
+      <p:nvGrpSpPr>
+        <p:cNvPr id="1" name=""/>
+        <p:cNvGrpSpPr/>
+        <p:nvPr/>
+      </p:nvGrpSpPr>
+      <p:grpSpPr>
+        <a:xfrm>
+          <a:off x="0" y="0"/>
+          <a:ext cx="0" cy="0"/>
+          <a:chOff x="0" y="0"/>
+          <a:chExt cx="0" cy="0"/>
+        </a:xfrm>
+      </p:grpSpPr>
+      <p:sp>
+        <p:nvSpPr>
+          <p:cNvPr id="6" name="TextBox 5">
+            <a:extLst>
+              <a:ext uri="{FF2B5EF4-FFF2-40B4-BE49-F238E27FC236}">
+                <a16:creationId xmlns:a16="http://schemas.microsoft.com/office/drawing/2014/main" id="{712AC8CF-13A3-4593-9053-122027377F90}"/>
+              </a:ext>
+            </a:extLst>
+          </p:cNvPr>
+          <p:cNvSpPr txBox="1"/>
+          <p:nvPr/>
+        </p:nvSpPr>
+        <p:spPr>
+          <a:xfrm>
+            <a:off x="226503" y="167780"/>
             <a:ext cx="6221447" cy="646331"/>
           </a:xfrm>
           <a:prstGeom prst="rect">
@@ -10072,8 +10738,8 @@
           </a:p>
         </p:txBody>
       </p:sp>
-      <mc:AlternateContent xmlns:mc="http://schemas.openxmlformats.org/markup-compatibility/2006">
-        <mc:Choice xmlns:a14="http://schemas.microsoft.com/office/drawing/2010/main" Requires="a14">
+      <mc:AlternateContent xmlns:mc="http://schemas.openxmlformats.org/markup-compatibility/2006" xmlns:a14="http://schemas.microsoft.com/office/drawing/2010/main">
+        <mc:Choice Requires="a14">
           <p:sp>
             <p:nvSpPr>
               <p:cNvPr id="5" name="TextBox 4">
@@ -10380,7 +11046,7 @@
             </p:txBody>
           </p:sp>
         </mc:Choice>
-        <mc:Fallback>
+        <mc:Fallback xmlns="">
           <p:sp>
             <p:nvSpPr>
               <p:cNvPr id="5" name="TextBox 4">
@@ -10440,7 +11106,7 @@
         <p:spPr>
           <a:xfrm>
             <a:off x="494951" y="1096753"/>
-            <a:ext cx="5838737" cy="2677656"/>
+            <a:ext cx="5838737" cy="3108543"/>
           </a:xfrm>
           <a:prstGeom prst="rect">
             <a:avLst/>
@@ -10468,7 +11134,7 @@
             </a:pPr>
             <a:r>
               <a:rPr lang="en-US" sz="2800" dirty="0"/>
-              <a:t>What’s the difference between the mean and each of your individual rolls? (Squared and summed)</a:t>
+              <a:t>What’s the difference between the mean and each of your individual rolls? (Squared and summed/absolute value)</a:t>
             </a:r>
           </a:p>
           <a:p>
@@ -10582,7 +11248,7 @@
 </p:sld>
 </file>
 
-<file path=ppt/slides/slide4.xml><?xml version="1.0" encoding="utf-8"?>
+<file path=ppt/slides/slide7.xml><?xml version="1.0" encoding="utf-8"?>
 <p:sld xmlns:a="http://schemas.openxmlformats.org/drawingml/2006/main" xmlns:r="http://schemas.openxmlformats.org/officeDocument/2006/relationships" xmlns:p="http://schemas.openxmlformats.org/presentationml/2006/main">
   <p:cSld>
     <p:spTree>
@@ -10807,7 +11473,7 @@
 </p:sld>
 </file>
 
-<file path=ppt/slides/slide5.xml><?xml version="1.0" encoding="utf-8"?>
+<file path=ppt/slides/slide8.xml><?xml version="1.0" encoding="utf-8"?>
 <p:sld xmlns:a="http://schemas.openxmlformats.org/drawingml/2006/main" xmlns:r="http://schemas.openxmlformats.org/officeDocument/2006/relationships" xmlns:p="http://schemas.openxmlformats.org/presentationml/2006/main">
   <p:cSld>
     <p:spTree>
@@ -10859,8 +11525,8 @@
           </a:p>
         </p:txBody>
       </p:sp>
-      <mc:AlternateContent xmlns:mc="http://schemas.openxmlformats.org/markup-compatibility/2006">
-        <mc:Choice xmlns:a14="http://schemas.microsoft.com/office/drawing/2010/main" Requires="a14">
+      <mc:AlternateContent xmlns:mc="http://schemas.openxmlformats.org/markup-compatibility/2006" xmlns:a14="http://schemas.microsoft.com/office/drawing/2010/main">
+        <mc:Choice Requires="a14">
           <p:sp>
             <p:nvSpPr>
               <p:cNvPr id="5" name="TextBox 4">
@@ -10996,7 +11662,7 @@
             </p:txBody>
           </p:sp>
         </mc:Choice>
-        <mc:Fallback>
+        <mc:Fallback xmlns="">
           <p:sp>
             <p:nvSpPr>
               <p:cNvPr id="5" name="TextBox 4">
@@ -11183,7 +11849,7 @@
 </p:sld>
 </file>
 
-<file path=ppt/slides/slide6.xml><?xml version="1.0" encoding="utf-8"?>
+<file path=ppt/slides/slide9.xml><?xml version="1.0" encoding="utf-8"?>
 <p:sld xmlns:a="http://schemas.openxmlformats.org/drawingml/2006/main" xmlns:r="http://schemas.openxmlformats.org/officeDocument/2006/relationships" xmlns:p="http://schemas.openxmlformats.org/presentationml/2006/main">
   <p:cSld>
     <p:spTree>
@@ -11420,8 +12086,8 @@
           </a:p>
         </p:txBody>
       </p:sp>
-      <mc:AlternateContent xmlns:mc="http://schemas.openxmlformats.org/markup-compatibility/2006">
-        <mc:Choice xmlns:a14="http://schemas.microsoft.com/office/drawing/2010/main" Requires="a14">
+      <mc:AlternateContent xmlns:mc="http://schemas.openxmlformats.org/markup-compatibility/2006" xmlns:a14="http://schemas.microsoft.com/office/drawing/2010/main">
+        <mc:Choice Requires="a14">
           <p:sp>
             <p:nvSpPr>
               <p:cNvPr id="10" name="TextBox 9">
@@ -11536,7 +12202,7 @@
             </p:txBody>
           </p:sp>
         </mc:Choice>
-        <mc:Fallback>
+        <mc:Fallback xmlns="">
           <p:sp>
             <p:nvSpPr>
               <p:cNvPr id="10" name="TextBox 9">
@@ -11615,614 +12281,6 @@
     <p:extLst>
       <p:ext uri="{BB962C8B-B14F-4D97-AF65-F5344CB8AC3E}">
         <p14:creationId xmlns:p14="http://schemas.microsoft.com/office/powerpoint/2010/main" val="4245633813"/>
-      </p:ext>
-    </p:extLst>
-  </p:cSld>
-  <p:clrMapOvr>
-    <a:masterClrMapping/>
-  </p:clrMapOvr>
-</p:sld>
-</file>
-
-<file path=ppt/slides/slide7.xml><?xml version="1.0" encoding="utf-8"?>
-<p:sld xmlns:a="http://schemas.openxmlformats.org/drawingml/2006/main" xmlns:r="http://schemas.openxmlformats.org/officeDocument/2006/relationships" xmlns:p="http://schemas.openxmlformats.org/presentationml/2006/main">
-  <p:cSld>
-    <p:spTree>
-      <p:nvGrpSpPr>
-        <p:cNvPr id="1" name=""/>
-        <p:cNvGrpSpPr/>
-        <p:nvPr/>
-      </p:nvGrpSpPr>
-      <p:grpSpPr>
-        <a:xfrm>
-          <a:off x="0" y="0"/>
-          <a:ext cx="0" cy="0"/>
-          <a:chOff x="0" y="0"/>
-          <a:chExt cx="0" cy="0"/>
-        </a:xfrm>
-      </p:grpSpPr>
-      <p:pic>
-        <p:nvPicPr>
-          <p:cNvPr id="5" name="Picture 4">
-            <a:extLst>
-              <a:ext uri="{FF2B5EF4-FFF2-40B4-BE49-F238E27FC236}">
-                <a16:creationId xmlns:a16="http://schemas.microsoft.com/office/drawing/2014/main" id="{DCA259A8-E4D7-487B-BEF6-D08AA52CBD8E}"/>
-              </a:ext>
-            </a:extLst>
-          </p:cNvPr>
-          <p:cNvPicPr>
-            <a:picLocks noChangeAspect="1"/>
-          </p:cNvPicPr>
-          <p:nvPr/>
-        </p:nvPicPr>
-        <p:blipFill>
-          <a:blip r:embed="rId2"/>
-          <a:stretch>
-            <a:fillRect/>
-          </a:stretch>
-        </p:blipFill>
-        <p:spPr>
-          <a:xfrm>
-            <a:off x="7753165" y="0"/>
-            <a:ext cx="4438835" cy="6858000"/>
-          </a:xfrm>
-          <a:prstGeom prst="rect">
-            <a:avLst/>
-          </a:prstGeom>
-        </p:spPr>
-      </p:pic>
-      <p:sp>
-        <p:nvSpPr>
-          <p:cNvPr id="6" name="TextBox 5">
-            <a:extLst>
-              <a:ext uri="{FF2B5EF4-FFF2-40B4-BE49-F238E27FC236}">
-                <a16:creationId xmlns:a16="http://schemas.microsoft.com/office/drawing/2014/main" id="{712AC8CF-13A3-4593-9053-122027377F90}"/>
-              </a:ext>
-            </a:extLst>
-          </p:cNvPr>
-          <p:cNvSpPr txBox="1"/>
-          <p:nvPr/>
-        </p:nvSpPr>
-        <p:spPr>
-          <a:xfrm>
-            <a:off x="226503" y="167780"/>
-            <a:ext cx="6343916" cy="523220"/>
-          </a:xfrm>
-          <a:prstGeom prst="rect">
-            <a:avLst/>
-          </a:prstGeom>
-          <a:noFill/>
-        </p:spPr>
-        <p:txBody>
-          <a:bodyPr wrap="none" rtlCol="0">
-            <a:spAutoFit/>
-          </a:bodyPr>
-          <a:lstStyle/>
-          <a:p>
-            <a:r>
-              <a:rPr lang="en-US" sz="2800" dirty="0"/>
-              <a:t>What’s your favorite flavor of ice cream?</a:t>
-            </a:r>
-          </a:p>
-        </p:txBody>
-      </p:sp>
-      <p:sp>
-        <p:nvSpPr>
-          <p:cNvPr id="7" name="Rectangle 6">
-            <a:extLst>
-              <a:ext uri="{FF2B5EF4-FFF2-40B4-BE49-F238E27FC236}">
-                <a16:creationId xmlns:a16="http://schemas.microsoft.com/office/drawing/2014/main" id="{A4B19BFF-48DA-42BF-9128-606189495B83}"/>
-              </a:ext>
-            </a:extLst>
-          </p:cNvPr>
-          <p:cNvSpPr/>
-          <p:nvPr/>
-        </p:nvSpPr>
-        <p:spPr>
-          <a:xfrm>
-            <a:off x="226503" y="2925553"/>
-            <a:ext cx="5681940" cy="523220"/>
-          </a:xfrm>
-          <a:prstGeom prst="rect">
-            <a:avLst/>
-          </a:prstGeom>
-        </p:spPr>
-        <p:txBody>
-          <a:bodyPr wrap="none">
-            <a:spAutoFit/>
-          </a:bodyPr>
-          <a:lstStyle/>
-          <a:p>
-            <a:r>
-              <a:rPr lang="en-US" sz="2800" dirty="0"/>
-              <a:t>How could we classify these flavors?</a:t>
-            </a:r>
-          </a:p>
-        </p:txBody>
-      </p:sp>
-    </p:spTree>
-    <p:extLst>
-      <p:ext uri="{BB962C8B-B14F-4D97-AF65-F5344CB8AC3E}">
-        <p14:creationId xmlns:p14="http://schemas.microsoft.com/office/powerpoint/2010/main" val="203824341"/>
-      </p:ext>
-    </p:extLst>
-  </p:cSld>
-  <p:clrMapOvr>
-    <a:masterClrMapping/>
-  </p:clrMapOvr>
-  <p:timing>
-    <p:tnLst>
-      <p:par>
-        <p:cTn id="1" dur="indefinite" restart="never" nodeType="tmRoot">
-          <p:childTnLst>
-            <p:seq concurrent="1" nextAc="seek">
-              <p:cTn id="2" dur="indefinite" nodeType="mainSeq">
-                <p:childTnLst>
-                  <p:par>
-                    <p:cTn id="3" fill="hold">
-                      <p:stCondLst>
-                        <p:cond delay="indefinite"/>
-                      </p:stCondLst>
-                      <p:childTnLst>
-                        <p:par>
-                          <p:cTn id="4" fill="hold">
-                            <p:stCondLst>
-                              <p:cond delay="0"/>
-                            </p:stCondLst>
-                            <p:childTnLst>
-                              <p:par>
-                                <p:cTn id="5" presetID="10" presetClass="entr" presetSubtype="0" fill="hold" grpId="0" nodeType="clickEffect">
-                                  <p:stCondLst>
-                                    <p:cond delay="0"/>
-                                  </p:stCondLst>
-                                  <p:childTnLst>
-                                    <p:set>
-                                      <p:cBhvr>
-                                        <p:cTn id="6" dur="1" fill="hold">
-                                          <p:stCondLst>
-                                            <p:cond delay="0"/>
-                                          </p:stCondLst>
-                                        </p:cTn>
-                                        <p:tgtEl>
-                                          <p:spTgt spid="7"/>
-                                        </p:tgtEl>
-                                        <p:attrNameLst>
-                                          <p:attrName>style.visibility</p:attrName>
-                                        </p:attrNameLst>
-                                      </p:cBhvr>
-                                      <p:to>
-                                        <p:strVal val="visible"/>
-                                      </p:to>
-                                    </p:set>
-                                    <p:animEffect transition="in" filter="fade">
-                                      <p:cBhvr>
-                                        <p:cTn id="7" dur="500"/>
-                                        <p:tgtEl>
-                                          <p:spTgt spid="7"/>
-                                        </p:tgtEl>
-                                      </p:cBhvr>
-                                    </p:animEffect>
-                                  </p:childTnLst>
-                                </p:cTn>
-                              </p:par>
-                            </p:childTnLst>
-                          </p:cTn>
-                        </p:par>
-                      </p:childTnLst>
-                    </p:cTn>
-                  </p:par>
-                </p:childTnLst>
-              </p:cTn>
-              <p:prevCondLst>
-                <p:cond evt="onPrev" delay="0">
-                  <p:tgtEl>
-                    <p:sldTgt/>
-                  </p:tgtEl>
-                </p:cond>
-              </p:prevCondLst>
-              <p:nextCondLst>
-                <p:cond evt="onNext" delay="0">
-                  <p:tgtEl>
-                    <p:sldTgt/>
-                  </p:tgtEl>
-                </p:cond>
-              </p:nextCondLst>
-            </p:seq>
-          </p:childTnLst>
-        </p:cTn>
-      </p:par>
-    </p:tnLst>
-    <p:bldLst>
-      <p:bldP spid="7" grpId="0"/>
-    </p:bldLst>
-  </p:timing>
-</p:sld>
-</file>
-
-<file path=ppt/slides/slide8.xml><?xml version="1.0" encoding="utf-8"?>
-<p:sld xmlns:a="http://schemas.openxmlformats.org/drawingml/2006/main" xmlns:r="http://schemas.openxmlformats.org/officeDocument/2006/relationships" xmlns:p="http://schemas.openxmlformats.org/presentationml/2006/main">
-  <p:cSld>
-    <p:spTree>
-      <p:nvGrpSpPr>
-        <p:cNvPr id="1" name="Shape 118"/>
-        <p:cNvGrpSpPr/>
-        <p:nvPr/>
-      </p:nvGrpSpPr>
-      <p:grpSpPr>
-        <a:xfrm>
-          <a:off x="0" y="0"/>
-          <a:ext cx="0" cy="0"/>
-          <a:chOff x="0" y="0"/>
-          <a:chExt cx="0" cy="0"/>
-        </a:xfrm>
-      </p:grpSpPr>
-      <p:pic>
-        <p:nvPicPr>
-          <p:cNvPr id="1026" name="Picture 2" descr="https://lh6.googleusercontent.com/E8_dpNXpW6ZibI_Z-_vYgKjWsEW1sYlKGm-7Ebpq1w4YsRbDcWN-gJS6jeM4SWkbJ2_edzKAKtPUUv6Jn7WTtR64MtsrmK2GqRMk9cke5e9TSZsCJysOJe9HurpMUxtwrBeee2ulLB4"/>
-          <p:cNvPicPr>
-            <a:picLocks noChangeAspect="1" noChangeArrowheads="1"/>
-          </p:cNvPicPr>
-          <p:nvPr/>
-        </p:nvPicPr>
-        <p:blipFill>
-          <a:blip r:embed="rId3">
-            <a:extLst>
-              <a:ext uri="{28A0092B-C50C-407E-A947-70E740481C1C}">
-                <a14:useLocalDpi xmlns:a14="http://schemas.microsoft.com/office/drawing/2010/main" val="0"/>
-              </a:ext>
-            </a:extLst>
-          </a:blip>
-          <a:srcRect/>
-          <a:stretch>
-            <a:fillRect/>
-          </a:stretch>
-        </p:blipFill>
-        <p:spPr bwMode="auto">
-          <a:xfrm>
-            <a:off x="6388897" y="1025842"/>
-            <a:ext cx="5578767" cy="5667319"/>
-          </a:xfrm>
-          <a:prstGeom prst="rect">
-            <a:avLst/>
-          </a:prstGeom>
-          <a:noFill/>
-          <a:extLst>
-            <a:ext uri="{909E8E84-426E-40DD-AFC4-6F175D3DCCD1}">
-              <a14:hiddenFill xmlns:a14="http://schemas.microsoft.com/office/drawing/2010/main">
-                <a:solidFill>
-                  <a:srgbClr val="FFFFFF"/>
-                </a:solidFill>
-              </a14:hiddenFill>
-            </a:ext>
-          </a:extLst>
-        </p:spPr>
-      </p:pic>
-      <p:sp>
-        <p:nvSpPr>
-          <p:cNvPr id="119" name="Shape 119"/>
-          <p:cNvSpPr txBox="1"/>
-          <p:nvPr/>
-        </p:nvSpPr>
-        <p:spPr>
-          <a:xfrm>
-            <a:off x="307652" y="1025842"/>
-            <a:ext cx="4158830" cy="2554544"/>
-          </a:xfrm>
-          <a:prstGeom prst="rect">
-            <a:avLst/>
-          </a:prstGeom>
-          <a:noFill/>
-          <a:ln>
-            <a:noFill/>
-          </a:ln>
-        </p:spPr>
-        <p:txBody>
-          <a:bodyPr lIns="91425" tIns="45700" rIns="91425" bIns="45700" anchor="t" anchorCtr="0">
-            <a:noAutofit/>
-          </a:bodyPr>
-          <a:lstStyle/>
-          <a:p>
-            <a:pPr>
-              <a:buSzPct val="25000"/>
-            </a:pPr>
-            <a:r>
-              <a:rPr lang="en-US" sz="4000" b="1" i="1" dirty="0">
-                <a:solidFill>
-                  <a:schemeClr val="accent2"/>
-                </a:solidFill>
-                <a:ea typeface="Calibri"/>
-                <a:cs typeface="Calibri"/>
-                <a:sym typeface="Calibri"/>
-              </a:rPr>
-              <a:t>Equal interval</a:t>
-            </a:r>
-          </a:p>
-          <a:p>
-            <a:pPr>
-              <a:buSzPct val="25000"/>
-            </a:pPr>
-            <a:r>
-              <a:rPr lang="en-US" sz="4000" dirty="0">
-                <a:solidFill>
-                  <a:schemeClr val="tx1">
-                    <a:lumMod val="85000"/>
-                    <a:lumOff val="15000"/>
-                  </a:schemeClr>
-                </a:solidFill>
-                <a:ea typeface="Calibri"/>
-                <a:cs typeface="Calibri"/>
-                <a:sym typeface="Calibri"/>
-              </a:rPr>
-              <a:t>Quantile</a:t>
-            </a:r>
-          </a:p>
-          <a:p>
-            <a:pPr>
-              <a:buSzPct val="25000"/>
-            </a:pPr>
-            <a:r>
-              <a:rPr lang="en-US" sz="4000" dirty="0">
-                <a:solidFill>
-                  <a:schemeClr val="tx1">
-                    <a:lumMod val="85000"/>
-                    <a:lumOff val="15000"/>
-                  </a:schemeClr>
-                </a:solidFill>
-                <a:ea typeface="Calibri"/>
-                <a:cs typeface="Calibri"/>
-                <a:sym typeface="Calibri"/>
-              </a:rPr>
-              <a:t>Natural Breaks</a:t>
-            </a:r>
-          </a:p>
-        </p:txBody>
-      </p:sp>
-      <p:sp>
-        <p:nvSpPr>
-          <p:cNvPr id="120" name="Shape 120"/>
-          <p:cNvSpPr txBox="1"/>
-          <p:nvPr/>
-        </p:nvSpPr>
-        <p:spPr>
-          <a:xfrm>
-            <a:off x="307652" y="164839"/>
-            <a:ext cx="9255798" cy="707886"/>
-          </a:xfrm>
-          <a:prstGeom prst="rect">
-            <a:avLst/>
-          </a:prstGeom>
-          <a:noFill/>
-          <a:ln>
-            <a:noFill/>
-          </a:ln>
-        </p:spPr>
-        <p:txBody>
-          <a:bodyPr lIns="91425" tIns="45700" rIns="91425" bIns="45700" anchor="t" anchorCtr="0">
-            <a:noAutofit/>
-          </a:bodyPr>
-          <a:lstStyle/>
-          <a:p>
-            <a:pPr>
-              <a:buSzPct val="25000"/>
-            </a:pPr>
-            <a:r>
-              <a:rPr lang="en-US" sz="4000" b="1" dirty="0">
-                <a:solidFill>
-                  <a:schemeClr val="tx1">
-                    <a:lumMod val="85000"/>
-                    <a:lumOff val="15000"/>
-                  </a:schemeClr>
-                </a:solidFill>
-                <a:ea typeface="Calibri"/>
-                <a:cs typeface="Calibri"/>
-                <a:sym typeface="Calibri"/>
-              </a:rPr>
-              <a:t>Numeric Classification schemes</a:t>
-            </a:r>
-          </a:p>
-        </p:txBody>
-      </p:sp>
-    </p:spTree>
-  </p:cSld>
-  <p:clrMapOvr>
-    <a:masterClrMapping/>
-  </p:clrMapOvr>
-</p:sld>
-</file>
-
-<file path=ppt/slides/slide9.xml><?xml version="1.0" encoding="utf-8"?>
-<p:sld xmlns:a="http://schemas.openxmlformats.org/drawingml/2006/main" xmlns:r="http://schemas.openxmlformats.org/officeDocument/2006/relationships" xmlns:p="http://schemas.openxmlformats.org/presentationml/2006/main">
-  <p:cSld>
-    <p:spTree>
-      <p:nvGrpSpPr>
-        <p:cNvPr id="1" name="Shape 118"/>
-        <p:cNvGrpSpPr/>
-        <p:nvPr/>
-      </p:nvGrpSpPr>
-      <p:grpSpPr>
-        <a:xfrm>
-          <a:off x="0" y="0"/>
-          <a:ext cx="0" cy="0"/>
-          <a:chOff x="0" y="0"/>
-          <a:chExt cx="0" cy="0"/>
-        </a:xfrm>
-      </p:grpSpPr>
-      <p:pic>
-        <p:nvPicPr>
-          <p:cNvPr id="2050" name="Picture 2" descr="https://lh4.googleusercontent.com/R96XyYPDJQaaAYcYbS-neNTeRfhgxZcR_6J4Vynn0Zlv3FLfn0yiMiv3ou7pYOBWu8xKGV4DoFNmL6tcXslftagfxS35gCvwIa4EdKPR0EL6mjPNYhCCaqBrvBbC8sV0_fcI8lm6Jvw"/>
-          <p:cNvPicPr>
-            <a:picLocks noChangeAspect="1" noChangeArrowheads="1"/>
-          </p:cNvPicPr>
-          <p:nvPr/>
-        </p:nvPicPr>
-        <p:blipFill>
-          <a:blip r:embed="rId3">
-            <a:extLst>
-              <a:ext uri="{28A0092B-C50C-407E-A947-70E740481C1C}">
-                <a14:useLocalDpi xmlns:a14="http://schemas.microsoft.com/office/drawing/2010/main" val="0"/>
-              </a:ext>
-            </a:extLst>
-          </a:blip>
-          <a:srcRect/>
-          <a:stretch>
-            <a:fillRect/>
-          </a:stretch>
-        </p:blipFill>
-        <p:spPr bwMode="auto">
-          <a:xfrm>
-            <a:off x="5941362" y="872725"/>
-            <a:ext cx="5942986" cy="5765492"/>
-          </a:xfrm>
-          <a:prstGeom prst="rect">
-            <a:avLst/>
-          </a:prstGeom>
-          <a:noFill/>
-          <a:extLst>
-            <a:ext uri="{909E8E84-426E-40DD-AFC4-6F175D3DCCD1}">
-              <a14:hiddenFill xmlns:a14="http://schemas.microsoft.com/office/drawing/2010/main">
-                <a:solidFill>
-                  <a:srgbClr val="FFFFFF"/>
-                </a:solidFill>
-              </a14:hiddenFill>
-            </a:ext>
-          </a:extLst>
-        </p:spPr>
-      </p:pic>
-      <p:sp>
-        <p:nvSpPr>
-          <p:cNvPr id="5" name="Shape 119">
-            <a:extLst>
-              <a:ext uri="{FF2B5EF4-FFF2-40B4-BE49-F238E27FC236}">
-                <a16:creationId xmlns:a16="http://schemas.microsoft.com/office/drawing/2014/main" id="{D2DC7578-18F5-40B6-B7E3-5864CF0ED9ED}"/>
-              </a:ext>
-            </a:extLst>
-          </p:cNvPr>
-          <p:cNvSpPr txBox="1"/>
-          <p:nvPr/>
-        </p:nvSpPr>
-        <p:spPr>
-          <a:xfrm>
-            <a:off x="307652" y="1025842"/>
-            <a:ext cx="4158830" cy="2554544"/>
-          </a:xfrm>
-          <a:prstGeom prst="rect">
-            <a:avLst/>
-          </a:prstGeom>
-          <a:noFill/>
-          <a:ln>
-            <a:noFill/>
-          </a:ln>
-        </p:spPr>
-        <p:txBody>
-          <a:bodyPr lIns="91425" tIns="45700" rIns="91425" bIns="45700" anchor="t" anchorCtr="0">
-            <a:noAutofit/>
-          </a:bodyPr>
-          <a:lstStyle/>
-          <a:p>
-            <a:pPr>
-              <a:buSzPct val="25000"/>
-            </a:pPr>
-            <a:r>
-              <a:rPr lang="en-US" sz="4000" dirty="0">
-                <a:ea typeface="Calibri"/>
-                <a:cs typeface="Calibri"/>
-                <a:sym typeface="Calibri"/>
-              </a:rPr>
-              <a:t>Equal interval</a:t>
-            </a:r>
-          </a:p>
-          <a:p>
-            <a:pPr>
-              <a:buSzPct val="25000"/>
-            </a:pPr>
-            <a:r>
-              <a:rPr lang="en-US" sz="4000" b="1" i="1" dirty="0">
-                <a:solidFill>
-                  <a:schemeClr val="accent2"/>
-                </a:solidFill>
-                <a:ea typeface="Calibri"/>
-                <a:cs typeface="Calibri"/>
-                <a:sym typeface="Calibri"/>
-              </a:rPr>
-              <a:t>Quantile</a:t>
-            </a:r>
-          </a:p>
-          <a:p>
-            <a:pPr>
-              <a:buSzPct val="25000"/>
-            </a:pPr>
-            <a:r>
-              <a:rPr lang="en-US" sz="4000" dirty="0">
-                <a:solidFill>
-                  <a:schemeClr val="tx1">
-                    <a:lumMod val="85000"/>
-                    <a:lumOff val="15000"/>
-                  </a:schemeClr>
-                </a:solidFill>
-                <a:ea typeface="Calibri"/>
-                <a:cs typeface="Calibri"/>
-                <a:sym typeface="Calibri"/>
-              </a:rPr>
-              <a:t>Natural Breaks</a:t>
-            </a:r>
-          </a:p>
-        </p:txBody>
-      </p:sp>
-      <p:sp>
-        <p:nvSpPr>
-          <p:cNvPr id="6" name="Shape 120">
-            <a:extLst>
-              <a:ext uri="{FF2B5EF4-FFF2-40B4-BE49-F238E27FC236}">
-                <a16:creationId xmlns:a16="http://schemas.microsoft.com/office/drawing/2014/main" id="{C4DEE1EF-CE58-4641-AB7C-54C821F142CB}"/>
-              </a:ext>
-            </a:extLst>
-          </p:cNvPr>
-          <p:cNvSpPr txBox="1"/>
-          <p:nvPr/>
-        </p:nvSpPr>
-        <p:spPr>
-          <a:xfrm>
-            <a:off x="307652" y="164839"/>
-            <a:ext cx="9255798" cy="707886"/>
-          </a:xfrm>
-          <a:prstGeom prst="rect">
-            <a:avLst/>
-          </a:prstGeom>
-          <a:noFill/>
-          <a:ln>
-            <a:noFill/>
-          </a:ln>
-        </p:spPr>
-        <p:txBody>
-          <a:bodyPr lIns="91425" tIns="45700" rIns="91425" bIns="45700" anchor="t" anchorCtr="0">
-            <a:noAutofit/>
-          </a:bodyPr>
-          <a:lstStyle/>
-          <a:p>
-            <a:pPr>
-              <a:buSzPct val="25000"/>
-            </a:pPr>
-            <a:r>
-              <a:rPr lang="en-US" sz="4000" b="1" dirty="0">
-                <a:solidFill>
-                  <a:schemeClr val="tx1">
-                    <a:lumMod val="85000"/>
-                    <a:lumOff val="15000"/>
-                  </a:schemeClr>
-                </a:solidFill>
-                <a:ea typeface="Calibri"/>
-                <a:cs typeface="Calibri"/>
-                <a:sym typeface="Calibri"/>
-              </a:rPr>
-              <a:t>Numeric Classification schemes</a:t>
-            </a:r>
-          </a:p>
-        </p:txBody>
-      </p:sp>
-    </p:spTree>
-    <p:extLst>
-      <p:ext uri="{BB962C8B-B14F-4D97-AF65-F5344CB8AC3E}">
-        <p14:creationId xmlns:p14="http://schemas.microsoft.com/office/powerpoint/2010/main" val="2430534688"/>
       </p:ext>
     </p:extLst>
   </p:cSld>

--- a/in_class_slides/geog4300_W03-1 Classification and descriptive stats.pptx
+++ b/in_class_slides/geog4300_W03-1 Classification and descriptive stats.pptx
@@ -5,23 +5,22 @@
     <p:sldMasterId id="2147483660" r:id="rId1"/>
   </p:sldMasterIdLst>
   <p:notesMasterIdLst>
-    <p:notesMasterId r:id="rId16"/>
+    <p:notesMasterId r:id="rId15"/>
   </p:notesMasterIdLst>
   <p:sldIdLst>
     <p:sldId id="256" r:id="rId2"/>
     <p:sldId id="257" r:id="rId3"/>
     <p:sldId id="289" r:id="rId4"/>
     <p:sldId id="290" r:id="rId5"/>
-    <p:sldId id="288" r:id="rId6"/>
-    <p:sldId id="283" r:id="rId7"/>
-    <p:sldId id="284" r:id="rId8"/>
-    <p:sldId id="285" r:id="rId9"/>
-    <p:sldId id="286" r:id="rId10"/>
-    <p:sldId id="278" r:id="rId11"/>
-    <p:sldId id="279" r:id="rId12"/>
-    <p:sldId id="280" r:id="rId13"/>
-    <p:sldId id="281" r:id="rId14"/>
-    <p:sldId id="291" r:id="rId15"/>
+    <p:sldId id="283" r:id="rId6"/>
+    <p:sldId id="284" r:id="rId7"/>
+    <p:sldId id="285" r:id="rId8"/>
+    <p:sldId id="286" r:id="rId9"/>
+    <p:sldId id="278" r:id="rId10"/>
+    <p:sldId id="279" r:id="rId11"/>
+    <p:sldId id="280" r:id="rId12"/>
+    <p:sldId id="281" r:id="rId13"/>
+    <p:sldId id="291" r:id="rId14"/>
   </p:sldIdLst>
   <p:sldSz cx="12192000" cy="6858000"/>
   <p:notesSz cx="6858000" cy="9144000"/>
@@ -210,7 +209,7 @@
           <a:p>
             <a:fld id="{F1C23026-85D4-48E8-9219-18000F688023}" type="datetimeFigureOut">
               <a:rPr lang="en-US" smtClean="0"/>
-              <a:t>9/8/2022</a:t>
+              <a:t>9/13/2022</a:t>
             </a:fld>
             <a:endParaRPr lang="en-US"/>
           </a:p>
@@ -681,7 +680,7 @@
                 <a:cs typeface="Calibri"/>
                 <a:sym typeface="Calibri"/>
               </a:rPr>
-              <a:t>10</a:t>
+              <a:t>9</a:t>
             </a:fld>
             <a:endParaRPr lang="en-US" sz="1200">
               <a:solidFill>
@@ -912,7 +911,7 @@
                 <a:cs typeface="Calibri"/>
                 <a:sym typeface="Calibri"/>
               </a:rPr>
-              <a:t>11</a:t>
+              <a:t>10</a:t>
             </a:fld>
             <a:endParaRPr lang="en-US" sz="1200">
               <a:solidFill>
@@ -1143,7 +1142,7 @@
                 <a:cs typeface="Calibri"/>
                 <a:sym typeface="Calibri"/>
               </a:rPr>
-              <a:t>12</a:t>
+              <a:t>11</a:t>
             </a:fld>
             <a:endParaRPr lang="en-US" sz="1200">
               <a:solidFill>
@@ -1374,7 +1373,7 @@
                 <a:cs typeface="Calibri"/>
                 <a:sym typeface="Calibri"/>
               </a:rPr>
-              <a:t>13</a:t>
+              <a:t>12</a:t>
             </a:fld>
             <a:endParaRPr lang="en-US" sz="1200">
               <a:solidFill>
@@ -1605,7 +1604,7 @@
                 <a:cs typeface="Calibri"/>
                 <a:sym typeface="Calibri"/>
               </a:rPr>
-              <a:t>14</a:t>
+              <a:t>13</a:t>
             </a:fld>
             <a:endParaRPr lang="en-US" sz="1200">
               <a:solidFill>
@@ -1817,7 +1816,7 @@
           <a:p>
             <a:fld id="{93C8B963-0F36-48FC-991E-AA63861DA924}" type="datetimeFigureOut">
               <a:rPr lang="en-US" smtClean="0"/>
-              <a:t>9/8/2022</a:t>
+              <a:t>9/13/2022</a:t>
             </a:fld>
             <a:endParaRPr lang="en-US"/>
           </a:p>
@@ -2115,7 +2114,7 @@
           <a:p>
             <a:fld id="{93C8B963-0F36-48FC-991E-AA63861DA924}" type="datetimeFigureOut">
               <a:rPr lang="en-US" smtClean="0"/>
-              <a:t>9/8/2022</a:t>
+              <a:t>9/13/2022</a:t>
             </a:fld>
             <a:endParaRPr lang="en-US"/>
           </a:p>
@@ -2307,7 +2306,7 @@
           <a:p>
             <a:fld id="{93C8B963-0F36-48FC-991E-AA63861DA924}" type="datetimeFigureOut">
               <a:rPr lang="en-US" smtClean="0"/>
-              <a:t>9/8/2022</a:t>
+              <a:t>9/13/2022</a:t>
             </a:fld>
             <a:endParaRPr lang="en-US"/>
           </a:p>
@@ -2568,7 +2567,7 @@
           <a:p>
             <a:fld id="{93C8B963-0F36-48FC-991E-AA63861DA924}" type="datetimeFigureOut">
               <a:rPr lang="en-US" smtClean="0"/>
-              <a:t>9/8/2022</a:t>
+              <a:t>9/13/2022</a:t>
             </a:fld>
             <a:endParaRPr lang="en-US"/>
           </a:p>
@@ -2992,7 +2991,7 @@
           <a:p>
             <a:fld id="{93C8B963-0F36-48FC-991E-AA63861DA924}" type="datetimeFigureOut">
               <a:rPr lang="en-US" smtClean="0"/>
-              <a:t>9/8/2022</a:t>
+              <a:t>9/13/2022</a:t>
             </a:fld>
             <a:endParaRPr lang="en-US"/>
           </a:p>
@@ -3529,7 +3528,7 @@
           <a:p>
             <a:fld id="{93C8B963-0F36-48FC-991E-AA63861DA924}" type="datetimeFigureOut">
               <a:rPr lang="en-US" smtClean="0"/>
-              <a:t>9/8/2022</a:t>
+              <a:t>9/13/2022</a:t>
             </a:fld>
             <a:endParaRPr lang="en-US"/>
           </a:p>
@@ -4393,7 +4392,7 @@
           <a:p>
             <a:fld id="{93C8B963-0F36-48FC-991E-AA63861DA924}" type="datetimeFigureOut">
               <a:rPr lang="en-US" smtClean="0"/>
-              <a:t>9/8/2022</a:t>
+              <a:t>9/13/2022</a:t>
             </a:fld>
             <a:endParaRPr lang="en-US"/>
           </a:p>
@@ -4563,7 +4562,7 @@
           <a:p>
             <a:fld id="{93C8B963-0F36-48FC-991E-AA63861DA924}" type="datetimeFigureOut">
               <a:rPr lang="en-US" smtClean="0"/>
-              <a:t>9/8/2022</a:t>
+              <a:t>9/13/2022</a:t>
             </a:fld>
             <a:endParaRPr lang="en-US"/>
           </a:p>
@@ -4747,7 +4746,7 @@
           <a:p>
             <a:fld id="{93C8B963-0F36-48FC-991E-AA63861DA924}" type="datetimeFigureOut">
               <a:rPr lang="en-US" smtClean="0"/>
-              <a:t>9/8/2022</a:t>
+              <a:t>9/13/2022</a:t>
             </a:fld>
             <a:endParaRPr lang="en-US"/>
           </a:p>
@@ -4917,7 +4916,7 @@
           <a:p>
             <a:fld id="{93C8B963-0F36-48FC-991E-AA63861DA924}" type="datetimeFigureOut">
               <a:rPr lang="en-US" smtClean="0"/>
-              <a:t>9/8/2022</a:t>
+              <a:t>9/13/2022</a:t>
             </a:fld>
             <a:endParaRPr lang="en-US"/>
           </a:p>
@@ -5161,7 +5160,7 @@
           <a:p>
             <a:fld id="{93C8B963-0F36-48FC-991E-AA63861DA924}" type="datetimeFigureOut">
               <a:rPr lang="en-US" smtClean="0"/>
-              <a:t>9/8/2022</a:t>
+              <a:t>9/13/2022</a:t>
             </a:fld>
             <a:endParaRPr lang="en-US"/>
           </a:p>
@@ -5397,7 +5396,7 @@
           <a:p>
             <a:fld id="{93C8B963-0F36-48FC-991E-AA63861DA924}" type="datetimeFigureOut">
               <a:rPr lang="en-US" smtClean="0"/>
-              <a:t>9/8/2022</a:t>
+              <a:t>9/13/2022</a:t>
             </a:fld>
             <a:endParaRPr lang="en-US"/>
           </a:p>
@@ -5863,7 +5862,7 @@
           <a:p>
             <a:fld id="{93C8B963-0F36-48FC-991E-AA63861DA924}" type="datetimeFigureOut">
               <a:rPr lang="en-US" smtClean="0"/>
-              <a:t>9/8/2022</a:t>
+              <a:t>9/13/2022</a:t>
             </a:fld>
             <a:endParaRPr lang="en-US"/>
           </a:p>
@@ -5981,7 +5980,7 @@
           <a:p>
             <a:fld id="{93C8B963-0F36-48FC-991E-AA63861DA924}" type="datetimeFigureOut">
               <a:rPr lang="en-US" smtClean="0"/>
-              <a:t>9/8/2022</a:t>
+              <a:t>9/13/2022</a:t>
             </a:fld>
             <a:endParaRPr lang="en-US"/>
           </a:p>
@@ -6076,7 +6075,7 @@
           <a:p>
             <a:fld id="{93C8B963-0F36-48FC-991E-AA63861DA924}" type="datetimeFigureOut">
               <a:rPr lang="en-US" smtClean="0"/>
-              <a:t>9/8/2022</a:t>
+              <a:t>9/13/2022</a:t>
             </a:fld>
             <a:endParaRPr lang="en-US"/>
           </a:p>
@@ -6331,7 +6330,7 @@
           <a:p>
             <a:fld id="{93C8B963-0F36-48FC-991E-AA63861DA924}" type="datetimeFigureOut">
               <a:rPr lang="en-US" smtClean="0"/>
-              <a:t>9/8/2022</a:t>
+              <a:t>9/13/2022</a:t>
             </a:fld>
             <a:endParaRPr lang="en-US"/>
           </a:p>
@@ -6631,7 +6630,7 @@
           <a:p>
             <a:fld id="{93C8B963-0F36-48FC-991E-AA63861DA924}" type="datetimeFigureOut">
               <a:rPr lang="en-US" smtClean="0"/>
-              <a:t>9/8/2022</a:t>
+              <a:t>9/13/2022</a:t>
             </a:fld>
             <a:endParaRPr lang="en-US"/>
           </a:p>
@@ -6865,7 +6864,7 @@
           <a:p>
             <a:fld id="{93C8B963-0F36-48FC-991E-AA63861DA924}" type="datetimeFigureOut">
               <a:rPr lang="en-US" smtClean="0"/>
-              <a:t>9/8/2022</a:t>
+              <a:t>9/13/2022</a:t>
             </a:fld>
             <a:endParaRPr lang="en-US"/>
           </a:p>
@@ -7557,19 +7556,19 @@
         </p:nvSpPr>
         <p:spPr>
           <a:xfrm>
-            <a:off x="1504917" y="3979334"/>
-            <a:ext cx="9440034" cy="1828801"/>
+            <a:off x="454250" y="4085516"/>
+            <a:ext cx="11503742" cy="1828801"/>
           </a:xfrm>
         </p:spPr>
         <p:txBody>
           <a:bodyPr>
-            <a:normAutofit fontScale="90000"/>
+            <a:normAutofit/>
           </a:bodyPr>
           <a:lstStyle/>
           <a:p>
             <a:r>
               <a:rPr lang="en-US" dirty="0"/>
-              <a:t>Week 3: Classification/Descriptive statistics</a:t>
+              <a:t>Week 3: Descriptive statistics/Exploratory Data Analysis</a:t>
             </a:r>
           </a:p>
         </p:txBody>
@@ -7611,35 +7610,38 @@
       </p:sp>
       <p:pic>
         <p:nvPicPr>
-          <p:cNvPr id="4" name="Shape 91" descr="http://personal.frostburg.edu/aeridenour0/Number%20of%20families.jpg">
+          <p:cNvPr id="6" name="Picture 5">
             <a:extLst>
               <a:ext uri="{FF2B5EF4-FFF2-40B4-BE49-F238E27FC236}">
-                <a16:creationId xmlns:a16="http://schemas.microsoft.com/office/drawing/2014/main" id="{A50A9848-9D3A-4C3A-ADD5-B2766265EFFC}"/>
+                <a16:creationId xmlns:a16="http://schemas.microsoft.com/office/drawing/2014/main" id="{84D203E7-62A4-4EF9-A1A6-064464A35303}"/>
               </a:ext>
             </a:extLst>
           </p:cNvPr>
-          <p:cNvPicPr preferRelativeResize="0"/>
+          <p:cNvPicPr>
+            <a:picLocks noChangeAspect="1"/>
+          </p:cNvPicPr>
           <p:nvPr/>
         </p:nvPicPr>
-        <p:blipFill rotWithShape="1">
+        <p:blipFill>
           <a:blip r:embed="rId2">
-            <a:alphaModFix/>
+            <a:extLst>
+              <a:ext uri="{28A0092B-C50C-407E-A947-70E740481C1C}">
+                <a14:useLocalDpi xmlns:a14="http://schemas.microsoft.com/office/drawing/2010/main" val="0"/>
+              </a:ext>
+            </a:extLst>
           </a:blip>
-          <a:srcRect/>
-          <a:stretch/>
+          <a:stretch>
+            <a:fillRect/>
+          </a:stretch>
         </p:blipFill>
         <p:spPr>
           <a:xfrm>
-            <a:off x="3828684" y="276134"/>
-            <a:ext cx="4792500" cy="3703200"/>
+            <a:off x="2454197" y="62219"/>
+            <a:ext cx="7283605" cy="4124341"/>
           </a:xfrm>
           <a:prstGeom prst="rect">
             <a:avLst/>
           </a:prstGeom>
-          <a:noFill/>
-          <a:ln>
-            <a:noFill/>
-          </a:ln>
         </p:spPr>
       </p:pic>
     </p:spTree>
@@ -7707,20 +7709,6 @@
               <a:buSzPct val="25000"/>
             </a:pPr>
             <a:r>
-              <a:rPr lang="en-US" sz="4000" b="1" dirty="0" err="1">
-                <a:solidFill>
-                  <a:schemeClr val="tx1">
-                    <a:lumMod val="85000"/>
-                    <a:lumOff val="15000"/>
-                  </a:schemeClr>
-                </a:solidFill>
-                <a:ea typeface="Calibri"/>
-                <a:cs typeface="Calibri"/>
-                <a:sym typeface="Calibri"/>
-              </a:rPr>
-              <a:t>Desriptive</a:t>
-            </a:r>
-            <a:r>
               <a:rPr lang="en-US" sz="4000" b="1" dirty="0">
                 <a:solidFill>
                   <a:schemeClr val="tx1">
@@ -7732,70 +7720,157 @@
                 <a:cs typeface="Calibri"/>
                 <a:sym typeface="Calibri"/>
               </a:rPr>
-              <a:t> states in action: </a:t>
-            </a:r>
-          </a:p>
-          <a:p>
-            <a:pPr>
-              <a:buSzPct val="25000"/>
-            </a:pPr>
-            <a:r>
-              <a:rPr lang="en-US" sz="4000" b="1" dirty="0">
-                <a:solidFill>
-                  <a:schemeClr val="tx1">
-                    <a:lumMod val="85000"/>
-                    <a:lumOff val="15000"/>
-                  </a:schemeClr>
-                </a:solidFill>
-                <a:ea typeface="Calibri"/>
-                <a:cs typeface="Calibri"/>
-                <a:sym typeface="Calibri"/>
-              </a:rPr>
-              <a:t>What’s a “low education county?”</a:t>
-            </a:r>
-          </a:p>
-        </p:txBody>
-      </p:sp>
-      <p:pic>
-        <p:nvPicPr>
-          <p:cNvPr id="12" name="Picture 11">
+              <a:t>How could we decide?</a:t>
+            </a:r>
+          </a:p>
+        </p:txBody>
+      </p:sp>
+      <p:sp>
+        <p:nvSpPr>
+          <p:cNvPr id="3" name="Rectangle 2">
             <a:extLst>
               <a:ext uri="{FF2B5EF4-FFF2-40B4-BE49-F238E27FC236}">
-                <a16:creationId xmlns:a16="http://schemas.microsoft.com/office/drawing/2014/main" id="{812E53A6-75E8-4F9C-9A43-E95352BBD50A}"/>
+                <a16:creationId xmlns:a16="http://schemas.microsoft.com/office/drawing/2014/main" id="{C0B0F76B-2B24-44D4-9139-AE2D920659AB}"/>
               </a:ext>
             </a:extLst>
           </p:cNvPr>
-          <p:cNvPicPr>
-            <a:picLocks noChangeAspect="1"/>
-          </p:cNvPicPr>
+          <p:cNvSpPr/>
           <p:nvPr/>
-        </p:nvPicPr>
-        <p:blipFill>
-          <a:blip r:embed="rId3">
-            <a:extLst>
-              <a:ext uri="{28A0092B-C50C-407E-A947-70E740481C1C}">
-                <a14:useLocalDpi xmlns:a14="http://schemas.microsoft.com/office/drawing/2010/main" val="0"/>
-              </a:ext>
-            </a:extLst>
-          </a:blip>
-          <a:stretch>
-            <a:fillRect/>
-          </a:stretch>
-        </p:blipFill>
+        </p:nvSpPr>
         <p:spPr>
           <a:xfrm>
-            <a:off x="2825790" y="1674535"/>
-            <a:ext cx="7852271" cy="5018625"/>
+            <a:off x="827869" y="1054808"/>
+            <a:ext cx="9079858" cy="1569660"/>
           </a:xfrm>
           <a:prstGeom prst="rect">
             <a:avLst/>
           </a:prstGeom>
         </p:spPr>
-      </p:pic>
+        <p:txBody>
+          <a:bodyPr wrap="none">
+            <a:spAutoFit/>
+          </a:bodyPr>
+          <a:lstStyle/>
+          <a:p>
+            <a:pPr>
+              <a:buSzPct val="25000"/>
+            </a:pPr>
+            <a:r>
+              <a:rPr lang="en-US" sz="3200" dirty="0">
+                <a:ea typeface="Calibri"/>
+                <a:cs typeface="Calibri"/>
+                <a:sym typeface="Calibri"/>
+              </a:rPr>
+              <a:t>Based off the data/Relative measure</a:t>
+            </a:r>
+          </a:p>
+          <a:p>
+            <a:pPr marL="457200" indent="-457200">
+              <a:buSzPct val="100000"/>
+              <a:buFont typeface="Arial" panose="020B0604020202020204" pitchFamily="34" charset="0"/>
+              <a:buChar char="•"/>
+            </a:pPr>
+            <a:r>
+              <a:rPr lang="en-US" sz="3200" dirty="0">
+                <a:ea typeface="Calibri"/>
+                <a:cs typeface="Calibri"/>
+                <a:sym typeface="Calibri"/>
+              </a:rPr>
+              <a:t>How many standard deviations below the mean?</a:t>
+            </a:r>
+          </a:p>
+          <a:p>
+            <a:pPr marL="457200" indent="-457200">
+              <a:buSzPct val="100000"/>
+              <a:buFont typeface="Arial" panose="020B0604020202020204" pitchFamily="34" charset="0"/>
+              <a:buChar char="•"/>
+            </a:pPr>
+            <a:r>
+              <a:rPr lang="en-US" sz="3200" dirty="0">
+                <a:ea typeface="Calibri"/>
+                <a:cs typeface="Calibri"/>
+                <a:sym typeface="Calibri"/>
+              </a:rPr>
+              <a:t>What percentile of all counties?</a:t>
+            </a:r>
+          </a:p>
+        </p:txBody>
+      </p:sp>
+      <p:sp>
+        <p:nvSpPr>
+          <p:cNvPr id="6" name="Rectangle 5">
+            <a:extLst>
+              <a:ext uri="{FF2B5EF4-FFF2-40B4-BE49-F238E27FC236}">
+                <a16:creationId xmlns:a16="http://schemas.microsoft.com/office/drawing/2014/main" id="{9189733B-B71E-46A0-A649-8453899A5259}"/>
+              </a:ext>
+            </a:extLst>
+          </p:cNvPr>
+          <p:cNvSpPr/>
+          <p:nvPr/>
+        </p:nvSpPr>
+        <p:spPr>
+          <a:xfrm>
+            <a:off x="827869" y="2806551"/>
+            <a:ext cx="10614713" cy="2062103"/>
+          </a:xfrm>
+          <a:prstGeom prst="rect">
+            <a:avLst/>
+          </a:prstGeom>
+        </p:spPr>
+        <p:txBody>
+          <a:bodyPr wrap="square">
+            <a:spAutoFit/>
+          </a:bodyPr>
+          <a:lstStyle/>
+          <a:p>
+            <a:pPr>
+              <a:buSzPct val="25000"/>
+            </a:pPr>
+            <a:r>
+              <a:rPr lang="en-US" sz="3200" dirty="0">
+                <a:ea typeface="Calibri"/>
+                <a:cs typeface="Calibri"/>
+                <a:sym typeface="Calibri"/>
+              </a:rPr>
+              <a:t>Based off the research/Absolute measure</a:t>
+            </a:r>
+          </a:p>
+          <a:p>
+            <a:pPr marL="457200" indent="-457200">
+              <a:buSzPct val="100000"/>
+              <a:buFont typeface="Arial" panose="020B0604020202020204" pitchFamily="34" charset="0"/>
+              <a:buChar char="•"/>
+            </a:pPr>
+            <a:r>
+              <a:rPr lang="en-US" sz="3200" dirty="0">
+                <a:ea typeface="Calibri"/>
+                <a:cs typeface="Calibri"/>
+                <a:sym typeface="Calibri"/>
+              </a:rPr>
+              <a:t>What’s the average of a larger area (e.g., national/international)?</a:t>
+            </a:r>
+          </a:p>
+          <a:p>
+            <a:pPr marL="457200" indent="-457200">
+              <a:buSzPct val="100000"/>
+              <a:buFont typeface="Arial" panose="020B0604020202020204" pitchFamily="34" charset="0"/>
+              <a:buChar char="•"/>
+            </a:pPr>
+            <a:r>
+              <a:rPr lang="en-US" sz="3200" dirty="0">
+                <a:ea typeface="Calibri"/>
+                <a:cs typeface="Calibri"/>
+                <a:sym typeface="Calibri"/>
+              </a:rPr>
+              <a:t>What has been used by other researchers?</a:t>
+            </a:r>
+          </a:p>
+        </p:txBody>
+      </p:sp>
     </p:spTree>
     <p:extLst>
       <p:ext uri="{BB962C8B-B14F-4D97-AF65-F5344CB8AC3E}">
-        <p14:creationId xmlns:p14="http://schemas.microsoft.com/office/powerpoint/2010/main" val="771564063"/>
+        <p14:creationId xmlns:p14="http://schemas.microsoft.com/office/powerpoint/2010/main" val="2724203357"/>
       </p:ext>
     </p:extLst>
   </p:cSld>
@@ -7868,7 +7943,7 @@
                 <a:cs typeface="Calibri"/>
                 <a:sym typeface="Calibri"/>
               </a:rPr>
-              <a:t>How could we decide?</a:t>
+              <a:t>You try it!</a:t>
             </a:r>
           </a:p>
         </p:txBody>
@@ -7887,15 +7962,15 @@
         </p:nvSpPr>
         <p:spPr>
           <a:xfrm>
-            <a:off x="827869" y="1054808"/>
-            <a:ext cx="9079858" cy="1569660"/>
+            <a:off x="580041" y="856357"/>
+            <a:ext cx="10802957" cy="4832092"/>
           </a:xfrm>
           <a:prstGeom prst="rect">
             <a:avLst/>
           </a:prstGeom>
         </p:spPr>
         <p:txBody>
-          <a:bodyPr wrap="none">
+          <a:bodyPr wrap="square">
             <a:spAutoFit/>
           </a:bodyPr>
           <a:lstStyle/>
@@ -7904,13 +7979,23 @@
               <a:buSzPct val="25000"/>
             </a:pPr>
             <a:r>
-              <a:rPr lang="en-US" sz="3200" dirty="0">
+              <a:rPr lang="en-US" sz="2800" dirty="0">
                 <a:ea typeface="Calibri"/>
                 <a:cs typeface="Calibri"/>
                 <a:sym typeface="Calibri"/>
               </a:rPr>
-              <a:t>Based off the data/Relative measure</a:t>
-            </a:r>
+              <a:t>Open the county census data CSV spreadsheet in Excel/Google Sheets</a:t>
+            </a:r>
+          </a:p>
+          <a:p>
+            <a:pPr>
+              <a:buSzPct val="25000"/>
+            </a:pPr>
+            <a:endParaRPr lang="en-US" sz="2800" dirty="0">
+              <a:ea typeface="Calibri"/>
+              <a:cs typeface="Calibri"/>
+              <a:sym typeface="Calibri"/>
+            </a:endParaRPr>
           </a:p>
           <a:p>
             <a:pPr marL="457200" indent="-457200">
@@ -7919,12 +8004,59 @@
               <a:buChar char="•"/>
             </a:pPr>
             <a:r>
-              <a:rPr lang="en-US" sz="3200" dirty="0">
+              <a:rPr lang="en-US" sz="2800" dirty="0">
                 <a:ea typeface="Calibri"/>
                 <a:cs typeface="Calibri"/>
                 <a:sym typeface="Calibri"/>
               </a:rPr>
-              <a:t>How many standard deviations below the mean?</a:t>
+              <a:t>What are the mean, median and standard deviation for </a:t>
+            </a:r>
+            <a:r>
+              <a:rPr lang="en-US" sz="2800" dirty="0" err="1">
+                <a:ea typeface="Calibri"/>
+                <a:cs typeface="Calibri"/>
+                <a:sym typeface="Calibri"/>
+              </a:rPr>
+              <a:t>LessHS_pct</a:t>
+            </a:r>
+            <a:r>
+              <a:rPr lang="en-US" sz="2800" dirty="0">
+                <a:ea typeface="Calibri"/>
+                <a:cs typeface="Calibri"/>
+                <a:sym typeface="Calibri"/>
+              </a:rPr>
+              <a:t> and </a:t>
+            </a:r>
+            <a:r>
+              <a:rPr lang="en-US" sz="2800" dirty="0" err="1">
+                <a:ea typeface="Calibri"/>
+                <a:cs typeface="Calibri"/>
+                <a:sym typeface="Calibri"/>
+              </a:rPr>
+              <a:t>HS_Grad_pct</a:t>
+            </a:r>
+            <a:r>
+              <a:rPr lang="en-US" sz="2800" dirty="0">
+                <a:ea typeface="Calibri"/>
+                <a:cs typeface="Calibri"/>
+                <a:sym typeface="Calibri"/>
+              </a:rPr>
+              <a:t> nationally?</a:t>
+            </a:r>
+          </a:p>
+          <a:p>
+            <a:pPr marL="914400" lvl="1" indent="-457200">
+              <a:buSzPct val="100000"/>
+              <a:buFont typeface="Arial" panose="020B0604020202020204" pitchFamily="34" charset="0"/>
+              <a:buChar char="•"/>
+            </a:pPr>
+            <a:r>
+              <a:rPr lang="en-US" sz="2800" dirty="0">
+                <a:ea typeface="Calibri"/>
+                <a:cs typeface="Calibri"/>
+                <a:sym typeface="Calibri"/>
+              </a:rPr>
+              <a:t>=AVERAGE, =MEDIAN,=STDEV</a:t>
             </a:r>
           </a:p>
           <a:p>
@@ -7934,83 +8066,82 @@
               <a:buChar char="•"/>
             </a:pPr>
             <a:r>
-              <a:rPr lang="en-US" sz="3200" dirty="0">
+              <a:rPr lang="en-US" sz="2800" dirty="0">
                 <a:ea typeface="Calibri"/>
                 <a:cs typeface="Calibri"/>
                 <a:sym typeface="Calibri"/>
               </a:rPr>
-              <a:t>What percentile of all counties?</a:t>
-            </a:r>
-          </a:p>
-        </p:txBody>
-      </p:sp>
-      <p:sp>
-        <p:nvSpPr>
-          <p:cNvPr id="6" name="Rectangle 5">
-            <a:extLst>
-              <a:ext uri="{FF2B5EF4-FFF2-40B4-BE49-F238E27FC236}">
-                <a16:creationId xmlns:a16="http://schemas.microsoft.com/office/drawing/2014/main" id="{9189733B-B71E-46A0-A649-8453899A5259}"/>
-              </a:ext>
-            </a:extLst>
-          </p:cNvPr>
-          <p:cNvSpPr/>
-          <p:nvPr/>
-        </p:nvSpPr>
-        <p:spPr>
-          <a:xfrm>
-            <a:off x="827869" y="2806551"/>
-            <a:ext cx="10614713" cy="2062103"/>
-          </a:xfrm>
-          <a:prstGeom prst="rect">
-            <a:avLst/>
-          </a:prstGeom>
-        </p:spPr>
-        <p:txBody>
-          <a:bodyPr wrap="square">
-            <a:spAutoFit/>
-          </a:bodyPr>
-          <a:lstStyle/>
-          <a:p>
-            <a:pPr>
-              <a:buSzPct val="25000"/>
-            </a:pPr>
-            <a:r>
-              <a:rPr lang="en-US" sz="3200" dirty="0">
+              <a:t>What values determines the 25</a:t>
+            </a:r>
+            <a:r>
+              <a:rPr lang="en-US" sz="2800" baseline="30000" dirty="0">
                 <a:ea typeface="Calibri"/>
                 <a:cs typeface="Calibri"/>
                 <a:sym typeface="Calibri"/>
               </a:rPr>
-              <a:t>Based off the research/Absolute measure</a:t>
-            </a:r>
-          </a:p>
-          <a:p>
-            <a:pPr marL="457200" indent="-457200">
+              <a:t>th</a:t>
+            </a:r>
+            <a:r>
+              <a:rPr lang="en-US" sz="2800" dirty="0">
+                <a:ea typeface="Calibri"/>
+                <a:cs typeface="Calibri"/>
+                <a:sym typeface="Calibri"/>
+              </a:rPr>
+              <a:t> and 75</a:t>
+            </a:r>
+            <a:r>
+              <a:rPr lang="en-US" sz="2800" baseline="30000" dirty="0">
+                <a:ea typeface="Calibri"/>
+                <a:cs typeface="Calibri"/>
+                <a:sym typeface="Calibri"/>
+              </a:rPr>
+              <a:t>th</a:t>
+            </a:r>
+            <a:r>
+              <a:rPr lang="en-US" sz="2800" dirty="0">
+                <a:ea typeface="Calibri"/>
+                <a:cs typeface="Calibri"/>
+                <a:sym typeface="Calibri"/>
+              </a:rPr>
+              <a:t> percentile for each of these values?</a:t>
+            </a:r>
+          </a:p>
+          <a:p>
+            <a:pPr marL="914400" lvl="1" indent="-457200">
               <a:buSzPct val="100000"/>
               <a:buFont typeface="Arial" panose="020B0604020202020204" pitchFamily="34" charset="0"/>
               <a:buChar char="•"/>
             </a:pPr>
             <a:r>
-              <a:rPr lang="en-US" sz="3200" dirty="0">
+              <a:rPr lang="en-US" sz="2800" dirty="0">
                 <a:ea typeface="Calibri"/>
                 <a:cs typeface="Calibri"/>
                 <a:sym typeface="Calibri"/>
               </a:rPr>
-              <a:t>What’s the average of a larger area (e.g., national/international)?</a:t>
-            </a:r>
-          </a:p>
-          <a:p>
-            <a:pPr marL="457200" indent="-457200">
-              <a:buSzPct val="100000"/>
-              <a:buFont typeface="Arial" panose="020B0604020202020204" pitchFamily="34" charset="0"/>
-              <a:buChar char="•"/>
+              <a:t>=QUARTILE(range,1) and =QUARTILE(range,3)</a:t>
+            </a:r>
+          </a:p>
+          <a:p>
+            <a:pPr>
+              <a:buSzPct val="25000"/>
             </a:pPr>
-            <a:r>
-              <a:rPr lang="en-US" sz="3200" dirty="0">
+            <a:endParaRPr lang="en-US" sz="2800" dirty="0">
+              <a:ea typeface="Calibri"/>
+              <a:cs typeface="Calibri"/>
+              <a:sym typeface="Calibri"/>
+            </a:endParaRPr>
+          </a:p>
+          <a:p>
+            <a:pPr>
+              <a:buSzPct val="25000"/>
+            </a:pPr>
+            <a:r>
+              <a:rPr lang="en-US" sz="2800" dirty="0">
                 <a:ea typeface="Calibri"/>
                 <a:cs typeface="Calibri"/>
                 <a:sym typeface="Calibri"/>
               </a:rPr>
-              <a:t>What has been used by other researchers?</a:t>
+              <a:t>Which are the better measures of central tendency/ distribution?</a:t>
             </a:r>
           </a:p>
         </p:txBody>
@@ -8018,7 +8149,7 @@
     </p:spTree>
     <p:extLst>
       <p:ext uri="{BB962C8B-B14F-4D97-AF65-F5344CB8AC3E}">
-        <p14:creationId xmlns:p14="http://schemas.microsoft.com/office/powerpoint/2010/main" val="2724203357"/>
+        <p14:creationId xmlns:p14="http://schemas.microsoft.com/office/powerpoint/2010/main" val="133495747"/>
       </p:ext>
     </p:extLst>
   </p:cSld>
@@ -8111,7 +8242,7 @@
         <p:spPr>
           <a:xfrm>
             <a:off x="580041" y="856357"/>
-            <a:ext cx="10802957" cy="4832092"/>
+            <a:ext cx="10802957" cy="3108543"/>
           </a:xfrm>
           <a:prstGeom prst="rect">
             <a:avLst/>
@@ -8132,7 +8263,23 @@
                 <a:cs typeface="Calibri"/>
                 <a:sym typeface="Calibri"/>
               </a:rPr>
-              <a:t>Open the county census data CSV spreadsheet in Excel/Google Sheets</a:t>
+              <a:t>How many counties in Georgia are above the 75</a:t>
+            </a:r>
+            <a:r>
+              <a:rPr lang="en-US" sz="2800" baseline="30000" dirty="0">
+                <a:ea typeface="Calibri"/>
+                <a:cs typeface="Calibri"/>
+                <a:sym typeface="Calibri"/>
+              </a:rPr>
+              <a:t>th</a:t>
+            </a:r>
+            <a:r>
+              <a:rPr lang="en-US" sz="2800" dirty="0">
+                <a:ea typeface="Calibri"/>
+                <a:cs typeface="Calibri"/>
+                <a:sym typeface="Calibri"/>
+              </a:rPr>
+              <a:t> percentile for each of these variables?</a:t>
             </a:r>
           </a:p>
           <a:p>
@@ -8146,10 +8293,8 @@
             </a:endParaRPr>
           </a:p>
           <a:p>
-            <a:pPr marL="457200" indent="-457200">
-              <a:buSzPct val="100000"/>
-              <a:buFont typeface="Arial" panose="020B0604020202020204" pitchFamily="34" charset="0"/>
-              <a:buChar char="•"/>
+            <a:pPr>
+              <a:buSzPct val="25000"/>
             </a:pPr>
             <a:r>
               <a:rPr lang="en-US" sz="2800" dirty="0">
@@ -8157,300 +8302,7 @@
                 <a:cs typeface="Calibri"/>
                 <a:sym typeface="Calibri"/>
               </a:rPr>
-              <a:t>What are the mean, median and standard deviation for </a:t>
-            </a:r>
-            <a:r>
-              <a:rPr lang="en-US" sz="2800" dirty="0" err="1">
-                <a:ea typeface="Calibri"/>
-                <a:cs typeface="Calibri"/>
-                <a:sym typeface="Calibri"/>
-              </a:rPr>
-              <a:t>LessHS_pct</a:t>
-            </a:r>
-            <a:r>
-              <a:rPr lang="en-US" sz="2800" dirty="0">
-                <a:ea typeface="Calibri"/>
-                <a:cs typeface="Calibri"/>
-                <a:sym typeface="Calibri"/>
-              </a:rPr>
-              <a:t> and </a:t>
-            </a:r>
-            <a:r>
-              <a:rPr lang="en-US" sz="2800" dirty="0" err="1">
-                <a:ea typeface="Calibri"/>
-                <a:cs typeface="Calibri"/>
-                <a:sym typeface="Calibri"/>
-              </a:rPr>
-              <a:t>HS_Grad_pct</a:t>
-            </a:r>
-            <a:r>
-              <a:rPr lang="en-US" sz="2800" dirty="0">
-                <a:ea typeface="Calibri"/>
-                <a:cs typeface="Calibri"/>
-                <a:sym typeface="Calibri"/>
-              </a:rPr>
-              <a:t> nationally?</a:t>
-            </a:r>
-          </a:p>
-          <a:p>
-            <a:pPr marL="914400" lvl="1" indent="-457200">
-              <a:buSzPct val="100000"/>
-              <a:buFont typeface="Arial" panose="020B0604020202020204" pitchFamily="34" charset="0"/>
-              <a:buChar char="•"/>
-            </a:pPr>
-            <a:r>
-              <a:rPr lang="en-US" sz="2800" dirty="0">
-                <a:ea typeface="Calibri"/>
-                <a:cs typeface="Calibri"/>
-                <a:sym typeface="Calibri"/>
-              </a:rPr>
-              <a:t>=AVERAGE, =MEDIAN,=STDEV</a:t>
-            </a:r>
-          </a:p>
-          <a:p>
-            <a:pPr marL="457200" indent="-457200">
-              <a:buSzPct val="100000"/>
-              <a:buFont typeface="Arial" panose="020B0604020202020204" pitchFamily="34" charset="0"/>
-              <a:buChar char="•"/>
-            </a:pPr>
-            <a:r>
-              <a:rPr lang="en-US" sz="2800" dirty="0">
-                <a:ea typeface="Calibri"/>
-                <a:cs typeface="Calibri"/>
-                <a:sym typeface="Calibri"/>
-              </a:rPr>
-              <a:t>What values determines the 25</a:t>
-            </a:r>
-            <a:r>
-              <a:rPr lang="en-US" sz="2800" baseline="30000" dirty="0">
-                <a:ea typeface="Calibri"/>
-                <a:cs typeface="Calibri"/>
-                <a:sym typeface="Calibri"/>
-              </a:rPr>
-              <a:t>th</a:t>
-            </a:r>
-            <a:r>
-              <a:rPr lang="en-US" sz="2800" dirty="0">
-                <a:ea typeface="Calibri"/>
-                <a:cs typeface="Calibri"/>
-                <a:sym typeface="Calibri"/>
-              </a:rPr>
-              <a:t> and 75</a:t>
-            </a:r>
-            <a:r>
-              <a:rPr lang="en-US" sz="2800" baseline="30000" dirty="0">
-                <a:ea typeface="Calibri"/>
-                <a:cs typeface="Calibri"/>
-                <a:sym typeface="Calibri"/>
-              </a:rPr>
-              <a:t>th</a:t>
-            </a:r>
-            <a:r>
-              <a:rPr lang="en-US" sz="2800" dirty="0">
-                <a:ea typeface="Calibri"/>
-                <a:cs typeface="Calibri"/>
-                <a:sym typeface="Calibri"/>
-              </a:rPr>
-              <a:t> percentile for each of these values?</a:t>
-            </a:r>
-          </a:p>
-          <a:p>
-            <a:pPr marL="914400" lvl="1" indent="-457200">
-              <a:buSzPct val="100000"/>
-              <a:buFont typeface="Arial" panose="020B0604020202020204" pitchFamily="34" charset="0"/>
-              <a:buChar char="•"/>
-            </a:pPr>
-            <a:r>
-              <a:rPr lang="en-US" sz="2800" dirty="0">
-                <a:ea typeface="Calibri"/>
-                <a:cs typeface="Calibri"/>
-                <a:sym typeface="Calibri"/>
-              </a:rPr>
-              <a:t>=QUARTILE(range,1) and =QUARTILE(range,3)</a:t>
-            </a:r>
-          </a:p>
-          <a:p>
-            <a:pPr>
-              <a:buSzPct val="25000"/>
-            </a:pPr>
-            <a:endParaRPr lang="en-US" sz="2800" dirty="0">
-              <a:ea typeface="Calibri"/>
-              <a:cs typeface="Calibri"/>
-              <a:sym typeface="Calibri"/>
-            </a:endParaRPr>
-          </a:p>
-          <a:p>
-            <a:pPr>
-              <a:buSzPct val="25000"/>
-            </a:pPr>
-            <a:r>
-              <a:rPr lang="en-US" sz="2800" dirty="0">
-                <a:ea typeface="Calibri"/>
-                <a:cs typeface="Calibri"/>
-                <a:sym typeface="Calibri"/>
-              </a:rPr>
-              <a:t>Which are the better measures of central tendency/ distribution?</a:t>
-            </a:r>
-          </a:p>
-        </p:txBody>
-      </p:sp>
-    </p:spTree>
-    <p:extLst>
-      <p:ext uri="{BB962C8B-B14F-4D97-AF65-F5344CB8AC3E}">
-        <p14:creationId xmlns:p14="http://schemas.microsoft.com/office/powerpoint/2010/main" val="133495747"/>
-      </p:ext>
-    </p:extLst>
-  </p:cSld>
-  <p:clrMapOvr>
-    <a:masterClrMapping/>
-  </p:clrMapOvr>
-</p:sld>
-</file>
-
-<file path=ppt/slides/slide13.xml><?xml version="1.0" encoding="utf-8"?>
-<p:sld xmlns:a="http://schemas.openxmlformats.org/drawingml/2006/main" xmlns:r="http://schemas.openxmlformats.org/officeDocument/2006/relationships" xmlns:p="http://schemas.openxmlformats.org/presentationml/2006/main">
-  <p:cSld>
-    <p:spTree>
-      <p:nvGrpSpPr>
-        <p:cNvPr id="1" name="Shape 118"/>
-        <p:cNvGrpSpPr/>
-        <p:nvPr/>
-      </p:nvGrpSpPr>
-      <p:grpSpPr>
-        <a:xfrm>
-          <a:off x="0" y="0"/>
-          <a:ext cx="0" cy="0"/>
-          <a:chOff x="0" y="0"/>
-          <a:chExt cx="0" cy="0"/>
-        </a:xfrm>
-      </p:grpSpPr>
-      <p:sp>
-        <p:nvSpPr>
-          <p:cNvPr id="11" name="Shape 120">
-            <a:extLst>
-              <a:ext uri="{FF2B5EF4-FFF2-40B4-BE49-F238E27FC236}">
-                <a16:creationId xmlns:a16="http://schemas.microsoft.com/office/drawing/2014/main" id="{40EC573B-C7E2-4CA8-8C16-EB7E1E421CDE}"/>
-              </a:ext>
-            </a:extLst>
-          </p:cNvPr>
-          <p:cNvSpPr txBox="1"/>
-          <p:nvPr/>
-        </p:nvSpPr>
-        <p:spPr>
-          <a:xfrm>
-            <a:off x="307652" y="164839"/>
-            <a:ext cx="9255798" cy="707886"/>
-          </a:xfrm>
-          <a:prstGeom prst="rect">
-            <a:avLst/>
-          </a:prstGeom>
-          <a:noFill/>
-          <a:ln>
-            <a:noFill/>
-          </a:ln>
-        </p:spPr>
-        <p:txBody>
-          <a:bodyPr lIns="91425" tIns="45700" rIns="91425" bIns="45700" anchor="t" anchorCtr="0">
-            <a:noAutofit/>
-          </a:bodyPr>
-          <a:lstStyle/>
-          <a:p>
-            <a:pPr>
-              <a:buSzPct val="25000"/>
-            </a:pPr>
-            <a:r>
-              <a:rPr lang="en-US" sz="4000" b="1" dirty="0">
-                <a:solidFill>
-                  <a:schemeClr val="tx1">
-                    <a:lumMod val="85000"/>
-                    <a:lumOff val="15000"/>
-                  </a:schemeClr>
-                </a:solidFill>
-                <a:ea typeface="Calibri"/>
-                <a:cs typeface="Calibri"/>
-                <a:sym typeface="Calibri"/>
-              </a:rPr>
-              <a:t>You try it!</a:t>
-            </a:r>
-          </a:p>
-        </p:txBody>
-      </p:sp>
-      <p:sp>
-        <p:nvSpPr>
-          <p:cNvPr id="3" name="Rectangle 2">
-            <a:extLst>
-              <a:ext uri="{FF2B5EF4-FFF2-40B4-BE49-F238E27FC236}">
-                <a16:creationId xmlns:a16="http://schemas.microsoft.com/office/drawing/2014/main" id="{C0B0F76B-2B24-44D4-9139-AE2D920659AB}"/>
-              </a:ext>
-            </a:extLst>
-          </p:cNvPr>
-          <p:cNvSpPr/>
-          <p:nvPr/>
-        </p:nvSpPr>
-        <p:spPr>
-          <a:xfrm>
-            <a:off x="580041" y="856357"/>
-            <a:ext cx="10802957" cy="3108543"/>
-          </a:xfrm>
-          <a:prstGeom prst="rect">
-            <a:avLst/>
-          </a:prstGeom>
-        </p:spPr>
-        <p:txBody>
-          <a:bodyPr wrap="square">
-            <a:spAutoFit/>
-          </a:bodyPr>
-          <a:lstStyle/>
-          <a:p>
-            <a:pPr>
-              <a:buSzPct val="25000"/>
-            </a:pPr>
-            <a:r>
-              <a:rPr lang="en-US" sz="2800" dirty="0">
-                <a:ea typeface="Calibri"/>
-                <a:cs typeface="Calibri"/>
-                <a:sym typeface="Calibri"/>
-              </a:rPr>
-              <a:t>How many counties in Georgia fall below the 25</a:t>
-            </a:r>
-            <a:r>
-              <a:rPr lang="en-US" sz="2800" baseline="30000" dirty="0">
-                <a:ea typeface="Calibri"/>
-                <a:cs typeface="Calibri"/>
-                <a:sym typeface="Calibri"/>
-              </a:rPr>
-              <a:t>th</a:t>
-            </a:r>
-            <a:r>
-              <a:rPr lang="en-US" sz="2800" dirty="0">
-                <a:ea typeface="Calibri"/>
-                <a:cs typeface="Calibri"/>
-                <a:sym typeface="Calibri"/>
-              </a:rPr>
-              <a:t> percentile for each of these variables?</a:t>
-            </a:r>
-          </a:p>
-          <a:p>
-            <a:pPr>
-              <a:buSzPct val="25000"/>
-            </a:pPr>
-            <a:endParaRPr lang="en-US" sz="2800" dirty="0">
-              <a:ea typeface="Calibri"/>
-              <a:cs typeface="Calibri"/>
-              <a:sym typeface="Calibri"/>
-            </a:endParaRPr>
-          </a:p>
-          <a:p>
-            <a:pPr>
-              <a:buSzPct val="25000"/>
-            </a:pPr>
-            <a:r>
-              <a:rPr lang="en-US" sz="2800" dirty="0">
-                <a:ea typeface="Calibri"/>
-                <a:cs typeface="Calibri"/>
-                <a:sym typeface="Calibri"/>
-              </a:rPr>
-              <a:t>How many are two or more standard deviations below the mean?</a:t>
+              <a:t>How many are two or more standard deviations above the mean?</a:t>
             </a:r>
           </a:p>
           <a:p>
@@ -8491,7 +8343,7 @@
 </p:sld>
 </file>
 
-<file path=ppt/slides/slide14.xml><?xml version="1.0" encoding="utf-8"?>
+<file path=ppt/slides/slide13.xml><?xml version="1.0" encoding="utf-8"?>
 <p:sld xmlns:a="http://schemas.openxmlformats.org/drawingml/2006/main" xmlns:r="http://schemas.openxmlformats.org/officeDocument/2006/relationships" xmlns:p="http://schemas.openxmlformats.org/presentationml/2006/main">
   <p:cSld>
     <p:spTree>
@@ -10356,26 +10208,26 @@
           <a:lstStyle/>
           <a:p>
             <a:r>
-              <a:rPr lang="en-US" sz="3600" b="1" dirty="0"/>
+              <a:rPr lang="en-US" sz="3600" dirty="0"/>
               <a:t>What’s a related question we could ask for which </a:t>
             </a:r>
             <a:r>
-              <a:rPr lang="en-US" sz="3600" b="1" i="1" u="sng" dirty="0"/>
+              <a:rPr lang="en-US" sz="3600" i="1" u="sng" dirty="0"/>
               <a:t>mode </a:t>
             </a:r>
             <a:r>
-              <a:rPr lang="en-US" sz="3600" b="1" dirty="0"/>
+              <a:rPr lang="en-US" sz="3600" dirty="0"/>
               <a:t>would be the appropriate measure of central </a:t>
             </a:r>
             <a:r>
-              <a:rPr lang="en-US" sz="3600" b="1" dirty="0" err="1"/>
+              <a:rPr lang="en-US" sz="3600" dirty="0" err="1"/>
               <a:t>tendancy</a:t>
             </a:r>
             <a:r>
-              <a:rPr lang="en-US" sz="3600" b="1" dirty="0"/>
+              <a:rPr lang="en-US" sz="3600" dirty="0"/>
               <a:t>?</a:t>
             </a:r>
-            <a:endParaRPr lang="en-US" sz="3600" b="1" i="1" dirty="0"/>
+            <a:endParaRPr lang="en-US" sz="3600" i="1" dirty="0"/>
           </a:p>
         </p:txBody>
       </p:sp>
@@ -10429,264 +10281,6 @@
 </file>
 
 <file path=ppt/slides/slide5.xml><?xml version="1.0" encoding="utf-8"?>
-<p:sld xmlns:a="http://schemas.openxmlformats.org/drawingml/2006/main" xmlns:r="http://schemas.openxmlformats.org/officeDocument/2006/relationships" xmlns:p="http://schemas.openxmlformats.org/presentationml/2006/main">
-  <p:cSld>
-    <p:spTree>
-      <p:nvGrpSpPr>
-        <p:cNvPr id="1" name=""/>
-        <p:cNvGrpSpPr/>
-        <p:nvPr/>
-      </p:nvGrpSpPr>
-      <p:grpSpPr>
-        <a:xfrm>
-          <a:off x="0" y="0"/>
-          <a:ext cx="0" cy="0"/>
-          <a:chOff x="0" y="0"/>
-          <a:chExt cx="0" cy="0"/>
-        </a:xfrm>
-      </p:grpSpPr>
-      <p:sp>
-        <p:nvSpPr>
-          <p:cNvPr id="6" name="TextBox 5">
-            <a:extLst>
-              <a:ext uri="{FF2B5EF4-FFF2-40B4-BE49-F238E27FC236}">
-                <a16:creationId xmlns:a16="http://schemas.microsoft.com/office/drawing/2014/main" id="{712AC8CF-13A3-4593-9053-122027377F90}"/>
-              </a:ext>
-            </a:extLst>
-          </p:cNvPr>
-          <p:cNvSpPr txBox="1"/>
-          <p:nvPr/>
-        </p:nvSpPr>
-        <p:spPr>
-          <a:xfrm>
-            <a:off x="226503" y="167780"/>
-            <a:ext cx="4012637" cy="646331"/>
-          </a:xfrm>
-          <a:prstGeom prst="rect">
-            <a:avLst/>
-          </a:prstGeom>
-          <a:noFill/>
-        </p:spPr>
-        <p:txBody>
-          <a:bodyPr wrap="none" rtlCol="0">
-            <a:spAutoFit/>
-          </a:bodyPr>
-          <a:lstStyle/>
-          <a:p>
-            <a:r>
-              <a:rPr lang="en-US" sz="3600" b="1" dirty="0"/>
-              <a:t>Skewness/kurtosis</a:t>
-            </a:r>
-          </a:p>
-        </p:txBody>
-      </p:sp>
-      <p:sp>
-        <p:nvSpPr>
-          <p:cNvPr id="7" name="Rectangle 6">
-            <a:extLst>
-              <a:ext uri="{FF2B5EF4-FFF2-40B4-BE49-F238E27FC236}">
-                <a16:creationId xmlns:a16="http://schemas.microsoft.com/office/drawing/2014/main" id="{A4B19BFF-48DA-42BF-9128-606189495B83}"/>
-              </a:ext>
-            </a:extLst>
-          </p:cNvPr>
-          <p:cNvSpPr/>
-          <p:nvPr/>
-        </p:nvSpPr>
-        <p:spPr>
-          <a:xfrm>
-            <a:off x="494951" y="1096753"/>
-            <a:ext cx="4764381" cy="3970318"/>
-          </a:xfrm>
-          <a:prstGeom prst="rect">
-            <a:avLst/>
-          </a:prstGeom>
-        </p:spPr>
-        <p:txBody>
-          <a:bodyPr wrap="none">
-            <a:spAutoFit/>
-          </a:bodyPr>
-          <a:lstStyle/>
-          <a:p>
-            <a:r>
-              <a:rPr lang="en-US" sz="2800" dirty="0"/>
-              <a:t>Measures of central tendency:</a:t>
-            </a:r>
-          </a:p>
-          <a:p>
-            <a:pPr marL="457200" indent="-457200">
-              <a:buFont typeface="Arial" panose="020B0604020202020204" pitchFamily="34" charset="0"/>
-              <a:buChar char="•"/>
-            </a:pPr>
-            <a:r>
-              <a:rPr lang="en-US" sz="2800" dirty="0"/>
-              <a:t>Mean</a:t>
-            </a:r>
-          </a:p>
-          <a:p>
-            <a:pPr marL="457200" indent="-457200">
-              <a:buFont typeface="Arial" panose="020B0604020202020204" pitchFamily="34" charset="0"/>
-              <a:buChar char="•"/>
-            </a:pPr>
-            <a:r>
-              <a:rPr lang="en-US" sz="2800" dirty="0"/>
-              <a:t>Median</a:t>
-            </a:r>
-          </a:p>
-          <a:p>
-            <a:pPr marL="457200" indent="-457200">
-              <a:buFont typeface="Arial" panose="020B0604020202020204" pitchFamily="34" charset="0"/>
-              <a:buChar char="•"/>
-            </a:pPr>
-            <a:r>
-              <a:rPr lang="en-US" sz="2800" dirty="0"/>
-              <a:t>Mode</a:t>
-            </a:r>
-          </a:p>
-          <a:p>
-            <a:pPr marL="457200" indent="-457200">
-              <a:buFont typeface="Arial" panose="020B0604020202020204" pitchFamily="34" charset="0"/>
-              <a:buChar char="•"/>
-            </a:pPr>
-            <a:endParaRPr lang="en-US" sz="2800" dirty="0"/>
-          </a:p>
-          <a:p>
-            <a:r>
-              <a:rPr lang="en-US" sz="2800" dirty="0"/>
-              <a:t>Measures of distribution:</a:t>
-            </a:r>
-          </a:p>
-          <a:p>
-            <a:pPr marL="457200" indent="-457200">
-              <a:buFont typeface="Arial" panose="020B0604020202020204" pitchFamily="34" charset="0"/>
-              <a:buChar char="•"/>
-            </a:pPr>
-            <a:r>
-              <a:rPr lang="en-US" sz="2800" dirty="0"/>
-              <a:t>Standard deviation</a:t>
-            </a:r>
-          </a:p>
-          <a:p>
-            <a:pPr marL="457200" indent="-457200">
-              <a:buFont typeface="Arial" panose="020B0604020202020204" pitchFamily="34" charset="0"/>
-              <a:buChar char="•"/>
-            </a:pPr>
-            <a:r>
-              <a:rPr lang="en-US" sz="2800" dirty="0"/>
-              <a:t>Interquartile range (IQR)</a:t>
-            </a:r>
-          </a:p>
-          <a:p>
-            <a:pPr marL="457200" indent="-457200">
-              <a:buFont typeface="Arial" panose="020B0604020202020204" pitchFamily="34" charset="0"/>
-              <a:buChar char="•"/>
-            </a:pPr>
-            <a:r>
-              <a:rPr lang="en-US" sz="2800" dirty="0"/>
-              <a:t>Coefficient of variation</a:t>
-            </a:r>
-          </a:p>
-        </p:txBody>
-      </p:sp>
-    </p:spTree>
-    <p:extLst>
-      <p:ext uri="{BB962C8B-B14F-4D97-AF65-F5344CB8AC3E}">
-        <p14:creationId xmlns:p14="http://schemas.microsoft.com/office/powerpoint/2010/main" val="3033020582"/>
-      </p:ext>
-    </p:extLst>
-  </p:cSld>
-  <p:clrMapOvr>
-    <a:masterClrMapping/>
-  </p:clrMapOvr>
-  <p:timing>
-    <p:tnLst>
-      <p:par>
-        <p:cTn id="1" dur="indefinite" restart="never" nodeType="tmRoot">
-          <p:childTnLst>
-            <p:seq concurrent="1" nextAc="seek">
-              <p:cTn id="2" dur="indefinite" nodeType="mainSeq">
-                <p:childTnLst>
-                  <p:par>
-                    <p:cTn id="3" fill="hold">
-                      <p:stCondLst>
-                        <p:cond delay="indefinite"/>
-                      </p:stCondLst>
-                      <p:childTnLst>
-                        <p:par>
-                          <p:cTn id="4" fill="hold">
-                            <p:stCondLst>
-                              <p:cond delay="0"/>
-                            </p:stCondLst>
-                            <p:childTnLst>
-                              <p:par>
-                                <p:cTn id="5" presetID="10" presetClass="entr" presetSubtype="0" fill="hold" grpId="0" nodeType="clickEffect">
-                                  <p:stCondLst>
-                                    <p:cond delay="0"/>
-                                  </p:stCondLst>
-                                  <p:childTnLst>
-                                    <p:set>
-                                      <p:cBhvr>
-                                        <p:cTn id="6" dur="1" fill="hold">
-                                          <p:stCondLst>
-                                            <p:cond delay="0"/>
-                                          </p:stCondLst>
-                                        </p:cTn>
-                                        <p:tgtEl>
-                                          <p:spTgt spid="7"/>
-                                        </p:tgtEl>
-                                        <p:attrNameLst>
-                                          <p:attrName>style.visibility</p:attrName>
-                                        </p:attrNameLst>
-                                      </p:cBhvr>
-                                      <p:to>
-                                        <p:strVal val="visible"/>
-                                      </p:to>
-                                    </p:set>
-                                    <p:animEffect transition="in" filter="fade">
-                                      <p:cBhvr>
-                                        <p:cTn id="7" dur="500"/>
-                                        <p:tgtEl>
-                                          <p:spTgt spid="7"/>
-                                        </p:tgtEl>
-                                      </p:cBhvr>
-                                    </p:animEffect>
-                                  </p:childTnLst>
-                                </p:cTn>
-                              </p:par>
-                            </p:childTnLst>
-                          </p:cTn>
-                        </p:par>
-                      </p:childTnLst>
-                    </p:cTn>
-                  </p:par>
-                </p:childTnLst>
-              </p:cTn>
-              <p:prevCondLst>
-                <p:cond evt="onPrev" delay="0">
-                  <p:tgtEl>
-                    <p:sldTgt/>
-                  </p:tgtEl>
-                </p:cond>
-              </p:prevCondLst>
-              <p:nextCondLst>
-                <p:cond evt="onNext" delay="0">
-                  <p:tgtEl>
-                    <p:sldTgt/>
-                  </p:tgtEl>
-                </p:cond>
-              </p:nextCondLst>
-            </p:seq>
-          </p:childTnLst>
-        </p:cTn>
-      </p:par>
-    </p:tnLst>
-    <p:bldLst>
-      <p:bldP spid="7" grpId="0"/>
-    </p:bldLst>
-  </p:timing>
-</p:sld>
-</file>
-
-<file path=ppt/slides/slide6.xml><?xml version="1.0" encoding="utf-8"?>
 <p:sld xmlns:a="http://schemas.openxmlformats.org/drawingml/2006/main" xmlns:r="http://schemas.openxmlformats.org/officeDocument/2006/relationships" xmlns:p="http://schemas.openxmlformats.org/presentationml/2006/main">
   <p:cSld>
     <p:spTree>
@@ -11248,7 +10842,7 @@
 </p:sld>
 </file>
 
-<file path=ppt/slides/slide7.xml><?xml version="1.0" encoding="utf-8"?>
+<file path=ppt/slides/slide6.xml><?xml version="1.0" encoding="utf-8"?>
 <p:sld xmlns:a="http://schemas.openxmlformats.org/drawingml/2006/main" xmlns:r="http://schemas.openxmlformats.org/officeDocument/2006/relationships" xmlns:p="http://schemas.openxmlformats.org/presentationml/2006/main">
   <p:cSld>
     <p:spTree>
@@ -11314,8 +10908,8 @@
         </p:nvSpPr>
         <p:spPr>
           <a:xfrm>
-            <a:off x="494951" y="1096753"/>
-            <a:ext cx="9689284" cy="1384995"/>
+            <a:off x="500851" y="707396"/>
+            <a:ext cx="9689284" cy="1815882"/>
           </a:xfrm>
           <a:prstGeom prst="rect">
             <a:avLst/>
@@ -11339,7 +10933,7 @@
             </a:pPr>
             <a:r>
               <a:rPr lang="en-US" sz="2800" dirty="0"/>
-              <a:t>BY HAND: What’s the mean (sum of all rolls/10), median (average of two middle values), and standard deviation?</a:t>
+              <a:t>What’s the mean (sum of all rolls/10), median (average of two middle values), and standard deviation? What’s the IQR?</a:t>
             </a:r>
           </a:p>
         </p:txBody>
@@ -11473,7 +11067,7 @@
 </p:sld>
 </file>
 
-<file path=ppt/slides/slide8.xml><?xml version="1.0" encoding="utf-8"?>
+<file path=ppt/slides/slide7.xml><?xml version="1.0" encoding="utf-8"?>
 <p:sld xmlns:a="http://schemas.openxmlformats.org/drawingml/2006/main" xmlns:r="http://schemas.openxmlformats.org/officeDocument/2006/relationships" xmlns:p="http://schemas.openxmlformats.org/presentationml/2006/main">
   <p:cSld>
     <p:spTree>
@@ -11849,7 +11443,7 @@
 </p:sld>
 </file>
 
-<file path=ppt/slides/slide9.xml><?xml version="1.0" encoding="utf-8"?>
+<file path=ppt/slides/slide8.xml><?xml version="1.0" encoding="utf-8"?>
 <p:sld xmlns:a="http://schemas.openxmlformats.org/drawingml/2006/main" xmlns:r="http://schemas.openxmlformats.org/officeDocument/2006/relationships" xmlns:p="http://schemas.openxmlformats.org/presentationml/2006/main">
   <p:cSld>
     <p:spTree>
@@ -12281,6 +11875,156 @@
     <p:extLst>
       <p:ext uri="{BB962C8B-B14F-4D97-AF65-F5344CB8AC3E}">
         <p14:creationId xmlns:p14="http://schemas.microsoft.com/office/powerpoint/2010/main" val="4245633813"/>
+      </p:ext>
+    </p:extLst>
+  </p:cSld>
+  <p:clrMapOvr>
+    <a:masterClrMapping/>
+  </p:clrMapOvr>
+</p:sld>
+</file>
+
+<file path=ppt/slides/slide9.xml><?xml version="1.0" encoding="utf-8"?>
+<p:sld xmlns:a="http://schemas.openxmlformats.org/drawingml/2006/main" xmlns:r="http://schemas.openxmlformats.org/officeDocument/2006/relationships" xmlns:p="http://schemas.openxmlformats.org/presentationml/2006/main">
+  <p:cSld>
+    <p:spTree>
+      <p:nvGrpSpPr>
+        <p:cNvPr id="1" name="Shape 118"/>
+        <p:cNvGrpSpPr/>
+        <p:nvPr/>
+      </p:nvGrpSpPr>
+      <p:grpSpPr>
+        <a:xfrm>
+          <a:off x="0" y="0"/>
+          <a:ext cx="0" cy="0"/>
+          <a:chOff x="0" y="0"/>
+          <a:chExt cx="0" cy="0"/>
+        </a:xfrm>
+      </p:grpSpPr>
+      <p:sp>
+        <p:nvSpPr>
+          <p:cNvPr id="11" name="Shape 120">
+            <a:extLst>
+              <a:ext uri="{FF2B5EF4-FFF2-40B4-BE49-F238E27FC236}">
+                <a16:creationId xmlns:a16="http://schemas.microsoft.com/office/drawing/2014/main" id="{40EC573B-C7E2-4CA8-8C16-EB7E1E421CDE}"/>
+              </a:ext>
+            </a:extLst>
+          </p:cNvPr>
+          <p:cNvSpPr txBox="1"/>
+          <p:nvPr/>
+        </p:nvSpPr>
+        <p:spPr>
+          <a:xfrm>
+            <a:off x="307652" y="164839"/>
+            <a:ext cx="9255798" cy="707886"/>
+          </a:xfrm>
+          <a:prstGeom prst="rect">
+            <a:avLst/>
+          </a:prstGeom>
+          <a:noFill/>
+          <a:ln>
+            <a:noFill/>
+          </a:ln>
+        </p:spPr>
+        <p:txBody>
+          <a:bodyPr lIns="91425" tIns="45700" rIns="91425" bIns="45700" anchor="t" anchorCtr="0">
+            <a:noAutofit/>
+          </a:bodyPr>
+          <a:lstStyle/>
+          <a:p>
+            <a:pPr>
+              <a:buSzPct val="25000"/>
+            </a:pPr>
+            <a:r>
+              <a:rPr lang="en-US" sz="4000" b="1" dirty="0" err="1">
+                <a:solidFill>
+                  <a:schemeClr val="tx1">
+                    <a:lumMod val="85000"/>
+                    <a:lumOff val="15000"/>
+                  </a:schemeClr>
+                </a:solidFill>
+                <a:ea typeface="Calibri"/>
+                <a:cs typeface="Calibri"/>
+                <a:sym typeface="Calibri"/>
+              </a:rPr>
+              <a:t>Desriptive</a:t>
+            </a:r>
+            <a:r>
+              <a:rPr lang="en-US" sz="4000" b="1" dirty="0">
+                <a:solidFill>
+                  <a:schemeClr val="tx1">
+                    <a:lumMod val="85000"/>
+                    <a:lumOff val="15000"/>
+                  </a:schemeClr>
+                </a:solidFill>
+                <a:ea typeface="Calibri"/>
+                <a:cs typeface="Calibri"/>
+                <a:sym typeface="Calibri"/>
+              </a:rPr>
+              <a:t> states in action: </a:t>
+            </a:r>
+          </a:p>
+          <a:p>
+            <a:pPr>
+              <a:buSzPct val="25000"/>
+            </a:pPr>
+            <a:r>
+              <a:rPr lang="en-US" sz="4000" b="1" dirty="0">
+                <a:solidFill>
+                  <a:schemeClr val="tx1">
+                    <a:lumMod val="85000"/>
+                    <a:lumOff val="15000"/>
+                  </a:schemeClr>
+                </a:solidFill>
+                <a:ea typeface="Calibri"/>
+                <a:cs typeface="Calibri"/>
+                <a:sym typeface="Calibri"/>
+              </a:rPr>
+              <a:t>What’s a “low education county?”</a:t>
+            </a:r>
+          </a:p>
+        </p:txBody>
+      </p:sp>
+      <p:pic>
+        <p:nvPicPr>
+          <p:cNvPr id="12" name="Picture 11">
+            <a:extLst>
+              <a:ext uri="{FF2B5EF4-FFF2-40B4-BE49-F238E27FC236}">
+                <a16:creationId xmlns:a16="http://schemas.microsoft.com/office/drawing/2014/main" id="{812E53A6-75E8-4F9C-9A43-E95352BBD50A}"/>
+              </a:ext>
+            </a:extLst>
+          </p:cNvPr>
+          <p:cNvPicPr>
+            <a:picLocks noChangeAspect="1"/>
+          </p:cNvPicPr>
+          <p:nvPr/>
+        </p:nvPicPr>
+        <p:blipFill>
+          <a:blip r:embed="rId3">
+            <a:extLst>
+              <a:ext uri="{28A0092B-C50C-407E-A947-70E740481C1C}">
+                <a14:useLocalDpi xmlns:a14="http://schemas.microsoft.com/office/drawing/2010/main" val="0"/>
+              </a:ext>
+            </a:extLst>
+          </a:blip>
+          <a:stretch>
+            <a:fillRect/>
+          </a:stretch>
+        </p:blipFill>
+        <p:spPr>
+          <a:xfrm>
+            <a:off x="2825790" y="1674535"/>
+            <a:ext cx="7852271" cy="5018625"/>
+          </a:xfrm>
+          <a:prstGeom prst="rect">
+            <a:avLst/>
+          </a:prstGeom>
+        </p:spPr>
+      </p:pic>
+    </p:spTree>
+    <p:extLst>
+      <p:ext uri="{BB962C8B-B14F-4D97-AF65-F5344CB8AC3E}">
+        <p14:creationId xmlns:p14="http://schemas.microsoft.com/office/powerpoint/2010/main" val="771564063"/>
       </p:ext>
     </p:extLst>
   </p:cSld>

--- a/in_class_slides/geog4300_W03-1 Classification and descriptive stats.pptx
+++ b/in_class_slides/geog4300_W03-1 Classification and descriptive stats.pptx
@@ -12,7 +12,7 @@
     <p:sldId id="257" r:id="rId3"/>
     <p:sldId id="289" r:id="rId4"/>
     <p:sldId id="290" r:id="rId5"/>
-    <p:sldId id="283" r:id="rId6"/>
+    <p:sldId id="292" r:id="rId6"/>
     <p:sldId id="284" r:id="rId7"/>
     <p:sldId id="285" r:id="rId8"/>
     <p:sldId id="286" r:id="rId9"/>
@@ -680,7 +680,7 @@
                 <a:cs typeface="Calibri"/>
                 <a:sym typeface="Calibri"/>
               </a:rPr>
-              <a:t>9</a:t>
+              <a:t>5</a:t>
             </a:fld>
             <a:endParaRPr lang="en-US" sz="1200">
               <a:solidFill>
@@ -697,7 +697,7 @@
     </p:spTree>
     <p:extLst>
       <p:ext uri="{BB962C8B-B14F-4D97-AF65-F5344CB8AC3E}">
-        <p14:creationId xmlns:p14="http://schemas.microsoft.com/office/powerpoint/2010/main" val="3684996179"/>
+        <p14:creationId xmlns:p14="http://schemas.microsoft.com/office/powerpoint/2010/main" val="1160379156"/>
       </p:ext>
     </p:extLst>
   </p:cSld>
@@ -911,7 +911,7 @@
                 <a:cs typeface="Calibri"/>
                 <a:sym typeface="Calibri"/>
               </a:rPr>
-              <a:t>10</a:t>
+              <a:t>9</a:t>
             </a:fld>
             <a:endParaRPr lang="en-US" sz="1200">
               <a:solidFill>
@@ -928,7 +928,7 @@
     </p:spTree>
     <p:extLst>
       <p:ext uri="{BB962C8B-B14F-4D97-AF65-F5344CB8AC3E}">
-        <p14:creationId xmlns:p14="http://schemas.microsoft.com/office/powerpoint/2010/main" val="3672709778"/>
+        <p14:creationId xmlns:p14="http://schemas.microsoft.com/office/powerpoint/2010/main" val="3684996179"/>
       </p:ext>
     </p:extLst>
   </p:cSld>
@@ -1142,7 +1142,7 @@
                 <a:cs typeface="Calibri"/>
                 <a:sym typeface="Calibri"/>
               </a:rPr>
-              <a:t>11</a:t>
+              <a:t>10</a:t>
             </a:fld>
             <a:endParaRPr lang="en-US" sz="1200">
               <a:solidFill>
@@ -1159,7 +1159,7 @@
     </p:spTree>
     <p:extLst>
       <p:ext uri="{BB962C8B-B14F-4D97-AF65-F5344CB8AC3E}">
-        <p14:creationId xmlns:p14="http://schemas.microsoft.com/office/powerpoint/2010/main" val="4132010899"/>
+        <p14:creationId xmlns:p14="http://schemas.microsoft.com/office/powerpoint/2010/main" val="3672709778"/>
       </p:ext>
     </p:extLst>
   </p:cSld>
@@ -1373,6 +1373,237 @@
                 <a:cs typeface="Calibri"/>
                 <a:sym typeface="Calibri"/>
               </a:rPr>
+              <a:t>11</a:t>
+            </a:fld>
+            <a:endParaRPr lang="en-US" sz="1200">
+              <a:solidFill>
+                <a:schemeClr val="dk1"/>
+              </a:solidFill>
+              <a:latin typeface="Calibri"/>
+              <a:ea typeface="Calibri"/>
+              <a:cs typeface="Calibri"/>
+              <a:sym typeface="Calibri"/>
+            </a:endParaRPr>
+          </a:p>
+        </p:txBody>
+      </p:sp>
+    </p:spTree>
+    <p:extLst>
+      <p:ext uri="{BB962C8B-B14F-4D97-AF65-F5344CB8AC3E}">
+        <p14:creationId xmlns:p14="http://schemas.microsoft.com/office/powerpoint/2010/main" val="4132010899"/>
+      </p:ext>
+    </p:extLst>
+  </p:cSld>
+  <p:clrMapOvr>
+    <a:masterClrMapping/>
+  </p:clrMapOvr>
+</p:notes>
+</file>
+
+<file path=ppt/notesSlides/notesSlide5.xml><?xml version="1.0" encoding="utf-8"?>
+<p:notes xmlns:a="http://schemas.openxmlformats.org/drawingml/2006/main" xmlns:r="http://schemas.openxmlformats.org/officeDocument/2006/relationships" xmlns:p="http://schemas.openxmlformats.org/presentationml/2006/main" showMasterSp="0" showMasterPhAnim="0">
+  <p:cSld>
+    <p:spTree>
+      <p:nvGrpSpPr>
+        <p:cNvPr id="1" name="Shape 114"/>
+        <p:cNvGrpSpPr/>
+        <p:nvPr/>
+      </p:nvGrpSpPr>
+      <p:grpSpPr>
+        <a:xfrm>
+          <a:off x="0" y="0"/>
+          <a:ext cx="0" cy="0"/>
+          <a:chOff x="0" y="0"/>
+          <a:chExt cx="0" cy="0"/>
+        </a:xfrm>
+      </p:grpSpPr>
+      <p:sp>
+        <p:nvSpPr>
+          <p:cNvPr id="115" name="Shape 115"/>
+          <p:cNvSpPr>
+            <a:spLocks noGrp="1" noRot="1" noChangeAspect="1"/>
+          </p:cNvSpPr>
+          <p:nvPr>
+            <p:ph type="sldImg" idx="2"/>
+          </p:nvPr>
+        </p:nvSpPr>
+        <p:spPr>
+          <a:xfrm>
+            <a:off x="381000" y="685800"/>
+            <a:ext cx="6096000" cy="3429000"/>
+          </a:xfrm>
+          <a:custGeom>
+            <a:avLst/>
+            <a:gdLst/>
+            <a:ahLst/>
+            <a:cxnLst/>
+            <a:rect l="0" t="0" r="0" b="0"/>
+            <a:pathLst>
+              <a:path w="120000" h="120000" extrusionOk="0">
+                <a:moveTo>
+                  <a:pt x="0" y="0"/>
+                </a:moveTo>
+                <a:lnTo>
+                  <a:pt x="120000" y="0"/>
+                </a:lnTo>
+                <a:lnTo>
+                  <a:pt x="120000" y="120000"/>
+                </a:lnTo>
+                <a:lnTo>
+                  <a:pt x="0" y="120000"/>
+                </a:lnTo>
+                <a:close/>
+              </a:path>
+            </a:pathLst>
+          </a:custGeom>
+          <a:noFill/>
+          <a:ln w="12700" cap="flat" cmpd="sng">
+            <a:solidFill>
+              <a:srgbClr val="000000"/>
+            </a:solidFill>
+            <a:prstDash val="solid"/>
+            <a:round/>
+            <a:headEnd type="none" w="med" len="med"/>
+            <a:tailEnd type="none" w="med" len="med"/>
+          </a:ln>
+        </p:spPr>
+      </p:sp>
+      <p:sp>
+        <p:nvSpPr>
+          <p:cNvPr id="116" name="Shape 116"/>
+          <p:cNvSpPr txBox="1">
+            <a:spLocks noGrp="1"/>
+          </p:cNvSpPr>
+          <p:nvPr>
+            <p:ph type="body" idx="1"/>
+          </p:nvPr>
+        </p:nvSpPr>
+        <p:spPr>
+          <a:xfrm>
+            <a:off x="685800" y="4343400"/>
+            <a:ext cx="5486399" cy="4114800"/>
+          </a:xfrm>
+          <a:prstGeom prst="rect">
+            <a:avLst/>
+          </a:prstGeom>
+          <a:noFill/>
+          <a:ln>
+            <a:noFill/>
+          </a:ln>
+        </p:spPr>
+        <p:txBody>
+          <a:bodyPr lIns="91425" tIns="45700" rIns="91425" bIns="45700" anchor="t" anchorCtr="0">
+            <a:noAutofit/>
+          </a:bodyPr>
+          <a:lstStyle/>
+          <a:p>
+            <a:pPr marL="0" marR="0" lvl="0" indent="0" algn="l" rtl="0">
+              <a:spcBef>
+                <a:spcPts val="0"/>
+              </a:spcBef>
+              <a:buSzPct val="25000"/>
+              <a:buNone/>
+            </a:pPr>
+            <a:r>
+              <a:rPr lang="en-US" sz="1200" b="0" i="0" u="none" strike="noStrike" cap="none">
+                <a:solidFill>
+                  <a:schemeClr val="dk1"/>
+                </a:solidFill>
+                <a:latin typeface="Calibri"/>
+                <a:ea typeface="Calibri"/>
+                <a:cs typeface="Calibri"/>
+                <a:sym typeface="Calibri"/>
+              </a:rPr>
+              <a:t>Depending your approach, classification methods can paint very different pictures of the same data points.</a:t>
+            </a:r>
+          </a:p>
+          <a:p>
+            <a:pPr marL="0" marR="0" lvl="0" indent="0" algn="l" rtl="0">
+              <a:spcBef>
+                <a:spcPts val="0"/>
+              </a:spcBef>
+              <a:buSzPct val="25000"/>
+              <a:buNone/>
+            </a:pPr>
+            <a:endParaRPr sz="1200" b="0" i="0" u="none" strike="noStrike" cap="none">
+              <a:solidFill>
+                <a:schemeClr val="dk1"/>
+              </a:solidFill>
+              <a:latin typeface="Calibri"/>
+              <a:ea typeface="Calibri"/>
+              <a:cs typeface="Calibri"/>
+              <a:sym typeface="Calibri"/>
+            </a:endParaRPr>
+          </a:p>
+          <a:p>
+            <a:pPr marL="0" marR="0" lvl="0" indent="0" algn="l" rtl="0">
+              <a:spcBef>
+                <a:spcPts val="0"/>
+              </a:spcBef>
+              <a:buSzPct val="25000"/>
+              <a:buNone/>
+            </a:pPr>
+            <a:r>
+              <a:rPr lang="en-US" sz="1200" b="0" i="0" u="none" strike="noStrike" cap="none">
+                <a:solidFill>
+                  <a:schemeClr val="dk1"/>
+                </a:solidFill>
+                <a:latin typeface="Calibri"/>
+                <a:ea typeface="Calibri"/>
+                <a:cs typeface="Calibri"/>
+                <a:sym typeface="Calibri"/>
+              </a:rPr>
+              <a:t>How might we interpret the natural breaks map differently from the quantiles map here?</a:t>
+            </a:r>
+          </a:p>
+        </p:txBody>
+      </p:sp>
+      <p:sp>
+        <p:nvSpPr>
+          <p:cNvPr id="117" name="Shape 117"/>
+          <p:cNvSpPr txBox="1">
+            <a:spLocks noGrp="1"/>
+          </p:cNvSpPr>
+          <p:nvPr>
+            <p:ph type="sldNum" idx="12"/>
+          </p:nvPr>
+        </p:nvSpPr>
+        <p:spPr>
+          <a:xfrm>
+            <a:off x="3884612" y="8685213"/>
+            <a:ext cx="2971799" cy="457200"/>
+          </a:xfrm>
+          <a:prstGeom prst="rect">
+            <a:avLst/>
+          </a:prstGeom>
+          <a:noFill/>
+          <a:ln>
+            <a:noFill/>
+          </a:ln>
+        </p:spPr>
+        <p:txBody>
+          <a:bodyPr lIns="91425" tIns="45700" rIns="91425" bIns="45700" anchor="b" anchorCtr="0">
+            <a:noAutofit/>
+          </a:bodyPr>
+          <a:lstStyle/>
+          <a:p>
+            <a:pPr marL="0" marR="0" lvl="0" indent="0" algn="r" rtl="0">
+              <a:spcBef>
+                <a:spcPts val="0"/>
+              </a:spcBef>
+              <a:buSzPct val="25000"/>
+              <a:buNone/>
+            </a:pPr>
+            <a:fld id="{00000000-1234-1234-1234-123412341234}" type="slidenum">
+              <a:rPr lang="en-US" sz="1200">
+                <a:solidFill>
+                  <a:schemeClr val="dk1"/>
+                </a:solidFill>
+                <a:latin typeface="Calibri"/>
+                <a:ea typeface="Calibri"/>
+                <a:cs typeface="Calibri"/>
+                <a:sym typeface="Calibri"/>
+              </a:rPr>
               <a:t>12</a:t>
             </a:fld>
             <a:endParaRPr lang="en-US" sz="1200">
@@ -1400,7 +1631,7 @@
 </p:notes>
 </file>
 
-<file path=ppt/notesSlides/notesSlide5.xml><?xml version="1.0" encoding="utf-8"?>
+<file path=ppt/notesSlides/notesSlide6.xml><?xml version="1.0" encoding="utf-8"?>
 <p:notes xmlns:a="http://schemas.openxmlformats.org/drawingml/2006/main" xmlns:r="http://schemas.openxmlformats.org/officeDocument/2006/relationships" xmlns:p="http://schemas.openxmlformats.org/presentationml/2006/main" showMasterSp="0" showMasterPhAnim="0">
   <p:cSld>
     <p:spTree>
@@ -7811,7 +8042,7 @@
         <p:spPr>
           <a:xfrm>
             <a:off x="827869" y="2806551"/>
-            <a:ext cx="10614713" cy="2062103"/>
+            <a:ext cx="10614713" cy="2554545"/>
           </a:xfrm>
           <a:prstGeom prst="rect">
             <a:avLst/>
@@ -7862,7 +8093,7 @@
                 <a:cs typeface="Calibri"/>
                 <a:sym typeface="Calibri"/>
               </a:rPr>
-              <a:t>What has been used by other researchers?</a:t>
+              <a:t>What are the recommendations of experts in the field (e.g., Department of Education, past research)?</a:t>
             </a:r>
           </a:p>
         </p:txBody>
@@ -7963,7 +8194,7 @@
         <p:spPr>
           <a:xfrm>
             <a:off x="580041" y="856357"/>
-            <a:ext cx="10802957" cy="4832092"/>
+            <a:ext cx="10802957" cy="6124754"/>
           </a:xfrm>
           <a:prstGeom prst="rect">
             <a:avLst/>
@@ -7984,7 +8215,7 @@
                 <a:cs typeface="Calibri"/>
                 <a:sym typeface="Calibri"/>
               </a:rPr>
-              <a:t>Open the county census data CSV spreadsheet in Excel/Google Sheets</a:t>
+              <a:t>Use the education data you created earlier:</a:t>
             </a:r>
           </a:p>
           <a:p>
@@ -8009,7 +8240,7 @@
                 <a:cs typeface="Calibri"/>
                 <a:sym typeface="Calibri"/>
               </a:rPr>
-              <a:t>What are the mean, median and standard deviation for </a:t>
+              <a:t>Group 1: Identify counties in the top quartile for not completing high school (</a:t>
             </a:r>
             <a:r>
               <a:rPr lang="en-US" sz="2800" dirty="0" err="1">
@@ -8017,7 +8248,38 @@
                 <a:cs typeface="Calibri"/>
                 <a:sym typeface="Calibri"/>
               </a:rPr>
-              <a:t>LessHS_pct</a:t>
+              <a:t>LessHSPct</a:t>
+            </a:r>
+            <a:r>
+              <a:rPr lang="en-US" sz="2800" dirty="0">
+                <a:ea typeface="Calibri"/>
+                <a:cs typeface="Calibri"/>
+                <a:sym typeface="Calibri"/>
+              </a:rPr>
+              <a:t>)</a:t>
+            </a:r>
+          </a:p>
+          <a:p>
+            <a:pPr marL="457200" indent="-457200">
+              <a:buSzPct val="100000"/>
+              <a:buFont typeface="Arial" panose="020B0604020202020204" pitchFamily="34" charset="0"/>
+              <a:buChar char="•"/>
+            </a:pPr>
+            <a:r>
+              <a:rPr lang="en-US" sz="2800" dirty="0">
+                <a:ea typeface="Calibri"/>
+                <a:cs typeface="Calibri"/>
+                <a:sym typeface="Calibri"/>
+              </a:rPr>
+              <a:t>Group 2: Use the </a:t>
+            </a:r>
+            <a:r>
+              <a:rPr lang="en-US" sz="2800" dirty="0" err="1">
+                <a:ea typeface="Calibri"/>
+                <a:cs typeface="Calibri"/>
+                <a:sym typeface="Calibri"/>
+              </a:rPr>
+              <a:t>LessHSPct</a:t>
             </a:r>
             <a:r>
               <a:rPr lang="en-US" sz="2800" dirty="0">
@@ -8033,7 +8295,7 @@
                 <a:cs typeface="Calibri"/>
                 <a:sym typeface="Calibri"/>
               </a:rPr>
-              <a:t>HS_Grad_pct</a:t>
+              <a:t>HSGradPct</a:t>
             </a:r>
             <a:r>
               <a:rPr lang="en-US" sz="2800" dirty="0">
@@ -8041,11 +8303,11 @@
                 <a:cs typeface="Calibri"/>
                 <a:sym typeface="Calibri"/>
               </a:rPr>
-              <a:t> nationally?</a:t>
-            </a:r>
-          </a:p>
-          <a:p>
-            <a:pPr marL="914400" lvl="1" indent="-457200">
+              <a:t> variables. Identify counties in the top quartile for this figure.</a:t>
+            </a:r>
+          </a:p>
+          <a:p>
+            <a:pPr marL="457200" indent="-457200">
               <a:buSzPct val="100000"/>
               <a:buFont typeface="Arial" panose="020B0604020202020204" pitchFamily="34" charset="0"/>
               <a:buChar char="•"/>
@@ -8056,8 +8318,21 @@
                 <a:cs typeface="Calibri"/>
                 <a:sym typeface="Calibri"/>
               </a:rPr>
-              <a:t>=AVERAGE, =MEDIAN,=STDEV</a:t>
-            </a:r>
+              <a:t>Group 3: Identify counties more than 2 standard deviations higher than the mean for </a:t>
+            </a:r>
+            <a:r>
+              <a:rPr lang="en-US" sz="2800" dirty="0" err="1">
+                <a:ea typeface="Calibri"/>
+                <a:cs typeface="Calibri"/>
+                <a:sym typeface="Calibri"/>
+              </a:rPr>
+              <a:t>LessHSPct</a:t>
+            </a:r>
+            <a:endParaRPr lang="en-US" sz="2800" dirty="0">
+              <a:ea typeface="Calibri"/>
+              <a:cs typeface="Calibri"/>
+              <a:sym typeface="Calibri"/>
+            </a:endParaRPr>
           </a:p>
           <a:p>
             <a:pPr marL="457200" indent="-457200">
@@ -8071,7 +8346,70 @@
                 <a:cs typeface="Calibri"/>
                 <a:sym typeface="Calibri"/>
               </a:rPr>
-              <a:t>What values determines the 25</a:t>
+              <a:t>Group 4: Use the </a:t>
+            </a:r>
+            <a:r>
+              <a:rPr lang="en-US" sz="2800" dirty="0" err="1">
+                <a:ea typeface="Calibri"/>
+                <a:cs typeface="Calibri"/>
+                <a:sym typeface="Calibri"/>
+              </a:rPr>
+              <a:t>LessHSPct</a:t>
+            </a:r>
+            <a:r>
+              <a:rPr lang="en-US" sz="2800" dirty="0">
+                <a:ea typeface="Calibri"/>
+                <a:cs typeface="Calibri"/>
+                <a:sym typeface="Calibri"/>
+              </a:rPr>
+              <a:t> and </a:t>
+            </a:r>
+            <a:r>
+              <a:rPr lang="en-US" sz="2800" dirty="0" err="1">
+                <a:ea typeface="Calibri"/>
+                <a:cs typeface="Calibri"/>
+                <a:sym typeface="Calibri"/>
+              </a:rPr>
+              <a:t>HSGradPct</a:t>
+            </a:r>
+            <a:r>
+              <a:rPr lang="en-US" sz="2800" dirty="0">
+                <a:ea typeface="Calibri"/>
+                <a:cs typeface="Calibri"/>
+                <a:sym typeface="Calibri"/>
+              </a:rPr>
+              <a:t> variables. Identify counties more than 2 standard deviations above the mean.</a:t>
+            </a:r>
+          </a:p>
+          <a:p>
+            <a:pPr marL="457200" indent="-457200">
+              <a:buSzPct val="100000"/>
+              <a:buFont typeface="Arial" panose="020B0604020202020204" pitchFamily="34" charset="0"/>
+              <a:buChar char="•"/>
+            </a:pPr>
+            <a:r>
+              <a:rPr lang="en-US" sz="2800" dirty="0">
+                <a:ea typeface="Calibri"/>
+                <a:cs typeface="Calibri"/>
+                <a:sym typeface="Calibri"/>
+              </a:rPr>
+              <a:t>Group 5: Identify upper outliers for the </a:t>
+            </a:r>
+            <a:r>
+              <a:rPr lang="en-US" sz="2800" dirty="0" err="1">
+                <a:ea typeface="Calibri"/>
+                <a:cs typeface="Calibri"/>
+                <a:sym typeface="Calibri"/>
+              </a:rPr>
+              <a:t>LessHSPct</a:t>
+            </a:r>
+            <a:r>
+              <a:rPr lang="en-US" sz="2800" dirty="0">
+                <a:ea typeface="Calibri"/>
+                <a:cs typeface="Calibri"/>
+                <a:sym typeface="Calibri"/>
+              </a:rPr>
+              <a:t> variable. The threshold is the 3</a:t>
             </a:r>
             <a:r>
               <a:rPr lang="en-US" sz="2800" baseline="30000" dirty="0">
@@ -8079,7 +8417,7 @@
                 <a:cs typeface="Calibri"/>
                 <a:sym typeface="Calibri"/>
               </a:rPr>
-              <a:t>th</a:t>
+              <a:t>rd</a:t>
             </a:r>
             <a:r>
               <a:rPr lang="en-US" sz="2800" dirty="0">
@@ -8087,43 +8425,14 @@
                 <a:cs typeface="Calibri"/>
                 <a:sym typeface="Calibri"/>
               </a:rPr>
-              <a:t> and 75</a:t>
-            </a:r>
-            <a:r>
-              <a:rPr lang="en-US" sz="2800" baseline="30000" dirty="0">
-                <a:ea typeface="Calibri"/>
-                <a:cs typeface="Calibri"/>
-                <a:sym typeface="Calibri"/>
-              </a:rPr>
-              <a:t>th</a:t>
-            </a:r>
-            <a:r>
-              <a:rPr lang="en-US" sz="2800" dirty="0">
-                <a:ea typeface="Calibri"/>
-                <a:cs typeface="Calibri"/>
-                <a:sym typeface="Calibri"/>
-              </a:rPr>
-              <a:t> percentile for each of these values?</a:t>
-            </a:r>
-          </a:p>
-          <a:p>
-            <a:pPr marL="914400" lvl="1" indent="-457200">
+              <a:t> quartile value + 1.5 * the IQR </a:t>
+            </a:r>
+          </a:p>
+          <a:p>
+            <a:pPr marL="457200" indent="-457200">
               <a:buSzPct val="100000"/>
               <a:buFont typeface="Arial" panose="020B0604020202020204" pitchFamily="34" charset="0"/>
               <a:buChar char="•"/>
-            </a:pPr>
-            <a:r>
-              <a:rPr lang="en-US" sz="2800" dirty="0">
-                <a:ea typeface="Calibri"/>
-                <a:cs typeface="Calibri"/>
-                <a:sym typeface="Calibri"/>
-              </a:rPr>
-              <a:t>=QUARTILE(range,1) and =QUARTILE(range,3)</a:t>
-            </a:r>
-          </a:p>
-          <a:p>
-            <a:pPr>
-              <a:buSzPct val="25000"/>
             </a:pPr>
             <a:endParaRPr lang="en-US" sz="2800" dirty="0">
               <a:ea typeface="Calibri"/>
@@ -8132,17 +8441,16 @@
             </a:endParaRPr>
           </a:p>
           <a:p>
-            <a:pPr>
-              <a:buSzPct val="25000"/>
+            <a:pPr marL="457200" indent="-457200">
+              <a:buSzPct val="100000"/>
+              <a:buFont typeface="Arial" panose="020B0604020202020204" pitchFamily="34" charset="0"/>
+              <a:buChar char="•"/>
             </a:pPr>
-            <a:r>
-              <a:rPr lang="en-US" sz="2800" dirty="0">
-                <a:ea typeface="Calibri"/>
-                <a:cs typeface="Calibri"/>
-                <a:sym typeface="Calibri"/>
-              </a:rPr>
-              <a:t>Which are the better measures of central tendency/ distribution?</a:t>
-            </a:r>
+            <a:endParaRPr lang="en-US" sz="2800" dirty="0">
+              <a:ea typeface="Calibri"/>
+              <a:cs typeface="Calibri"/>
+              <a:sym typeface="Calibri"/>
+            </a:endParaRPr>
           </a:p>
         </p:txBody>
       </p:sp>
@@ -8242,7 +8550,7 @@
         <p:spPr>
           <a:xfrm>
             <a:off x="580041" y="856357"/>
-            <a:ext cx="10802957" cy="3108543"/>
+            <a:ext cx="10802957" cy="954107"/>
           </a:xfrm>
           <a:prstGeom prst="rect">
             <a:avLst/>
@@ -8253,68 +8561,6 @@
             <a:spAutoFit/>
           </a:bodyPr>
           <a:lstStyle/>
-          <a:p>
-            <a:pPr>
-              <a:buSzPct val="25000"/>
-            </a:pPr>
-            <a:r>
-              <a:rPr lang="en-US" sz="2800" dirty="0">
-                <a:ea typeface="Calibri"/>
-                <a:cs typeface="Calibri"/>
-                <a:sym typeface="Calibri"/>
-              </a:rPr>
-              <a:t>How many counties in Georgia are above the 75</a:t>
-            </a:r>
-            <a:r>
-              <a:rPr lang="en-US" sz="2800" baseline="30000" dirty="0">
-                <a:ea typeface="Calibri"/>
-                <a:cs typeface="Calibri"/>
-                <a:sym typeface="Calibri"/>
-              </a:rPr>
-              <a:t>th</a:t>
-            </a:r>
-            <a:r>
-              <a:rPr lang="en-US" sz="2800" dirty="0">
-                <a:ea typeface="Calibri"/>
-                <a:cs typeface="Calibri"/>
-                <a:sym typeface="Calibri"/>
-              </a:rPr>
-              <a:t> percentile for each of these variables?</a:t>
-            </a:r>
-          </a:p>
-          <a:p>
-            <a:pPr>
-              <a:buSzPct val="25000"/>
-            </a:pPr>
-            <a:endParaRPr lang="en-US" sz="2800" dirty="0">
-              <a:ea typeface="Calibri"/>
-              <a:cs typeface="Calibri"/>
-              <a:sym typeface="Calibri"/>
-            </a:endParaRPr>
-          </a:p>
-          <a:p>
-            <a:pPr>
-              <a:buSzPct val="25000"/>
-            </a:pPr>
-            <a:r>
-              <a:rPr lang="en-US" sz="2800" dirty="0">
-                <a:ea typeface="Calibri"/>
-                <a:cs typeface="Calibri"/>
-                <a:sym typeface="Calibri"/>
-              </a:rPr>
-              <a:t>How many are two or more standard deviations above the mean?</a:t>
-            </a:r>
-          </a:p>
-          <a:p>
-            <a:pPr>
-              <a:buSzPct val="25000"/>
-            </a:pPr>
-            <a:endParaRPr lang="en-US" sz="2800" dirty="0">
-              <a:ea typeface="Calibri"/>
-              <a:cs typeface="Calibri"/>
-              <a:sym typeface="Calibri"/>
-            </a:endParaRPr>
-          </a:p>
           <a:p>
             <a:pPr>
               <a:buSzPct val="25000"/>
@@ -8330,6 +8576,42 @@
           </a:p>
         </p:txBody>
       </p:sp>
+      <p:pic>
+        <p:nvPicPr>
+          <p:cNvPr id="4" name="Picture 3">
+            <a:extLst>
+              <a:ext uri="{FF2B5EF4-FFF2-40B4-BE49-F238E27FC236}">
+                <a16:creationId xmlns:a16="http://schemas.microsoft.com/office/drawing/2014/main" id="{10DC55DF-EC37-4BD3-8F01-4A53930E4099}"/>
+              </a:ext>
+            </a:extLst>
+          </p:cNvPr>
+          <p:cNvPicPr>
+            <a:picLocks noChangeAspect="1"/>
+          </p:cNvPicPr>
+          <p:nvPr/>
+        </p:nvPicPr>
+        <p:blipFill>
+          <a:blip r:embed="rId3">
+            <a:extLst>
+              <a:ext uri="{28A0092B-C50C-407E-A947-70E740481C1C}">
+                <a14:useLocalDpi xmlns:a14="http://schemas.microsoft.com/office/drawing/2010/main" val="0"/>
+              </a:ext>
+            </a:extLst>
+          </a:blip>
+          <a:stretch>
+            <a:fillRect/>
+          </a:stretch>
+        </p:blipFill>
+        <p:spPr>
+          <a:xfrm>
+            <a:off x="3807516" y="2301986"/>
+            <a:ext cx="6870545" cy="4391174"/>
+          </a:xfrm>
+          <a:prstGeom prst="rect">
+            <a:avLst/>
+          </a:prstGeom>
+        </p:spPr>
+      </p:pic>
     </p:spTree>
     <p:extLst>
       <p:ext uri="{BB962C8B-B14F-4D97-AF65-F5344CB8AC3E}">
@@ -8701,92 +8983,6 @@
   <p:clrMapOvr>
     <a:masterClrMapping/>
   </p:clrMapOvr>
-  <p:timing>
-    <p:tnLst>
-      <p:par>
-        <p:cTn id="1" dur="indefinite" restart="never" nodeType="tmRoot">
-          <p:childTnLst>
-            <p:seq concurrent="1" nextAc="seek">
-              <p:cTn id="2" dur="indefinite" nodeType="mainSeq">
-                <p:childTnLst>
-                  <p:par>
-                    <p:cTn id="3" fill="hold">
-                      <p:stCondLst>
-                        <p:cond delay="indefinite"/>
-                      </p:stCondLst>
-                      <p:childTnLst>
-                        <p:par>
-                          <p:cTn id="4" fill="hold">
-                            <p:stCondLst>
-                              <p:cond delay="0"/>
-                            </p:stCondLst>
-                            <p:childTnLst>
-                              <p:par>
-                                <p:cTn id="5" presetID="10" presetClass="entr" presetSubtype="0" fill="hold" grpId="0" nodeType="clickEffect">
-                                  <p:stCondLst>
-                                    <p:cond delay="0"/>
-                                  </p:stCondLst>
-                                  <p:childTnLst>
-                                    <p:set>
-                                      <p:cBhvr>
-                                        <p:cTn id="6" dur="1" fill="hold">
-                                          <p:stCondLst>
-                                            <p:cond delay="0"/>
-                                          </p:stCondLst>
-                                        </p:cTn>
-                                        <p:tgtEl>
-                                          <p:spTgt spid="7"/>
-                                        </p:tgtEl>
-                                        <p:attrNameLst>
-                                          <p:attrName>style.visibility</p:attrName>
-                                        </p:attrNameLst>
-                                      </p:cBhvr>
-                                      <p:to>
-                                        <p:strVal val="visible"/>
-                                      </p:to>
-                                    </p:set>
-                                    <p:animEffect transition="in" filter="fade">
-                                      <p:cBhvr>
-                                        <p:cTn id="7" dur="500"/>
-                                        <p:tgtEl>
-                                          <p:spTgt spid="7"/>
-                                        </p:tgtEl>
-                                      </p:cBhvr>
-                                    </p:animEffect>
-                                  </p:childTnLst>
-                                </p:cTn>
-                              </p:par>
-                            </p:childTnLst>
-                          </p:cTn>
-                        </p:par>
-                      </p:childTnLst>
-                    </p:cTn>
-                  </p:par>
-                </p:childTnLst>
-              </p:cTn>
-              <p:prevCondLst>
-                <p:cond evt="onPrev" delay="0">
-                  <p:tgtEl>
-                    <p:sldTgt/>
-                  </p:tgtEl>
-                </p:cond>
-              </p:prevCondLst>
-              <p:nextCondLst>
-                <p:cond evt="onNext" delay="0">
-                  <p:tgtEl>
-                    <p:sldTgt/>
-                  </p:tgtEl>
-                </p:cond>
-              </p:nextCondLst>
-            </p:seq>
-          </p:childTnLst>
-        </p:cTn>
-      </p:par>
-    </p:tnLst>
-    <p:bldLst>
-      <p:bldP spid="7" grpId="0"/>
-    </p:bldLst>
-  </p:timing>
 </p:sld>
 </file>
 
@@ -8836,7 +9032,7 @@
           <a:lstStyle/>
           <a:p>
             <a:r>
-              <a:rPr lang="en-US" sz="3600" b="1" dirty="0"/>
+              <a:rPr lang="en-US" sz="3600" dirty="0"/>
               <a:t>Which measure of central tendency should we use for the number of UGA football games we have attended?</a:t>
             </a:r>
           </a:p>
@@ -8857,13 +9053,13 @@
           <p:nvPr>
             <p:extLst>
               <p:ext uri="{D42A27DB-BD31-4B8C-83A1-F6EECF244321}">
-                <p14:modId xmlns:p14="http://schemas.microsoft.com/office/powerpoint/2010/main" val="443331153"/>
+                <p14:modId xmlns:p14="http://schemas.microsoft.com/office/powerpoint/2010/main" val="2701710726"/>
               </p:ext>
             </p:extLst>
           </p:nvPr>
         </p:nvGraphicFramePr>
         <p:xfrm>
-          <a:off x="4395019" y="1696570"/>
+          <a:off x="4797867" y="1722148"/>
           <a:ext cx="2739056" cy="4627138"/>
         </p:xfrm>
         <a:graphic>
@@ -10285,7 +10481,7 @@
   <p:cSld>
     <p:spTree>
       <p:nvGrpSpPr>
-        <p:cNvPr id="1" name=""/>
+        <p:cNvPr id="1" name="Shape 118"/>
         <p:cNvGrpSpPr/>
         <p:nvPr/>
       </p:nvGrpSpPr>
@@ -10299,10 +10495,10 @@
       </p:grpSpPr>
       <p:sp>
         <p:nvSpPr>
-          <p:cNvPr id="6" name="TextBox 5">
+          <p:cNvPr id="11" name="Shape 120">
             <a:extLst>
               <a:ext uri="{FF2B5EF4-FFF2-40B4-BE49-F238E27FC236}">
-                <a16:creationId xmlns:a16="http://schemas.microsoft.com/office/drawing/2014/main" id="{712AC8CF-13A3-4593-9053-122027377F90}"/>
+                <a16:creationId xmlns:a16="http://schemas.microsoft.com/office/drawing/2014/main" id="{40EC573B-C7E2-4CA8-8C16-EB7E1E421CDE}"/>
               </a:ext>
             </a:extLst>
           </p:cNvPr>
@@ -10311,386 +10507,49 @@
         </p:nvSpPr>
         <p:spPr>
           <a:xfrm>
-            <a:off x="226503" y="167780"/>
-            <a:ext cx="6221447" cy="646331"/>
+            <a:off x="307652" y="164839"/>
+            <a:ext cx="11681858" cy="707886"/>
           </a:xfrm>
           <a:prstGeom prst="rect">
             <a:avLst/>
           </a:prstGeom>
           <a:noFill/>
+          <a:ln>
+            <a:noFill/>
+          </a:ln>
         </p:spPr>
         <p:txBody>
-          <a:bodyPr wrap="none" rtlCol="0">
-            <a:spAutoFit/>
+          <a:bodyPr lIns="91425" tIns="45700" rIns="91425" bIns="45700" anchor="t" anchorCtr="0">
+            <a:noAutofit/>
           </a:bodyPr>
           <a:lstStyle/>
           <a:p>
-            <a:r>
-              <a:rPr lang="en-US" sz="3600" b="1" dirty="0"/>
-              <a:t>Measuring standard deviation</a:t>
-            </a:r>
-          </a:p>
-        </p:txBody>
-      </p:sp>
-      <mc:AlternateContent xmlns:mc="http://schemas.openxmlformats.org/markup-compatibility/2006" xmlns:a14="http://schemas.microsoft.com/office/drawing/2010/main">
-        <mc:Choice Requires="a14">
-          <p:sp>
-            <p:nvSpPr>
-              <p:cNvPr id="5" name="TextBox 4">
-                <a:extLst>
-                  <a:ext uri="{FF2B5EF4-FFF2-40B4-BE49-F238E27FC236}">
-                    <a16:creationId xmlns:a16="http://schemas.microsoft.com/office/drawing/2014/main" id="{F92BF2C9-55E9-4A88-B840-1648700978AF}"/>
-                  </a:ext>
-                </a:extLst>
-              </p:cNvPr>
-              <p:cNvSpPr txBox="1"/>
-              <p:nvPr/>
-            </p:nvSpPr>
-            <p:spPr>
-              <a:xfrm>
-                <a:off x="6639646" y="2074391"/>
-                <a:ext cx="4777526" cy="2000484"/>
-              </a:xfrm>
-              <a:prstGeom prst="rect">
-                <a:avLst/>
-              </a:prstGeom>
-              <a:noFill/>
-            </p:spPr>
-            <p:txBody>
-              <a:bodyPr wrap="none" lIns="0" tIns="0" rIns="0" bIns="0" rtlCol="0">
-                <a:spAutoFit/>
-              </a:bodyPr>
-              <a:lstStyle/>
-              <a:p>
-                <a:pPr/>
-                <a14:m>
-                  <m:oMathPara xmlns:m="http://schemas.openxmlformats.org/officeDocument/2006/math">
-                    <m:oMathParaPr>
-                      <m:jc m:val="centerGroup"/>
-                    </m:oMathParaPr>
-                    <m:oMath xmlns:m="http://schemas.openxmlformats.org/officeDocument/2006/math">
-                      <m:r>
-                        <a:rPr lang="en-US" sz="4400" b="0" i="1" smtClean="0">
-                          <a:solidFill>
-                            <a:schemeClr val="accent2">
-                              <a:lumMod val="20000"/>
-                              <a:lumOff val="80000"/>
-                            </a:schemeClr>
-                          </a:solidFill>
-                          <a:latin typeface="Cambria Math" panose="02040503050406030204" pitchFamily="18" charset="0"/>
-                        </a:rPr>
-                        <m:t>𝑠</m:t>
-                      </m:r>
-                      <m:r>
-                        <a:rPr lang="en-US" sz="4400" b="0" i="1" smtClean="0">
-                          <a:solidFill>
-                            <a:schemeClr val="accent2">
-                              <a:lumMod val="20000"/>
-                              <a:lumOff val="80000"/>
-                            </a:schemeClr>
-                          </a:solidFill>
-                          <a:latin typeface="Cambria Math" panose="02040503050406030204" pitchFamily="18" charset="0"/>
-                        </a:rPr>
-                        <m:t>=</m:t>
-                      </m:r>
-                      <m:rad>
-                        <m:radPr>
-                          <m:degHide m:val="on"/>
-                          <m:ctrlPr>
-                            <a:rPr lang="en-US" sz="4400" b="0" i="1" smtClean="0">
-                              <a:solidFill>
-                                <a:schemeClr val="accent2">
-                                  <a:lumMod val="20000"/>
-                                  <a:lumOff val="80000"/>
-                                </a:schemeClr>
-                              </a:solidFill>
-                              <a:latin typeface="Cambria Math" panose="02040503050406030204" pitchFamily="18" charset="0"/>
-                            </a:rPr>
-                          </m:ctrlPr>
-                        </m:radPr>
-                        <m:deg/>
-                        <m:e>
-                          <m:f>
-                            <m:fPr>
-                              <m:ctrlPr>
-                                <a:rPr lang="en-US" sz="4400" b="0" i="1" smtClean="0">
-                                  <a:solidFill>
-                                    <a:schemeClr val="accent2">
-                                      <a:lumMod val="20000"/>
-                                      <a:lumOff val="80000"/>
-                                    </a:schemeClr>
-                                  </a:solidFill>
-                                  <a:latin typeface="Cambria Math" panose="02040503050406030204" pitchFamily="18" charset="0"/>
-                                </a:rPr>
-                              </m:ctrlPr>
-                            </m:fPr>
-                            <m:num>
-                              <m:nary>
-                                <m:naryPr>
-                                  <m:chr m:val="∑"/>
-                                  <m:ctrlPr>
-                                    <a:rPr lang="en-US" sz="4400" b="0" i="1" smtClean="0">
-                                      <a:solidFill>
-                                        <a:schemeClr val="accent2">
-                                          <a:lumMod val="20000"/>
-                                          <a:lumOff val="80000"/>
-                                        </a:schemeClr>
-                                      </a:solidFill>
-                                      <a:latin typeface="Cambria Math" panose="02040503050406030204" pitchFamily="18" charset="0"/>
-                                    </a:rPr>
-                                  </m:ctrlPr>
-                                </m:naryPr>
-                                <m:sub>
-                                  <m:r>
-                                    <m:rPr>
-                                      <m:brk m:alnAt="23"/>
-                                    </m:rPr>
-                                    <a:rPr lang="en-US" sz="4400" b="0" i="1" smtClean="0">
-                                      <a:solidFill>
-                                        <a:schemeClr val="accent2">
-                                          <a:lumMod val="20000"/>
-                                          <a:lumOff val="80000"/>
-                                        </a:schemeClr>
-                                      </a:solidFill>
-                                      <a:latin typeface="Cambria Math" panose="02040503050406030204" pitchFamily="18" charset="0"/>
-                                    </a:rPr>
-                                    <m:t>𝑖</m:t>
-                                  </m:r>
-                                  <m:r>
-                                    <a:rPr lang="en-US" sz="4400" b="0" i="1" smtClean="0">
-                                      <a:solidFill>
-                                        <a:schemeClr val="accent2">
-                                          <a:lumMod val="20000"/>
-                                          <a:lumOff val="80000"/>
-                                        </a:schemeClr>
-                                      </a:solidFill>
-                                      <a:latin typeface="Cambria Math" panose="02040503050406030204" pitchFamily="18" charset="0"/>
-                                    </a:rPr>
-                                    <m:t>=1</m:t>
-                                  </m:r>
-                                </m:sub>
-                                <m:sup>
-                                  <m:r>
-                                    <a:rPr lang="en-US" sz="4400" b="0" i="1" smtClean="0">
-                                      <a:solidFill>
-                                        <a:schemeClr val="accent2">
-                                          <a:lumMod val="20000"/>
-                                          <a:lumOff val="80000"/>
-                                        </a:schemeClr>
-                                      </a:solidFill>
-                                      <a:latin typeface="Cambria Math" panose="02040503050406030204" pitchFamily="18" charset="0"/>
-                                    </a:rPr>
-                                    <m:t>𝑛</m:t>
-                                  </m:r>
-                                </m:sup>
-                                <m:e>
-                                  <m:sSup>
-                                    <m:sSupPr>
-                                      <m:ctrlPr>
-                                        <a:rPr lang="en-US" sz="4400" b="0" i="1" smtClean="0">
-                                          <a:solidFill>
-                                            <a:schemeClr val="accent2">
-                                              <a:lumMod val="20000"/>
-                                              <a:lumOff val="80000"/>
-                                            </a:schemeClr>
-                                          </a:solidFill>
-                                          <a:latin typeface="Cambria Math" panose="02040503050406030204" pitchFamily="18" charset="0"/>
-                                        </a:rPr>
-                                      </m:ctrlPr>
-                                    </m:sSupPr>
-                                    <m:e>
-                                      <m:r>
-                                        <a:rPr lang="en-US" sz="4400" b="0" i="1" smtClean="0">
-                                          <a:solidFill>
-                                            <a:schemeClr val="accent2">
-                                              <a:lumMod val="20000"/>
-                                              <a:lumOff val="80000"/>
-                                            </a:schemeClr>
-                                          </a:solidFill>
-                                          <a:latin typeface="Cambria Math" panose="02040503050406030204" pitchFamily="18" charset="0"/>
-                                        </a:rPr>
-                                        <m:t>(</m:t>
-                                      </m:r>
-                                      <m:acc>
-                                        <m:accPr>
-                                          <m:chr m:val="̅"/>
-                                          <m:ctrlPr>
-                                            <a:rPr lang="en-US" sz="4400" i="1">
-                                              <a:solidFill>
-                                                <a:schemeClr val="accent2">
-                                                  <a:lumMod val="20000"/>
-                                                  <a:lumOff val="80000"/>
-                                                </a:schemeClr>
-                                              </a:solidFill>
-                                              <a:latin typeface="Cambria Math" panose="02040503050406030204" pitchFamily="18" charset="0"/>
-                                            </a:rPr>
-                                          </m:ctrlPr>
-                                        </m:accPr>
-                                        <m:e>
-                                          <m:r>
-                                            <a:rPr lang="en-US" sz="4400" i="1">
-                                              <a:solidFill>
-                                                <a:schemeClr val="accent2">
-                                                  <a:lumMod val="20000"/>
-                                                  <a:lumOff val="80000"/>
-                                                </a:schemeClr>
-                                              </a:solidFill>
-                                              <a:latin typeface="Cambria Math" panose="02040503050406030204" pitchFamily="18" charset="0"/>
-                                            </a:rPr>
-                                            <m:t>𝑋</m:t>
-                                          </m:r>
-                                        </m:e>
-                                      </m:acc>
-                                      <m:r>
-                                        <a:rPr lang="en-US" sz="4400" i="1">
-                                          <a:solidFill>
-                                            <a:schemeClr val="accent2">
-                                              <a:lumMod val="20000"/>
-                                              <a:lumOff val="80000"/>
-                                            </a:schemeClr>
-                                          </a:solidFill>
-                                          <a:latin typeface="Cambria Math" panose="02040503050406030204" pitchFamily="18" charset="0"/>
-                                        </a:rPr>
-                                        <m:t>−</m:t>
-                                      </m:r>
-                                      <m:r>
-                                        <a:rPr lang="en-US" sz="4400" i="1">
-                                          <a:solidFill>
-                                            <a:schemeClr val="accent2">
-                                              <a:lumMod val="20000"/>
-                                              <a:lumOff val="80000"/>
-                                            </a:schemeClr>
-                                          </a:solidFill>
-                                          <a:latin typeface="Cambria Math" panose="02040503050406030204" pitchFamily="18" charset="0"/>
-                                        </a:rPr>
-                                        <m:t>𝑥</m:t>
-                                      </m:r>
-                                      <m:r>
-                                        <a:rPr lang="en-US" sz="4400" i="1">
-                                          <a:solidFill>
-                                            <a:schemeClr val="accent2">
-                                              <a:lumMod val="20000"/>
-                                              <a:lumOff val="80000"/>
-                                            </a:schemeClr>
-                                          </a:solidFill>
-                                          <a:latin typeface="Cambria Math" panose="02040503050406030204" pitchFamily="18" charset="0"/>
-                                        </a:rPr>
-                                        <m:t>)</m:t>
-                                      </m:r>
-                                    </m:e>
-                                    <m:sup>
-                                      <m:r>
-                                        <a:rPr lang="en-US" sz="4400" b="0" i="1" smtClean="0">
-                                          <a:solidFill>
-                                            <a:schemeClr val="accent2">
-                                              <a:lumMod val="20000"/>
-                                              <a:lumOff val="80000"/>
-                                            </a:schemeClr>
-                                          </a:solidFill>
-                                          <a:latin typeface="Cambria Math" panose="02040503050406030204" pitchFamily="18" charset="0"/>
-                                        </a:rPr>
-                                        <m:t>2</m:t>
-                                      </m:r>
-                                    </m:sup>
-                                  </m:sSup>
-                                </m:e>
-                              </m:nary>
-                            </m:num>
-                            <m:den>
-                              <m:r>
-                                <a:rPr lang="en-US" sz="4400" b="0" i="1" smtClean="0">
-                                  <a:solidFill>
-                                    <a:schemeClr val="accent2">
-                                      <a:lumMod val="20000"/>
-                                      <a:lumOff val="80000"/>
-                                    </a:schemeClr>
-                                  </a:solidFill>
-                                  <a:latin typeface="Cambria Math" panose="02040503050406030204" pitchFamily="18" charset="0"/>
-                                </a:rPr>
-                                <m:t>𝑛</m:t>
-                              </m:r>
-                              <m:r>
-                                <a:rPr lang="en-US" sz="4400" b="0" i="1" smtClean="0">
-                                  <a:solidFill>
-                                    <a:schemeClr val="accent2">
-                                      <a:lumMod val="20000"/>
-                                      <a:lumOff val="80000"/>
-                                    </a:schemeClr>
-                                  </a:solidFill>
-                                  <a:latin typeface="Cambria Math" panose="02040503050406030204" pitchFamily="18" charset="0"/>
-                                </a:rPr>
-                                <m:t>−1</m:t>
-                              </m:r>
-                            </m:den>
-                          </m:f>
-                        </m:e>
-                      </m:rad>
-                    </m:oMath>
-                  </m:oMathPara>
-                </a14:m>
-                <a:endParaRPr lang="en-US" sz="2000" dirty="0">
-                  <a:solidFill>
-                    <a:schemeClr val="accent2">
-                      <a:lumMod val="20000"/>
-                      <a:lumOff val="80000"/>
-                    </a:schemeClr>
-                  </a:solidFill>
-                </a:endParaRPr>
-              </a:p>
-            </p:txBody>
-          </p:sp>
-        </mc:Choice>
-        <mc:Fallback xmlns="">
-          <p:sp>
-            <p:nvSpPr>
-              <p:cNvPr id="5" name="TextBox 4">
-                <a:extLst>
-                  <a:ext uri="{FF2B5EF4-FFF2-40B4-BE49-F238E27FC236}">
-                    <a16:creationId xmlns:a16="http://schemas.microsoft.com/office/drawing/2014/main" id="{F92BF2C9-55E9-4A88-B840-1648700978AF}"/>
-                  </a:ext>
-                </a:extLst>
-              </p:cNvPr>
-              <p:cNvSpPr txBox="1">
-                <a:spLocks noRot="1" noChangeAspect="1" noMove="1" noResize="1" noEditPoints="1" noAdjustHandles="1" noChangeArrowheads="1" noChangeShapeType="1" noTextEdit="1"/>
-              </p:cNvSpPr>
-              <p:nvPr/>
-            </p:nvSpPr>
-            <p:spPr>
-              <a:xfrm>
-                <a:off x="6639646" y="2074391"/>
-                <a:ext cx="4777526" cy="2000484"/>
-              </a:xfrm>
-              <a:prstGeom prst="rect">
-                <a:avLst/>
-              </a:prstGeom>
-              <a:blipFill>
-                <a:blip r:embed="rId2"/>
-                <a:stretch>
-                  <a:fillRect/>
-                </a:stretch>
-              </a:blipFill>
-            </p:spPr>
-            <p:txBody>
-              <a:bodyPr/>
-              <a:lstStyle/>
-              <a:p>
-                <a:r>
-                  <a:rPr lang="en-US">
-                    <a:noFill/>
-                  </a:rPr>
-                  <a:t> </a:t>
-                </a:r>
-              </a:p>
-            </p:txBody>
-          </p:sp>
-        </mc:Fallback>
-      </mc:AlternateContent>
-      <p:sp>
-        <p:nvSpPr>
-          <p:cNvPr id="8" name="Rectangle 7">
+            <a:pPr>
+              <a:buSzPct val="25000"/>
+            </a:pPr>
+            <a:r>
+              <a:rPr lang="en-US" sz="4000" dirty="0">
+                <a:solidFill>
+                  <a:schemeClr val="tx1">
+                    <a:lumMod val="85000"/>
+                    <a:lumOff val="15000"/>
+                  </a:schemeClr>
+                </a:solidFill>
+                <a:ea typeface="Calibri"/>
+                <a:cs typeface="Calibri"/>
+                <a:sym typeface="Calibri"/>
+              </a:rPr>
+              <a:t>Summary statistics for our county data in Excel</a:t>
+            </a:r>
+          </a:p>
+        </p:txBody>
+      </p:sp>
+      <p:sp>
+        <p:nvSpPr>
+          <p:cNvPr id="3" name="Rectangle 2">
             <a:extLst>
               <a:ext uri="{FF2B5EF4-FFF2-40B4-BE49-F238E27FC236}">
-                <a16:creationId xmlns:a16="http://schemas.microsoft.com/office/drawing/2014/main" id="{D4F18F7E-6B87-4776-849F-EB88CF60DA92}"/>
+                <a16:creationId xmlns:a16="http://schemas.microsoft.com/office/drawing/2014/main" id="{C0B0F76B-2B24-44D4-9139-AE2D920659AB}"/>
               </a:ext>
             </a:extLst>
           </p:cNvPr>
@@ -10699,8 +10558,8 @@
         </p:nvSpPr>
         <p:spPr>
           <a:xfrm>
-            <a:off x="494951" y="1096753"/>
-            <a:ext cx="5838737" cy="3108543"/>
+            <a:off x="827869" y="1054808"/>
+            <a:ext cx="10905865" cy="3046988"/>
           </a:xfrm>
           <a:prstGeom prst="rect">
             <a:avLst/>
@@ -10712,33 +10571,138 @@
           </a:bodyPr>
           <a:lstStyle/>
           <a:p>
+            <a:pPr>
+              <a:buSzPct val="25000"/>
+            </a:pPr>
+            <a:r>
+              <a:rPr lang="en-US" sz="3200" dirty="0">
+                <a:ea typeface="Calibri"/>
+                <a:cs typeface="Calibri"/>
+                <a:sym typeface="Calibri"/>
+              </a:rPr>
+              <a:t>For </a:t>
+            </a:r>
+            <a:r>
+              <a:rPr lang="en-US" sz="3200" dirty="0" err="1">
+                <a:ea typeface="Calibri"/>
+                <a:cs typeface="Calibri"/>
+                <a:sym typeface="Calibri"/>
+              </a:rPr>
+              <a:t>LessHSPct</a:t>
+            </a:r>
+            <a:r>
+              <a:rPr lang="en-US" sz="3200" dirty="0">
+                <a:ea typeface="Calibri"/>
+                <a:cs typeface="Calibri"/>
+                <a:sym typeface="Calibri"/>
+              </a:rPr>
+              <a:t> and </a:t>
+            </a:r>
+            <a:r>
+              <a:rPr lang="en-US" sz="3200" dirty="0" err="1">
+                <a:ea typeface="Calibri"/>
+                <a:cs typeface="Calibri"/>
+                <a:sym typeface="Calibri"/>
+              </a:rPr>
+              <a:t>HSGradPct</a:t>
+            </a:r>
+            <a:endParaRPr lang="en-US" sz="3200" dirty="0">
+              <a:ea typeface="Calibri"/>
+              <a:cs typeface="Calibri"/>
+              <a:sym typeface="Calibri"/>
+            </a:endParaRPr>
+          </a:p>
+          <a:p>
             <a:pPr marL="457200" indent="-457200">
+              <a:buSzPct val="100000"/>
               <a:buFont typeface="Arial" panose="020B0604020202020204" pitchFamily="34" charset="0"/>
               <a:buChar char="•"/>
             </a:pPr>
             <a:r>
-              <a:rPr lang="en-US" sz="2800" dirty="0"/>
-              <a:t>What’s the mean of all your rolls? (X bar)</a:t>
+              <a:rPr lang="en-US" sz="3200" dirty="0">
+                <a:ea typeface="Calibri"/>
+                <a:cs typeface="Calibri"/>
+                <a:sym typeface="Calibri"/>
+              </a:rPr>
+              <a:t>Calculate the mean, median and standard deviation</a:t>
             </a:r>
           </a:p>
           <a:p>
             <a:pPr marL="457200" indent="-457200">
+              <a:buSzPct val="100000"/>
               <a:buFont typeface="Arial" panose="020B0604020202020204" pitchFamily="34" charset="0"/>
               <a:buChar char="•"/>
             </a:pPr>
             <a:r>
-              <a:rPr lang="en-US" sz="2800" dirty="0"/>
-              <a:t>What’s the difference between the mean and each of your individual rolls? (Squared and summed/absolute value)</a:t>
+              <a:rPr lang="en-US" sz="3200" dirty="0">
+                <a:ea typeface="Calibri"/>
+                <a:cs typeface="Calibri"/>
+                <a:sym typeface="Calibri"/>
+              </a:rPr>
+              <a:t>Calculate the 1</a:t>
+            </a:r>
+            <a:r>
+              <a:rPr lang="en-US" sz="3200" baseline="30000" dirty="0">
+                <a:ea typeface="Calibri"/>
+                <a:cs typeface="Calibri"/>
+                <a:sym typeface="Calibri"/>
+              </a:rPr>
+              <a:t>st</a:t>
+            </a:r>
+            <a:r>
+              <a:rPr lang="en-US" sz="3200" dirty="0">
+                <a:ea typeface="Calibri"/>
+                <a:cs typeface="Calibri"/>
+                <a:sym typeface="Calibri"/>
+              </a:rPr>
+              <a:t> and 3</a:t>
+            </a:r>
+            <a:r>
+              <a:rPr lang="en-US" sz="3200" baseline="30000" dirty="0">
+                <a:ea typeface="Calibri"/>
+                <a:cs typeface="Calibri"/>
+                <a:sym typeface="Calibri"/>
+              </a:rPr>
+              <a:t>rd</a:t>
+            </a:r>
+            <a:r>
+              <a:rPr lang="en-US" sz="3200" dirty="0">
+                <a:ea typeface="Calibri"/>
+                <a:cs typeface="Calibri"/>
+                <a:sym typeface="Calibri"/>
+              </a:rPr>
+              <a:t> quartiles as well as the IQR. The function in Excel is =QUARTILE(</a:t>
+            </a:r>
+            <a:r>
+              <a:rPr lang="en-US" sz="3200" dirty="0" err="1">
+                <a:ea typeface="Calibri"/>
+                <a:cs typeface="Calibri"/>
+                <a:sym typeface="Calibri"/>
+              </a:rPr>
+              <a:t>column,quartile</a:t>
+            </a:r>
+            <a:r>
+              <a:rPr lang="en-US" sz="3200" dirty="0">
+                <a:ea typeface="Calibri"/>
+                <a:cs typeface="Calibri"/>
+                <a:sym typeface="Calibri"/>
+              </a:rPr>
+              <a:t> #)</a:t>
             </a:r>
           </a:p>
           <a:p>
             <a:pPr marL="457200" indent="-457200">
+              <a:buSzPct val="100000"/>
               <a:buFont typeface="Arial" panose="020B0604020202020204" pitchFamily="34" charset="0"/>
               <a:buChar char="•"/>
             </a:pPr>
             <a:r>
-              <a:rPr lang="en-US" sz="2800" dirty="0"/>
-              <a:t>How many rolls do you have?</a:t>
+              <a:rPr lang="en-US" sz="3200" dirty="0">
+                <a:ea typeface="Calibri"/>
+                <a:cs typeface="Calibri"/>
+                <a:sym typeface="Calibri"/>
+              </a:rPr>
+              <a:t>Combine the two variables into a single one (HS Graduate or below) and calculate the same statistics for that variable</a:t>
             </a:r>
           </a:p>
         </p:txBody>
@@ -10746,99 +10710,13 @@
     </p:spTree>
     <p:extLst>
       <p:ext uri="{BB962C8B-B14F-4D97-AF65-F5344CB8AC3E}">
-        <p14:creationId xmlns:p14="http://schemas.microsoft.com/office/powerpoint/2010/main" val="1908617593"/>
+        <p14:creationId xmlns:p14="http://schemas.microsoft.com/office/powerpoint/2010/main" val="238302508"/>
       </p:ext>
     </p:extLst>
   </p:cSld>
   <p:clrMapOvr>
     <a:masterClrMapping/>
   </p:clrMapOvr>
-  <p:timing>
-    <p:tnLst>
-      <p:par>
-        <p:cTn id="1" dur="indefinite" restart="never" nodeType="tmRoot">
-          <p:childTnLst>
-            <p:seq concurrent="1" nextAc="seek">
-              <p:cTn id="2" dur="indefinite" nodeType="mainSeq">
-                <p:childTnLst>
-                  <p:par>
-                    <p:cTn id="3" fill="hold">
-                      <p:stCondLst>
-                        <p:cond delay="indefinite"/>
-                      </p:stCondLst>
-                      <p:childTnLst>
-                        <p:par>
-                          <p:cTn id="4" fill="hold">
-                            <p:stCondLst>
-                              <p:cond delay="0"/>
-                            </p:stCondLst>
-                            <p:childTnLst>
-                              <p:par>
-                                <p:cTn id="5" presetID="10" presetClass="entr" presetSubtype="0" fill="hold" grpId="0" nodeType="clickEffect">
-                                  <p:stCondLst>
-                                    <p:cond delay="0"/>
-                                  </p:stCondLst>
-                                  <p:childTnLst>
-                                    <p:set>
-                                      <p:cBhvr>
-                                        <p:cTn id="6" dur="1" fill="hold">
-                                          <p:stCondLst>
-                                            <p:cond delay="0"/>
-                                          </p:stCondLst>
-                                        </p:cTn>
-                                        <p:tgtEl>
-                                          <p:spTgt spid="8"/>
-                                        </p:tgtEl>
-                                        <p:attrNameLst>
-                                          <p:attrName>style.visibility</p:attrName>
-                                        </p:attrNameLst>
-                                      </p:cBhvr>
-                                      <p:to>
-                                        <p:strVal val="visible"/>
-                                      </p:to>
-                                    </p:set>
-                                    <p:animEffect transition="in" filter="fade">
-                                      <p:cBhvr>
-                                        <p:cTn id="7" dur="500"/>
-                                        <p:tgtEl>
-                                          <p:spTgt spid="8"/>
-                                        </p:tgtEl>
-                                      </p:cBhvr>
-                                    </p:animEffect>
-                                  </p:childTnLst>
-                                </p:cTn>
-                              </p:par>
-                            </p:childTnLst>
-                          </p:cTn>
-                        </p:par>
-                      </p:childTnLst>
-                    </p:cTn>
-                  </p:par>
-                </p:childTnLst>
-              </p:cTn>
-              <p:prevCondLst>
-                <p:cond evt="onPrev" delay="0">
-                  <p:tgtEl>
-                    <p:sldTgt/>
-                  </p:tgtEl>
-                </p:cond>
-              </p:prevCondLst>
-              <p:nextCondLst>
-                <p:cond evt="onNext" delay="0">
-                  <p:tgtEl>
-                    <p:sldTgt/>
-                  </p:tgtEl>
-                </p:cond>
-              </p:nextCondLst>
-            </p:seq>
-          </p:childTnLst>
-        </p:cTn>
-      </p:par>
-    </p:tnLst>
-    <p:bldLst>
-      <p:bldP spid="8" grpId="0"/>
-    </p:bldLst>
-  </p:timing>
 </p:sld>
 </file>
 
@@ -10933,7 +10811,17 @@
             </a:pPr>
             <a:r>
               <a:rPr lang="en-US" sz="2800" dirty="0"/>
-              <a:t>What’s the mean (sum of all rolls/10), median (average of two middle values), and standard deviation? What’s the IQR?</a:t>
+              <a:t>What’s the mean (sum of all rolls/10) and median (average of two middle values) of these rolls? Do they differ?</a:t>
+            </a:r>
+          </a:p>
+          <a:p>
+            <a:pPr marL="457200" indent="-457200">
+              <a:buFont typeface="Arial" panose="020B0604020202020204" pitchFamily="34" charset="0"/>
+              <a:buChar char="•"/>
+            </a:pPr>
+            <a:r>
+              <a:rPr lang="en-US" sz="2800" dirty="0"/>
+              <a:t>What’s the IQR?</a:t>
             </a:r>
           </a:p>
         </p:txBody>
